--- a/LendingCaseStudy.pptx
+++ b/LendingCaseStudy.pptx
@@ -7,12 +7,18 @@
   <p:sldIdLst>
     <p:sldId id="256" r:id="rId2"/>
     <p:sldId id="257" r:id="rId3"/>
-    <p:sldId id="262" r:id="rId4"/>
-    <p:sldId id="259" r:id="rId5"/>
-    <p:sldId id="260" r:id="rId6"/>
-    <p:sldId id="261" r:id="rId7"/>
-    <p:sldId id="263" r:id="rId8"/>
-    <p:sldId id="264" r:id="rId9"/>
+    <p:sldId id="265" r:id="rId4"/>
+    <p:sldId id="266" r:id="rId5"/>
+    <p:sldId id="259" r:id="rId6"/>
+    <p:sldId id="262" r:id="rId7"/>
+    <p:sldId id="267" r:id="rId8"/>
+    <p:sldId id="268" r:id="rId9"/>
+    <p:sldId id="269" r:id="rId10"/>
+    <p:sldId id="270" r:id="rId11"/>
+    <p:sldId id="263" r:id="rId12"/>
+    <p:sldId id="271" r:id="rId13"/>
+    <p:sldId id="272" r:id="rId14"/>
+    <p:sldId id="260" r:id="rId15"/>
   </p:sldIdLst>
   <p:sldSz cx="12192000" cy="6858000"/>
   <p:notesSz cx="6858000" cy="9144000"/>
@@ -585,7 +591,7 @@
           <a:p>
             <a:fld id="{145CB8DD-B76A-4184-AA5D-D02C525E65F3}" type="datetimeFigureOut">
               <a:rPr lang="en-IN" smtClean="0"/>
-              <a:t>19-01-2025</a:t>
+              <a:t>21-01-2025</a:t>
             </a:fld>
             <a:endParaRPr lang="en-IN"/>
           </a:p>
@@ -785,7 +791,7 @@
           <a:p>
             <a:fld id="{145CB8DD-B76A-4184-AA5D-D02C525E65F3}" type="datetimeFigureOut">
               <a:rPr lang="en-IN" smtClean="0"/>
-              <a:t>19-01-2025</a:t>
+              <a:t>21-01-2025</a:t>
             </a:fld>
             <a:endParaRPr lang="en-IN"/>
           </a:p>
@@ -995,7 +1001,7 @@
           <a:p>
             <a:fld id="{145CB8DD-B76A-4184-AA5D-D02C525E65F3}" type="datetimeFigureOut">
               <a:rPr lang="en-IN" smtClean="0"/>
-              <a:t>19-01-2025</a:t>
+              <a:t>21-01-2025</a:t>
             </a:fld>
             <a:endParaRPr lang="en-IN"/>
           </a:p>
@@ -1195,7 +1201,7 @@
           <a:p>
             <a:fld id="{145CB8DD-B76A-4184-AA5D-D02C525E65F3}" type="datetimeFigureOut">
               <a:rPr lang="en-IN" smtClean="0"/>
-              <a:t>19-01-2025</a:t>
+              <a:t>21-01-2025</a:t>
             </a:fld>
             <a:endParaRPr lang="en-IN"/>
           </a:p>
@@ -1471,7 +1477,7 @@
           <a:p>
             <a:fld id="{145CB8DD-B76A-4184-AA5D-D02C525E65F3}" type="datetimeFigureOut">
               <a:rPr lang="en-IN" smtClean="0"/>
-              <a:t>19-01-2025</a:t>
+              <a:t>21-01-2025</a:t>
             </a:fld>
             <a:endParaRPr lang="en-IN"/>
           </a:p>
@@ -1739,7 +1745,7 @@
           <a:p>
             <a:fld id="{145CB8DD-B76A-4184-AA5D-D02C525E65F3}" type="datetimeFigureOut">
               <a:rPr lang="en-IN" smtClean="0"/>
-              <a:t>19-01-2025</a:t>
+              <a:t>21-01-2025</a:t>
             </a:fld>
             <a:endParaRPr lang="en-IN"/>
           </a:p>
@@ -2154,7 +2160,7 @@
           <a:p>
             <a:fld id="{145CB8DD-B76A-4184-AA5D-D02C525E65F3}" type="datetimeFigureOut">
               <a:rPr lang="en-IN" smtClean="0"/>
-              <a:t>19-01-2025</a:t>
+              <a:t>21-01-2025</a:t>
             </a:fld>
             <a:endParaRPr lang="en-IN"/>
           </a:p>
@@ -2296,7 +2302,7 @@
           <a:p>
             <a:fld id="{145CB8DD-B76A-4184-AA5D-D02C525E65F3}" type="datetimeFigureOut">
               <a:rPr lang="en-IN" smtClean="0"/>
-              <a:t>19-01-2025</a:t>
+              <a:t>21-01-2025</a:t>
             </a:fld>
             <a:endParaRPr lang="en-IN"/>
           </a:p>
@@ -2409,7 +2415,7 @@
           <a:p>
             <a:fld id="{145CB8DD-B76A-4184-AA5D-D02C525E65F3}" type="datetimeFigureOut">
               <a:rPr lang="en-IN" smtClean="0"/>
-              <a:t>19-01-2025</a:t>
+              <a:t>21-01-2025</a:t>
             </a:fld>
             <a:endParaRPr lang="en-IN"/>
           </a:p>
@@ -2722,7 +2728,7 @@
           <a:p>
             <a:fld id="{145CB8DD-B76A-4184-AA5D-D02C525E65F3}" type="datetimeFigureOut">
               <a:rPr lang="en-IN" smtClean="0"/>
-              <a:t>19-01-2025</a:t>
+              <a:t>21-01-2025</a:t>
             </a:fld>
             <a:endParaRPr lang="en-IN"/>
           </a:p>
@@ -3011,7 +3017,7 @@
           <a:p>
             <a:fld id="{145CB8DD-B76A-4184-AA5D-D02C525E65F3}" type="datetimeFigureOut">
               <a:rPr lang="en-IN" smtClean="0"/>
-              <a:t>19-01-2025</a:t>
+              <a:t>21-01-2025</a:t>
             </a:fld>
             <a:endParaRPr lang="en-IN"/>
           </a:p>
@@ -3254,7 +3260,7 @@
           <a:p>
             <a:fld id="{145CB8DD-B76A-4184-AA5D-D02C525E65F3}" type="datetimeFigureOut">
               <a:rPr lang="en-IN" smtClean="0"/>
-              <a:t>19-01-2025</a:t>
+              <a:t>21-01-2025</a:t>
             </a:fld>
             <a:endParaRPr lang="en-IN"/>
           </a:p>
@@ -3694,36 +3700,7 @@
           <a:p>
             <a:r>
               <a:rPr lang="en-US" dirty="0"/>
-              <a:t>Lending case study</a:t>
-            </a:r>
-            <a:endParaRPr lang="en-IN" dirty="0"/>
-          </a:p>
-        </p:txBody>
-      </p:sp>
-      <p:sp>
-        <p:nvSpPr>
-          <p:cNvPr id="3" name="Subtitle 2">
-            <a:extLst>
-              <a:ext uri="{FF2B5EF4-FFF2-40B4-BE49-F238E27FC236}">
-                <a16:creationId xmlns:a16="http://schemas.microsoft.com/office/drawing/2014/main" id="{1078F6C7-C0BA-AA0E-DD55-A1299A080CEF}"/>
-              </a:ext>
-            </a:extLst>
-          </p:cNvPr>
-          <p:cNvSpPr>
-            <a:spLocks noGrp="1"/>
-          </p:cNvSpPr>
-          <p:nvPr>
-            <p:ph type="subTitle" idx="1"/>
-          </p:nvPr>
-        </p:nvSpPr>
-        <p:spPr/>
-        <p:txBody>
-          <a:bodyPr/>
-          <a:lstStyle/>
-          <a:p>
-            <a:r>
-              <a:rPr lang="en-US" dirty="0"/>
-              <a:t>details</a:t>
+              <a:t>Lending club case study</a:t>
             </a:r>
             <a:endParaRPr lang="en-IN" dirty="0"/>
           </a:p>
@@ -3733,6 +3710,881 @@
     <p:extLst>
       <p:ext uri="{BB962C8B-B14F-4D97-AF65-F5344CB8AC3E}">
         <p14:creationId xmlns:p14="http://schemas.microsoft.com/office/powerpoint/2010/main" val="3423708300"/>
+      </p:ext>
+    </p:extLst>
+  </p:cSld>
+  <p:clrMapOvr>
+    <a:masterClrMapping/>
+  </p:clrMapOvr>
+</p:sld>
+</file>
+
+<file path=ppt/slides/slide10.xml><?xml version="1.0" encoding="utf-8"?>
+<p:sld xmlns:a="http://schemas.openxmlformats.org/drawingml/2006/main" xmlns:r="http://schemas.openxmlformats.org/officeDocument/2006/relationships" xmlns:p="http://schemas.openxmlformats.org/presentationml/2006/main">
+  <p:cSld>
+    <p:spTree>
+      <p:nvGrpSpPr>
+        <p:cNvPr id="1" name="">
+          <a:extLst>
+            <a:ext uri="{FF2B5EF4-FFF2-40B4-BE49-F238E27FC236}">
+              <a16:creationId xmlns:a16="http://schemas.microsoft.com/office/drawing/2014/main" id="{91895BE5-78AB-663E-9668-5FF206A020CC}"/>
+            </a:ext>
+          </a:extLst>
+        </p:cNvPr>
+        <p:cNvGrpSpPr/>
+        <p:nvPr/>
+      </p:nvGrpSpPr>
+      <p:grpSpPr>
+        <a:xfrm>
+          <a:off x="0" y="0"/>
+          <a:ext cx="0" cy="0"/>
+          <a:chOff x="0" y="0"/>
+          <a:chExt cx="0" cy="0"/>
+        </a:xfrm>
+      </p:grpSpPr>
+      <p:sp>
+        <p:nvSpPr>
+          <p:cNvPr id="2" name="Title 1">
+            <a:extLst>
+              <a:ext uri="{FF2B5EF4-FFF2-40B4-BE49-F238E27FC236}">
+                <a16:creationId xmlns:a16="http://schemas.microsoft.com/office/drawing/2014/main" id="{C9199C33-E69C-7519-E88E-834CA3BDCBD9}"/>
+              </a:ext>
+            </a:extLst>
+          </p:cNvPr>
+          <p:cNvSpPr>
+            <a:spLocks noGrp="1"/>
+          </p:cNvSpPr>
+          <p:nvPr>
+            <p:ph type="title"/>
+          </p:nvPr>
+        </p:nvSpPr>
+        <p:spPr>
+          <a:xfrm>
+            <a:off x="550524" y="617579"/>
+            <a:ext cx="10515600" cy="1374692"/>
+          </a:xfrm>
+        </p:spPr>
+        <p:txBody>
+          <a:bodyPr/>
+          <a:lstStyle/>
+          <a:p>
+            <a:r>
+              <a:rPr lang="en-IN" dirty="0"/>
+              <a:t>Default rates based on credit utilization</a:t>
+            </a:r>
+            <a:br>
+              <a:rPr lang="en-IN" b="0" dirty="0">
+                <a:solidFill>
+                  <a:srgbClr val="CCCCCC"/>
+                </a:solidFill>
+                <a:effectLst/>
+                <a:latin typeface="Consolas" panose="020B0609020204030204" pitchFamily="49" charset="0"/>
+              </a:rPr>
+            </a:br>
+            <a:endParaRPr lang="en-IN" dirty="0"/>
+          </a:p>
+        </p:txBody>
+      </p:sp>
+      <p:sp>
+        <p:nvSpPr>
+          <p:cNvPr id="6" name="TextBox 5">
+            <a:extLst>
+              <a:ext uri="{FF2B5EF4-FFF2-40B4-BE49-F238E27FC236}">
+                <a16:creationId xmlns:a16="http://schemas.microsoft.com/office/drawing/2014/main" id="{20110990-1BD3-8FF5-DF78-036E0DB2803B}"/>
+              </a:ext>
+            </a:extLst>
+          </p:cNvPr>
+          <p:cNvSpPr txBox="1"/>
+          <p:nvPr/>
+        </p:nvSpPr>
+        <p:spPr>
+          <a:xfrm>
+            <a:off x="550524" y="3028890"/>
+            <a:ext cx="5537770" cy="1323439"/>
+          </a:xfrm>
+          <a:prstGeom prst="rect">
+            <a:avLst/>
+          </a:prstGeom>
+          <a:noFill/>
+        </p:spPr>
+        <p:txBody>
+          <a:bodyPr wrap="square" rtlCol="0">
+            <a:spAutoFit/>
+          </a:bodyPr>
+          <a:lstStyle/>
+          <a:p>
+            <a:r>
+              <a:rPr lang="en-IN" sz="2000" dirty="0"/>
+              <a:t>Higher defaults seen for higher average credit utilization %</a:t>
+            </a:r>
+          </a:p>
+          <a:p>
+            <a:endParaRPr lang="en-IN" sz="2000" dirty="0"/>
+          </a:p>
+          <a:p>
+            <a:r>
+              <a:rPr lang="en-IN" sz="2000" dirty="0"/>
+              <a:t>Parameter : </a:t>
+            </a:r>
+            <a:r>
+              <a:rPr lang="en-IN" sz="2000" dirty="0" err="1"/>
+              <a:t>revol_uti</a:t>
+            </a:r>
+            <a:r>
+              <a:rPr lang="en-IN" sz="2000" dirty="0"/>
+              <a:t> </a:t>
+            </a:r>
+          </a:p>
+        </p:txBody>
+      </p:sp>
+      <p:pic>
+        <p:nvPicPr>
+          <p:cNvPr id="10" name="Picture 9">
+            <a:extLst>
+              <a:ext uri="{FF2B5EF4-FFF2-40B4-BE49-F238E27FC236}">
+                <a16:creationId xmlns:a16="http://schemas.microsoft.com/office/drawing/2014/main" id="{9FCDDAE5-185C-E250-EC11-BC73AA18B32C}"/>
+              </a:ext>
+            </a:extLst>
+          </p:cNvPr>
+          <p:cNvPicPr>
+            <a:picLocks noChangeAspect="1"/>
+          </p:cNvPicPr>
+          <p:nvPr/>
+        </p:nvPicPr>
+        <p:blipFill>
+          <a:blip r:embed="rId2"/>
+          <a:stretch>
+            <a:fillRect/>
+          </a:stretch>
+        </p:blipFill>
+        <p:spPr>
+          <a:xfrm>
+            <a:off x="7519506" y="2133974"/>
+            <a:ext cx="4324350" cy="3514725"/>
+          </a:xfrm>
+          <a:prstGeom prst="rect">
+            <a:avLst/>
+          </a:prstGeom>
+        </p:spPr>
+      </p:pic>
+      <p:sp>
+        <p:nvSpPr>
+          <p:cNvPr id="3" name="TextBox 2">
+            <a:extLst>
+              <a:ext uri="{FF2B5EF4-FFF2-40B4-BE49-F238E27FC236}">
+                <a16:creationId xmlns:a16="http://schemas.microsoft.com/office/drawing/2014/main" id="{8E21B2B1-1001-2C8E-3616-3D05235D9403}"/>
+              </a:ext>
+            </a:extLst>
+          </p:cNvPr>
+          <p:cNvSpPr txBox="1"/>
+          <p:nvPr/>
+        </p:nvSpPr>
+        <p:spPr>
+          <a:xfrm>
+            <a:off x="550524" y="4725369"/>
+            <a:ext cx="2827961" cy="923330"/>
+          </a:xfrm>
+          <a:prstGeom prst="rect">
+            <a:avLst/>
+          </a:prstGeom>
+          <a:noFill/>
+        </p:spPr>
+        <p:txBody>
+          <a:bodyPr wrap="square">
+            <a:spAutoFit/>
+          </a:bodyPr>
+          <a:lstStyle/>
+          <a:p>
+            <a:r>
+              <a:rPr lang="en-US" b="0" i="0" dirty="0">
+                <a:solidFill>
+                  <a:schemeClr val="tx1">
+                    <a:lumMod val="75000"/>
+                    <a:lumOff val="25000"/>
+                  </a:schemeClr>
+                </a:solidFill>
+                <a:effectLst/>
+                <a:latin typeface="Consolas" panose="020B0609020204030204" pitchFamily="49" charset="0"/>
+              </a:rPr>
+              <a:t>0 Charged Off 58.40 </a:t>
+            </a:r>
+          </a:p>
+          <a:p>
+            <a:r>
+              <a:rPr lang="en-US" b="0" i="0" dirty="0">
+                <a:solidFill>
+                  <a:schemeClr val="tx1">
+                    <a:lumMod val="75000"/>
+                    <a:lumOff val="25000"/>
+                  </a:schemeClr>
+                </a:solidFill>
+                <a:effectLst/>
+                <a:latin typeface="Consolas" panose="020B0609020204030204" pitchFamily="49" charset="0"/>
+              </a:rPr>
+              <a:t>1 Current 54.95</a:t>
+            </a:r>
+          </a:p>
+          <a:p>
+            <a:r>
+              <a:rPr lang="en-US" b="0" i="0" dirty="0">
+                <a:solidFill>
+                  <a:schemeClr val="tx1">
+                    <a:lumMod val="75000"/>
+                    <a:lumOff val="25000"/>
+                  </a:schemeClr>
+                </a:solidFill>
+                <a:effectLst/>
+                <a:latin typeface="Consolas" panose="020B0609020204030204" pitchFamily="49" charset="0"/>
+              </a:rPr>
+              <a:t>2 Fully Paid 47.60</a:t>
+            </a:r>
+            <a:endParaRPr lang="en-IN" dirty="0">
+              <a:solidFill>
+                <a:schemeClr val="tx1">
+                  <a:lumMod val="75000"/>
+                  <a:lumOff val="25000"/>
+                </a:schemeClr>
+              </a:solidFill>
+            </a:endParaRPr>
+          </a:p>
+        </p:txBody>
+      </p:sp>
+    </p:spTree>
+    <p:extLst>
+      <p:ext uri="{BB962C8B-B14F-4D97-AF65-F5344CB8AC3E}">
+        <p14:creationId xmlns:p14="http://schemas.microsoft.com/office/powerpoint/2010/main" val="12585206"/>
+      </p:ext>
+    </p:extLst>
+  </p:cSld>
+  <p:clrMapOvr>
+    <a:masterClrMapping/>
+  </p:clrMapOvr>
+</p:sld>
+</file>
+
+<file path=ppt/slides/slide11.xml><?xml version="1.0" encoding="utf-8"?>
+<p:sld xmlns:a="http://schemas.openxmlformats.org/drawingml/2006/main" xmlns:r="http://schemas.openxmlformats.org/officeDocument/2006/relationships" xmlns:p="http://schemas.openxmlformats.org/presentationml/2006/main">
+  <p:cSld>
+    <p:spTree>
+      <p:nvGrpSpPr>
+        <p:cNvPr id="1" name=""/>
+        <p:cNvGrpSpPr/>
+        <p:nvPr/>
+      </p:nvGrpSpPr>
+      <p:grpSpPr>
+        <a:xfrm>
+          <a:off x="0" y="0"/>
+          <a:ext cx="0" cy="0"/>
+          <a:chOff x="0" y="0"/>
+          <a:chExt cx="0" cy="0"/>
+        </a:xfrm>
+      </p:grpSpPr>
+      <p:sp>
+        <p:nvSpPr>
+          <p:cNvPr id="2" name="Title 1">
+            <a:extLst>
+              <a:ext uri="{FF2B5EF4-FFF2-40B4-BE49-F238E27FC236}">
+                <a16:creationId xmlns:a16="http://schemas.microsoft.com/office/drawing/2014/main" id="{3A7AE295-2294-3D74-CCD7-3DA1D3DD8299}"/>
+              </a:ext>
+            </a:extLst>
+          </p:cNvPr>
+          <p:cNvSpPr>
+            <a:spLocks noGrp="1"/>
+          </p:cNvSpPr>
+          <p:nvPr>
+            <p:ph type="title"/>
+          </p:nvPr>
+        </p:nvSpPr>
+        <p:spPr/>
+        <p:txBody>
+          <a:bodyPr/>
+          <a:lstStyle/>
+          <a:p>
+            <a:r>
+              <a:rPr lang="en-IN" dirty="0"/>
+              <a:t>Loan status vs monthly income-instalment difference</a:t>
+            </a:r>
+          </a:p>
+        </p:txBody>
+      </p:sp>
+      <p:sp>
+        <p:nvSpPr>
+          <p:cNvPr id="8" name="TextBox 7">
+            <a:extLst>
+              <a:ext uri="{FF2B5EF4-FFF2-40B4-BE49-F238E27FC236}">
+                <a16:creationId xmlns:a16="http://schemas.microsoft.com/office/drawing/2014/main" id="{D782009A-E20A-308A-31EF-45E22CDCC6C7}"/>
+              </a:ext>
+            </a:extLst>
+          </p:cNvPr>
+          <p:cNvSpPr txBox="1"/>
+          <p:nvPr/>
+        </p:nvSpPr>
+        <p:spPr>
+          <a:xfrm>
+            <a:off x="704636" y="2967335"/>
+            <a:ext cx="4155040" cy="1015663"/>
+          </a:xfrm>
+          <a:prstGeom prst="rect">
+            <a:avLst/>
+          </a:prstGeom>
+          <a:noFill/>
+        </p:spPr>
+        <p:txBody>
+          <a:bodyPr wrap="square" rtlCol="0">
+            <a:spAutoFit/>
+          </a:bodyPr>
+          <a:lstStyle/>
+          <a:p>
+            <a:r>
+              <a:rPr lang="en-IN" sz="2000" dirty="0"/>
+              <a:t>Defaulters have average monthly income and instalment difference lesser than fully paid category by 800$</a:t>
+            </a:r>
+          </a:p>
+        </p:txBody>
+      </p:sp>
+      <p:pic>
+        <p:nvPicPr>
+          <p:cNvPr id="4" name="Picture 3">
+            <a:extLst>
+              <a:ext uri="{FF2B5EF4-FFF2-40B4-BE49-F238E27FC236}">
+                <a16:creationId xmlns:a16="http://schemas.microsoft.com/office/drawing/2014/main" id="{7C84F033-5B8B-CA9C-989E-D8A8A9B70269}"/>
+              </a:ext>
+            </a:extLst>
+          </p:cNvPr>
+          <p:cNvPicPr>
+            <a:picLocks noChangeAspect="1"/>
+          </p:cNvPicPr>
+          <p:nvPr/>
+        </p:nvPicPr>
+        <p:blipFill>
+          <a:blip r:embed="rId2"/>
+          <a:stretch>
+            <a:fillRect/>
+          </a:stretch>
+        </p:blipFill>
+        <p:spPr>
+          <a:xfrm>
+            <a:off x="5967788" y="1603767"/>
+            <a:ext cx="5848350" cy="4981575"/>
+          </a:xfrm>
+          <a:prstGeom prst="rect">
+            <a:avLst/>
+          </a:prstGeom>
+        </p:spPr>
+      </p:pic>
+    </p:spTree>
+    <p:extLst>
+      <p:ext uri="{BB962C8B-B14F-4D97-AF65-F5344CB8AC3E}">
+        <p14:creationId xmlns:p14="http://schemas.microsoft.com/office/powerpoint/2010/main" val="1764777773"/>
+      </p:ext>
+    </p:extLst>
+  </p:cSld>
+  <p:clrMapOvr>
+    <a:masterClrMapping/>
+  </p:clrMapOvr>
+</p:sld>
+</file>
+
+<file path=ppt/slides/slide12.xml><?xml version="1.0" encoding="utf-8"?>
+<p:sld xmlns:a="http://schemas.openxmlformats.org/drawingml/2006/main" xmlns:r="http://schemas.openxmlformats.org/officeDocument/2006/relationships" xmlns:p="http://schemas.openxmlformats.org/presentationml/2006/main">
+  <p:cSld>
+    <p:spTree>
+      <p:nvGrpSpPr>
+        <p:cNvPr id="1" name=""/>
+        <p:cNvGrpSpPr/>
+        <p:nvPr/>
+      </p:nvGrpSpPr>
+      <p:grpSpPr>
+        <a:xfrm>
+          <a:off x="0" y="0"/>
+          <a:ext cx="0" cy="0"/>
+          <a:chOff x="0" y="0"/>
+          <a:chExt cx="0" cy="0"/>
+        </a:xfrm>
+      </p:grpSpPr>
+      <p:sp>
+        <p:nvSpPr>
+          <p:cNvPr id="2" name="Title 1">
+            <a:extLst>
+              <a:ext uri="{FF2B5EF4-FFF2-40B4-BE49-F238E27FC236}">
+                <a16:creationId xmlns:a16="http://schemas.microsoft.com/office/drawing/2014/main" id="{560E9DA2-5400-3654-7129-A4BF418BA14D}"/>
+              </a:ext>
+            </a:extLst>
+          </p:cNvPr>
+          <p:cNvSpPr>
+            <a:spLocks noGrp="1"/>
+          </p:cNvSpPr>
+          <p:nvPr>
+            <p:ph type="title"/>
+          </p:nvPr>
+        </p:nvSpPr>
+        <p:spPr/>
+        <p:txBody>
+          <a:bodyPr/>
+          <a:lstStyle/>
+          <a:p>
+            <a:r>
+              <a:rPr lang="en-IN" dirty="0"/>
+              <a:t>Defaults based on public records</a:t>
+            </a:r>
+          </a:p>
+        </p:txBody>
+      </p:sp>
+      <p:pic>
+        <p:nvPicPr>
+          <p:cNvPr id="5" name="Picture 4">
+            <a:extLst>
+              <a:ext uri="{FF2B5EF4-FFF2-40B4-BE49-F238E27FC236}">
+                <a16:creationId xmlns:a16="http://schemas.microsoft.com/office/drawing/2014/main" id="{75E2CF9A-A479-8EEF-0246-05DE994A8CDA}"/>
+              </a:ext>
+            </a:extLst>
+          </p:cNvPr>
+          <p:cNvPicPr>
+            <a:picLocks noChangeAspect="1"/>
+          </p:cNvPicPr>
+          <p:nvPr/>
+        </p:nvPicPr>
+        <p:blipFill>
+          <a:blip r:embed="rId2"/>
+          <a:stretch>
+            <a:fillRect/>
+          </a:stretch>
+        </p:blipFill>
+        <p:spPr>
+          <a:xfrm>
+            <a:off x="7159642" y="2318909"/>
+            <a:ext cx="4448175" cy="3514725"/>
+          </a:xfrm>
+          <a:prstGeom prst="rect">
+            <a:avLst/>
+          </a:prstGeom>
+        </p:spPr>
+      </p:pic>
+    </p:spTree>
+    <p:extLst>
+      <p:ext uri="{BB962C8B-B14F-4D97-AF65-F5344CB8AC3E}">
+        <p14:creationId xmlns:p14="http://schemas.microsoft.com/office/powerpoint/2010/main" val="498153609"/>
+      </p:ext>
+    </p:extLst>
+  </p:cSld>
+  <p:clrMapOvr>
+    <a:masterClrMapping/>
+  </p:clrMapOvr>
+</p:sld>
+</file>
+
+<file path=ppt/slides/slide13.xml><?xml version="1.0" encoding="utf-8"?>
+<p:sld xmlns:a="http://schemas.openxmlformats.org/drawingml/2006/main" xmlns:r="http://schemas.openxmlformats.org/officeDocument/2006/relationships" xmlns:p="http://schemas.openxmlformats.org/presentationml/2006/main">
+  <p:cSld>
+    <p:spTree>
+      <p:nvGrpSpPr>
+        <p:cNvPr id="1" name="">
+          <a:extLst>
+            <a:ext uri="{FF2B5EF4-FFF2-40B4-BE49-F238E27FC236}">
+              <a16:creationId xmlns:a16="http://schemas.microsoft.com/office/drawing/2014/main" id="{2BD6A0D1-32FD-0975-4D69-F4B1F1BDCE01}"/>
+            </a:ext>
+          </a:extLst>
+        </p:cNvPr>
+        <p:cNvGrpSpPr/>
+        <p:nvPr/>
+      </p:nvGrpSpPr>
+      <p:grpSpPr>
+        <a:xfrm>
+          <a:off x="0" y="0"/>
+          <a:ext cx="0" cy="0"/>
+          <a:chOff x="0" y="0"/>
+          <a:chExt cx="0" cy="0"/>
+        </a:xfrm>
+      </p:grpSpPr>
+      <p:sp>
+        <p:nvSpPr>
+          <p:cNvPr id="2" name="Title 1">
+            <a:extLst>
+              <a:ext uri="{FF2B5EF4-FFF2-40B4-BE49-F238E27FC236}">
+                <a16:creationId xmlns:a16="http://schemas.microsoft.com/office/drawing/2014/main" id="{CA2C92E2-3D8C-39C4-AFEB-E0CDAD55FB8C}"/>
+              </a:ext>
+            </a:extLst>
+          </p:cNvPr>
+          <p:cNvSpPr>
+            <a:spLocks noGrp="1"/>
+          </p:cNvSpPr>
+          <p:nvPr>
+            <p:ph type="title"/>
+          </p:nvPr>
+        </p:nvSpPr>
+        <p:spPr>
+          <a:xfrm>
+            <a:off x="653265" y="426770"/>
+            <a:ext cx="10515600" cy="1325563"/>
+          </a:xfrm>
+        </p:spPr>
+        <p:txBody>
+          <a:bodyPr/>
+          <a:lstStyle/>
+          <a:p>
+            <a:r>
+              <a:rPr lang="en-IN" dirty="0"/>
+              <a:t>Defaults based on publicly known bankruptcies</a:t>
+            </a:r>
+          </a:p>
+        </p:txBody>
+      </p:sp>
+      <p:pic>
+        <p:nvPicPr>
+          <p:cNvPr id="4" name="Picture 3">
+            <a:extLst>
+              <a:ext uri="{FF2B5EF4-FFF2-40B4-BE49-F238E27FC236}">
+                <a16:creationId xmlns:a16="http://schemas.microsoft.com/office/drawing/2014/main" id="{F5CE52BB-46AD-8A35-3747-B7B76893CB93}"/>
+              </a:ext>
+            </a:extLst>
+          </p:cNvPr>
+          <p:cNvPicPr>
+            <a:picLocks noChangeAspect="1"/>
+          </p:cNvPicPr>
+          <p:nvPr/>
+        </p:nvPicPr>
+        <p:blipFill>
+          <a:blip r:embed="rId2"/>
+          <a:stretch>
+            <a:fillRect/>
+          </a:stretch>
+        </p:blipFill>
+        <p:spPr>
+          <a:xfrm>
+            <a:off x="7213261" y="2514118"/>
+            <a:ext cx="4505325" cy="3514725"/>
+          </a:xfrm>
+          <a:prstGeom prst="rect">
+            <a:avLst/>
+          </a:prstGeom>
+        </p:spPr>
+      </p:pic>
+    </p:spTree>
+    <p:extLst>
+      <p:ext uri="{BB962C8B-B14F-4D97-AF65-F5344CB8AC3E}">
+        <p14:creationId xmlns:p14="http://schemas.microsoft.com/office/powerpoint/2010/main" val="155637901"/>
+      </p:ext>
+    </p:extLst>
+  </p:cSld>
+  <p:clrMapOvr>
+    <a:masterClrMapping/>
+  </p:clrMapOvr>
+</p:sld>
+</file>
+
+<file path=ppt/slides/slide14.xml><?xml version="1.0" encoding="utf-8"?>
+<p:sld xmlns:a="http://schemas.openxmlformats.org/drawingml/2006/main" xmlns:r="http://schemas.openxmlformats.org/officeDocument/2006/relationships" xmlns:p="http://schemas.openxmlformats.org/presentationml/2006/main">
+  <p:cSld>
+    <p:spTree>
+      <p:nvGrpSpPr>
+        <p:cNvPr id="1" name=""/>
+        <p:cNvGrpSpPr/>
+        <p:nvPr/>
+      </p:nvGrpSpPr>
+      <p:grpSpPr>
+        <a:xfrm>
+          <a:off x="0" y="0"/>
+          <a:ext cx="0" cy="0"/>
+          <a:chOff x="0" y="0"/>
+          <a:chExt cx="0" cy="0"/>
+        </a:xfrm>
+      </p:grpSpPr>
+      <p:sp>
+        <p:nvSpPr>
+          <p:cNvPr id="2" name="Title 1">
+            <a:extLst>
+              <a:ext uri="{FF2B5EF4-FFF2-40B4-BE49-F238E27FC236}">
+                <a16:creationId xmlns:a16="http://schemas.microsoft.com/office/drawing/2014/main" id="{5FE5AF02-86DF-034D-608A-4B660E858493}"/>
+              </a:ext>
+            </a:extLst>
+          </p:cNvPr>
+          <p:cNvSpPr>
+            <a:spLocks noGrp="1"/>
+          </p:cNvSpPr>
+          <p:nvPr>
+            <p:ph type="title"/>
+          </p:nvPr>
+        </p:nvSpPr>
+        <p:spPr/>
+        <p:txBody>
+          <a:bodyPr/>
+          <a:lstStyle/>
+          <a:p>
+            <a:r>
+              <a:rPr lang="en-US" dirty="0"/>
+              <a:t>Summary</a:t>
+            </a:r>
+            <a:endParaRPr lang="en-IN" dirty="0"/>
+          </a:p>
+        </p:txBody>
+      </p:sp>
+      <p:sp>
+        <p:nvSpPr>
+          <p:cNvPr id="4" name="Content Placeholder 3">
+            <a:extLst>
+              <a:ext uri="{FF2B5EF4-FFF2-40B4-BE49-F238E27FC236}">
+                <a16:creationId xmlns:a16="http://schemas.microsoft.com/office/drawing/2014/main" id="{EC851840-30A1-7D58-4461-7C9AD0548B0A}"/>
+              </a:ext>
+            </a:extLst>
+          </p:cNvPr>
+          <p:cNvSpPr>
+            <a:spLocks noGrp="1"/>
+          </p:cNvSpPr>
+          <p:nvPr>
+            <p:ph idx="1"/>
+          </p:nvPr>
+        </p:nvSpPr>
+        <p:spPr/>
+        <p:txBody>
+          <a:bodyPr/>
+          <a:lstStyle/>
+          <a:p>
+            <a:pPr>
+              <a:buFont typeface="Wingdings" panose="05000000000000000000" pitchFamily="2" charset="2"/>
+              <a:buChar char="Ø"/>
+            </a:pPr>
+            <a:r>
+              <a:rPr lang="en-IN" dirty="0"/>
+              <a:t>Parameters influencing the Charge off situation</a:t>
+            </a:r>
+            <a:br>
+              <a:rPr lang="en-IN" dirty="0"/>
+            </a:br>
+            <a:endParaRPr lang="en-IN" dirty="0"/>
+          </a:p>
+        </p:txBody>
+      </p:sp>
+      <p:graphicFrame>
+        <p:nvGraphicFramePr>
+          <p:cNvPr id="6" name="Table 5">
+            <a:extLst>
+              <a:ext uri="{FF2B5EF4-FFF2-40B4-BE49-F238E27FC236}">
+                <a16:creationId xmlns:a16="http://schemas.microsoft.com/office/drawing/2014/main" id="{CB681833-4147-436E-2B10-7BCB8E6E3335}"/>
+              </a:ext>
+            </a:extLst>
+          </p:cNvPr>
+          <p:cNvGraphicFramePr>
+            <a:graphicFrameLocks noGrp="1"/>
+          </p:cNvGraphicFramePr>
+          <p:nvPr>
+            <p:extLst>
+              <p:ext uri="{D42A27DB-BD31-4B8C-83A1-F6EECF244321}">
+                <p14:modId xmlns:p14="http://schemas.microsoft.com/office/powerpoint/2010/main" val="254059391"/>
+              </p:ext>
+            </p:extLst>
+          </p:nvPr>
+        </p:nvGraphicFramePr>
+        <p:xfrm>
+          <a:off x="1210068" y="2497095"/>
+          <a:ext cx="8128000" cy="2225040"/>
+        </p:xfrm>
+        <a:graphic>
+          <a:graphicData uri="http://schemas.openxmlformats.org/drawingml/2006/table">
+            <a:tbl>
+              <a:tblPr firstRow="1" bandRow="1">
+                <a:tableStyleId>{5C22544A-7EE6-4342-B048-85BDC9FD1C3A}</a:tableStyleId>
+              </a:tblPr>
+              <a:tblGrid>
+                <a:gridCol w="4064000">
+                  <a:extLst>
+                    <a:ext uri="{9D8B030D-6E8A-4147-A177-3AD203B41FA5}">
+                      <a16:colId xmlns:a16="http://schemas.microsoft.com/office/drawing/2014/main" val="1279420651"/>
+                    </a:ext>
+                  </a:extLst>
+                </a:gridCol>
+                <a:gridCol w="4064000">
+                  <a:extLst>
+                    <a:ext uri="{9D8B030D-6E8A-4147-A177-3AD203B41FA5}">
+                      <a16:colId xmlns:a16="http://schemas.microsoft.com/office/drawing/2014/main" val="251741195"/>
+                    </a:ext>
+                  </a:extLst>
+                </a:gridCol>
+              </a:tblGrid>
+              <a:tr h="370840">
+                <a:tc>
+                  <a:txBody>
+                    <a:bodyPr/>
+                    <a:lstStyle/>
+                    <a:p>
+                      <a:endParaRPr lang="en-IN"/>
+                    </a:p>
+                  </a:txBody>
+                  <a:tcPr/>
+                </a:tc>
+                <a:tc>
+                  <a:txBody>
+                    <a:bodyPr/>
+                    <a:lstStyle/>
+                    <a:p>
+                      <a:endParaRPr lang="en-IN"/>
+                    </a:p>
+                  </a:txBody>
+                  <a:tcPr/>
+                </a:tc>
+                <a:extLst>
+                  <a:ext uri="{0D108BD9-81ED-4DB2-BD59-A6C34878D82A}">
+                    <a16:rowId xmlns:a16="http://schemas.microsoft.com/office/drawing/2014/main" val="2451941755"/>
+                  </a:ext>
+                </a:extLst>
+              </a:tr>
+              <a:tr h="370840">
+                <a:tc>
+                  <a:txBody>
+                    <a:bodyPr/>
+                    <a:lstStyle/>
+                    <a:p>
+                      <a:r>
+                        <a:rPr lang="en-IN" dirty="0"/>
+                        <a:t>Grade</a:t>
+                      </a:r>
+                    </a:p>
+                  </a:txBody>
+                  <a:tcPr/>
+                </a:tc>
+                <a:tc>
+                  <a:txBody>
+                    <a:bodyPr/>
+                    <a:lstStyle/>
+                    <a:p>
+                      <a:endParaRPr lang="en-IN"/>
+                    </a:p>
+                  </a:txBody>
+                  <a:tcPr/>
+                </a:tc>
+                <a:extLst>
+                  <a:ext uri="{0D108BD9-81ED-4DB2-BD59-A6C34878D82A}">
+                    <a16:rowId xmlns:a16="http://schemas.microsoft.com/office/drawing/2014/main" val="2207818862"/>
+                  </a:ext>
+                </a:extLst>
+              </a:tr>
+              <a:tr h="370840">
+                <a:tc>
+                  <a:txBody>
+                    <a:bodyPr/>
+                    <a:lstStyle/>
+                    <a:p>
+                      <a:r>
+                        <a:rPr lang="en-IN" dirty="0"/>
+                        <a:t>Loan purpose</a:t>
+                      </a:r>
+                    </a:p>
+                  </a:txBody>
+                  <a:tcPr/>
+                </a:tc>
+                <a:tc>
+                  <a:txBody>
+                    <a:bodyPr/>
+                    <a:lstStyle/>
+                    <a:p>
+                      <a:endParaRPr lang="en-IN"/>
+                    </a:p>
+                  </a:txBody>
+                  <a:tcPr/>
+                </a:tc>
+                <a:extLst>
+                  <a:ext uri="{0D108BD9-81ED-4DB2-BD59-A6C34878D82A}">
+                    <a16:rowId xmlns:a16="http://schemas.microsoft.com/office/drawing/2014/main" val="535011677"/>
+                  </a:ext>
+                </a:extLst>
+              </a:tr>
+              <a:tr h="370840">
+                <a:tc>
+                  <a:txBody>
+                    <a:bodyPr/>
+                    <a:lstStyle/>
+                    <a:p>
+                      <a:r>
+                        <a:rPr lang="en-IN" dirty="0"/>
+                        <a:t>Credit utilization</a:t>
+                      </a:r>
+                    </a:p>
+                  </a:txBody>
+                  <a:tcPr/>
+                </a:tc>
+                <a:tc>
+                  <a:txBody>
+                    <a:bodyPr/>
+                    <a:lstStyle/>
+                    <a:p>
+                      <a:endParaRPr lang="en-IN"/>
+                    </a:p>
+                  </a:txBody>
+                  <a:tcPr/>
+                </a:tc>
+                <a:extLst>
+                  <a:ext uri="{0D108BD9-81ED-4DB2-BD59-A6C34878D82A}">
+                    <a16:rowId xmlns:a16="http://schemas.microsoft.com/office/drawing/2014/main" val="4196050038"/>
+                  </a:ext>
+                </a:extLst>
+              </a:tr>
+              <a:tr h="370840">
+                <a:tc>
+                  <a:txBody>
+                    <a:bodyPr/>
+                    <a:lstStyle/>
+                    <a:p>
+                      <a:r>
+                        <a:rPr lang="en-IN" dirty="0"/>
+                        <a:t>Delequncy_2yr</a:t>
+                      </a:r>
+                    </a:p>
+                  </a:txBody>
+                  <a:tcPr/>
+                </a:tc>
+                <a:tc>
+                  <a:txBody>
+                    <a:bodyPr/>
+                    <a:lstStyle/>
+                    <a:p>
+                      <a:endParaRPr lang="en-IN"/>
+                    </a:p>
+                  </a:txBody>
+                  <a:tcPr/>
+                </a:tc>
+                <a:extLst>
+                  <a:ext uri="{0D108BD9-81ED-4DB2-BD59-A6C34878D82A}">
+                    <a16:rowId xmlns:a16="http://schemas.microsoft.com/office/drawing/2014/main" val="1775749916"/>
+                  </a:ext>
+                </a:extLst>
+              </a:tr>
+              <a:tr h="370840">
+                <a:tc>
+                  <a:txBody>
+                    <a:bodyPr/>
+                    <a:lstStyle/>
+                    <a:p>
+                      <a:r>
+                        <a:rPr lang="en-IN" dirty="0"/>
+                        <a:t>Publicly known bankruptcies</a:t>
+                      </a:r>
+                    </a:p>
+                  </a:txBody>
+                  <a:tcPr/>
+                </a:tc>
+                <a:tc>
+                  <a:txBody>
+                    <a:bodyPr/>
+                    <a:lstStyle/>
+                    <a:p>
+                      <a:endParaRPr lang="en-IN" dirty="0"/>
+                    </a:p>
+                  </a:txBody>
+                  <a:tcPr/>
+                </a:tc>
+                <a:extLst>
+                  <a:ext uri="{0D108BD9-81ED-4DB2-BD59-A6C34878D82A}">
+                    <a16:rowId xmlns:a16="http://schemas.microsoft.com/office/drawing/2014/main" val="3705418188"/>
+                  </a:ext>
+                </a:extLst>
+              </a:tr>
+            </a:tbl>
+          </a:graphicData>
+        </a:graphic>
+      </p:graphicFrame>
+    </p:spTree>
+    <p:extLst>
+      <p:ext uri="{BB962C8B-B14F-4D97-AF65-F5344CB8AC3E}">
+        <p14:creationId xmlns:p14="http://schemas.microsoft.com/office/powerpoint/2010/main" val="4085281955"/>
       </p:ext>
     </p:extLst>
   </p:cSld>
@@ -3781,10 +4633,10 @@
           <a:lstStyle/>
           <a:p>
             <a:r>
-              <a:rPr lang="en-US" dirty="0"/>
-              <a:t>Data insights</a:t>
-            </a:r>
-            <a:endParaRPr lang="en-IN" dirty="0"/>
+              <a:rPr lang="en-US" u="sng" dirty="0"/>
+              <a:t>Problem statement</a:t>
+            </a:r>
+            <a:endParaRPr lang="en-IN" u="sng" dirty="0"/>
           </a:p>
         </p:txBody>
       </p:sp>
@@ -3809,43 +4661,49 @@
           <a:bodyPr/>
           <a:lstStyle/>
           <a:p>
-            <a:pPr marL="514350" indent="-514350">
-              <a:buFont typeface="+mj-lt"/>
-              <a:buAutoNum type="arabicPeriod"/>
+            <a:pPr marL="0" indent="0">
+              <a:buNone/>
             </a:pPr>
             <a:r>
-              <a:rPr lang="en-IN" b="0" dirty="0" err="1">
-                <a:solidFill>
-                  <a:srgbClr val="CE9178"/>
-                </a:solidFill>
+              <a:rPr lang="en-IN" b="0" dirty="0">
                 <a:effectLst/>
                 <a:latin typeface="Consolas" panose="020B0609020204030204" pitchFamily="49" charset="0"/>
               </a:rPr>
-              <a:t>application_type</a:t>
-            </a:r>
+              <a:t>A consumer finance company wants to accesses the loan application and find out the chances of default.</a:t>
+            </a:r>
+            <a:endParaRPr lang="en-IN" dirty="0">
+              <a:latin typeface="Consolas" panose="020B0609020204030204" pitchFamily="49" charset="0"/>
+            </a:endParaRPr>
+          </a:p>
+          <a:p>
+            <a:pPr marL="0" indent="0">
+              <a:buNone/>
+            </a:pPr>
             <a:r>
               <a:rPr lang="en-IN" b="0" dirty="0">
-                <a:solidFill>
-                  <a:srgbClr val="CE9178"/>
-                </a:solidFill>
                 <a:effectLst/>
                 <a:latin typeface="Consolas" panose="020B0609020204030204" pitchFamily="49" charset="0"/>
               </a:rPr>
-              <a:t> : Only individual types of loan applications available – not relevant data.</a:t>
-            </a:r>
-          </a:p>
-          <a:p>
-            <a:pPr marL="514350" indent="-514350">
-              <a:buFont typeface="+mj-lt"/>
-              <a:buAutoNum type="arabicPeriod"/>
+              <a:t>Past data with many parameters are available for analysis.</a:t>
+            </a:r>
+          </a:p>
+          <a:p>
+            <a:pPr marL="0" indent="0">
+              <a:buNone/>
             </a:pPr>
-            <a:endParaRPr lang="en-IN" b="0" dirty="0">
-              <a:solidFill>
-                <a:srgbClr val="CCCCCC"/>
-              </a:solidFill>
-              <a:effectLst/>
-              <a:latin typeface="Consolas" panose="020B0609020204030204" pitchFamily="49" charset="0"/>
-            </a:endParaRPr>
+            <a:r>
+              <a:rPr lang="en-IN" dirty="0">
+                <a:latin typeface="Consolas" panose="020B0609020204030204" pitchFamily="49" charset="0"/>
+              </a:rPr>
+              <a:t>Based on this dataset important parameters driving the loan defaults needs to be identified.</a:t>
+            </a:r>
+            <a:r>
+              <a:rPr lang="en-IN" b="0" dirty="0">
+                <a:effectLst/>
+                <a:latin typeface="Consolas" panose="020B0609020204030204" pitchFamily="49" charset="0"/>
+              </a:rPr>
+              <a:t> </a:t>
+            </a:r>
           </a:p>
           <a:p>
             <a:endParaRPr lang="en-IN" dirty="0"/>
@@ -3870,7 +4728,13 @@
   <p:cSld>
     <p:spTree>
       <p:nvGrpSpPr>
-        <p:cNvPr id="1" name=""/>
+        <p:cNvPr id="1" name="">
+          <a:extLst>
+            <a:ext uri="{FF2B5EF4-FFF2-40B4-BE49-F238E27FC236}">
+              <a16:creationId xmlns:a16="http://schemas.microsoft.com/office/drawing/2014/main" id="{A570951F-BF99-99A5-50BE-42967F438939}"/>
+            </a:ext>
+          </a:extLst>
+        </p:cNvPr>
         <p:cNvGrpSpPr/>
         <p:nvPr/>
       </p:nvGrpSpPr>
@@ -3887,7 +4751,7 @@
           <p:cNvPr id="2" name="Title 1">
             <a:extLst>
               <a:ext uri="{FF2B5EF4-FFF2-40B4-BE49-F238E27FC236}">
-                <a16:creationId xmlns:a16="http://schemas.microsoft.com/office/drawing/2014/main" id="{BA366A18-FCCB-A141-C03D-9AB76C53A61B}"/>
+                <a16:creationId xmlns:a16="http://schemas.microsoft.com/office/drawing/2014/main" id="{A8E56C90-CF9D-9C6F-9257-C0004D2B331F}"/>
               </a:ext>
             </a:extLst>
           </p:cNvPr>
@@ -3904,105 +4768,80 @@
           <a:lstStyle/>
           <a:p>
             <a:r>
-              <a:rPr lang="en-IN" dirty="0"/>
-              <a:t>Loan status vs average loan amount</a:t>
-            </a:r>
-          </a:p>
-        </p:txBody>
-      </p:sp>
-      <p:sp>
-        <p:nvSpPr>
-          <p:cNvPr id="6" name="TextBox 5">
-            <a:extLst>
-              <a:ext uri="{FF2B5EF4-FFF2-40B4-BE49-F238E27FC236}">
-                <a16:creationId xmlns:a16="http://schemas.microsoft.com/office/drawing/2014/main" id="{F2BD7E5E-81D0-5FA6-DAFE-1EDD0DF3A625}"/>
-              </a:ext>
-            </a:extLst>
-          </p:cNvPr>
-          <p:cNvSpPr txBox="1"/>
-          <p:nvPr/>
-        </p:nvSpPr>
-        <p:spPr>
-          <a:xfrm>
-            <a:off x="410967" y="2178121"/>
-            <a:ext cx="5590056" cy="1754326"/>
-          </a:xfrm>
-          <a:prstGeom prst="rect">
-            <a:avLst/>
-          </a:prstGeom>
-          <a:noFill/>
-        </p:spPr>
-        <p:txBody>
-          <a:bodyPr wrap="none" rtlCol="0">
-            <a:spAutoFit/>
-          </a:bodyPr>
-          <a:lstStyle/>
-          <a:p>
-            <a:r>
-              <a:rPr lang="en-IN" dirty="0"/>
-              <a:t>Average loan amount different categories is as follows</a:t>
-            </a:r>
-          </a:p>
-          <a:p>
+              <a:rPr lang="en-US" dirty="0"/>
+              <a:t>Solution approach</a:t>
+            </a:r>
             <a:endParaRPr lang="en-IN" dirty="0"/>
           </a:p>
-          <a:p>
-            <a:r>
-              <a:rPr lang="en-IN" dirty="0"/>
-              <a:t>Charged off loans have ~2000 $ higher value compared to</a:t>
-            </a:r>
-          </a:p>
-          <a:p>
-            <a:r>
-              <a:rPr lang="en-IN" dirty="0"/>
-              <a:t>Fully Paid loans.</a:t>
-            </a:r>
+        </p:txBody>
+      </p:sp>
+      <p:sp>
+        <p:nvSpPr>
+          <p:cNvPr id="3" name="Content Placeholder 2">
+            <a:extLst>
+              <a:ext uri="{FF2B5EF4-FFF2-40B4-BE49-F238E27FC236}">
+                <a16:creationId xmlns:a16="http://schemas.microsoft.com/office/drawing/2014/main" id="{553C4E2E-B75D-129D-5206-D76B0C16C675}"/>
+              </a:ext>
+            </a:extLst>
+          </p:cNvPr>
+          <p:cNvSpPr>
+            <a:spLocks noGrp="1"/>
+          </p:cNvSpPr>
+          <p:nvPr>
+            <p:ph idx="1"/>
+          </p:nvPr>
+        </p:nvSpPr>
+        <p:spPr/>
+        <p:txBody>
+          <a:bodyPr/>
+          <a:lstStyle/>
+          <a:p>
+            <a:r>
+              <a:rPr lang="en-IN" b="0" dirty="0">
+                <a:effectLst/>
+                <a:latin typeface="Consolas" panose="020B0609020204030204" pitchFamily="49" charset="0"/>
+              </a:rPr>
+              <a:t>Read the data in python file</a:t>
+            </a:r>
+          </a:p>
+          <a:p>
+            <a:r>
+              <a:rPr lang="en-IN" dirty="0">
+                <a:latin typeface="Consolas" panose="020B0609020204030204" pitchFamily="49" charset="0"/>
+              </a:rPr>
+              <a:t>Clean the data</a:t>
+            </a:r>
+          </a:p>
+          <a:p>
+            <a:r>
+              <a:rPr lang="en-IN" b="0" dirty="0">
+                <a:effectLst/>
+                <a:latin typeface="Consolas" panose="020B0609020204030204" pitchFamily="49" charset="0"/>
+              </a:rPr>
+              <a:t>Analyse the data and identify the parameters impacting defaults</a:t>
+            </a:r>
+          </a:p>
+          <a:p>
+            <a:r>
+              <a:rPr lang="en-IN" dirty="0">
+                <a:latin typeface="Consolas" panose="020B0609020204030204" pitchFamily="49" charset="0"/>
+              </a:rPr>
+              <a:t>Plot the data for visual representation</a:t>
+            </a:r>
+            <a:endParaRPr lang="en-IN" b="0" dirty="0">
+              <a:effectLst/>
+              <a:latin typeface="Consolas" panose="020B0609020204030204" pitchFamily="49" charset="0"/>
+            </a:endParaRPr>
           </a:p>
           <a:p>
             <a:endParaRPr lang="en-IN" dirty="0"/>
           </a:p>
-          <a:p>
-            <a:r>
-              <a:rPr lang="en-IN" dirty="0"/>
-              <a:t>Note : Current is ignored in the analysis</a:t>
-            </a:r>
-          </a:p>
-        </p:txBody>
-      </p:sp>
-      <p:pic>
-        <p:nvPicPr>
-          <p:cNvPr id="8" name="Picture 7">
-            <a:extLst>
-              <a:ext uri="{FF2B5EF4-FFF2-40B4-BE49-F238E27FC236}">
-                <a16:creationId xmlns:a16="http://schemas.microsoft.com/office/drawing/2014/main" id="{27989DA3-A200-4EF3-9F7B-27F238D4C7FD}"/>
-              </a:ext>
-            </a:extLst>
-          </p:cNvPr>
-          <p:cNvPicPr>
-            <a:picLocks noChangeAspect="1"/>
-          </p:cNvPicPr>
-          <p:nvPr/>
-        </p:nvPicPr>
-        <p:blipFill>
-          <a:blip r:embed="rId2"/>
-          <a:stretch>
-            <a:fillRect/>
-          </a:stretch>
-        </p:blipFill>
-        <p:spPr>
-          <a:xfrm>
-            <a:off x="6096000" y="1708681"/>
-            <a:ext cx="5610225" cy="4981575"/>
-          </a:xfrm>
-          <a:prstGeom prst="rect">
-            <a:avLst/>
-          </a:prstGeom>
-        </p:spPr>
-      </p:pic>
+        </p:txBody>
+      </p:sp>
     </p:spTree>
     <p:extLst>
       <p:ext uri="{BB962C8B-B14F-4D97-AF65-F5344CB8AC3E}">
-        <p14:creationId xmlns:p14="http://schemas.microsoft.com/office/powerpoint/2010/main" val="1223802965"/>
+        <p14:creationId xmlns:p14="http://schemas.microsoft.com/office/powerpoint/2010/main" val="3817329821"/>
       </p:ext>
     </p:extLst>
   </p:cSld>
@@ -4034,7 +4873,7 @@
           <p:cNvPr id="2" name="Title 1">
             <a:extLst>
               <a:ext uri="{FF2B5EF4-FFF2-40B4-BE49-F238E27FC236}">
-                <a16:creationId xmlns:a16="http://schemas.microsoft.com/office/drawing/2014/main" id="{F381309B-49A0-504A-542A-C7DB4FC4EBAA}"/>
+                <a16:creationId xmlns:a16="http://schemas.microsoft.com/office/drawing/2014/main" id="{19172FF8-7623-52A4-B2C1-A617C4AF2F6C}"/>
               </a:ext>
             </a:extLst>
           </p:cNvPr>
@@ -4051,19 +4890,57 @@
           <a:lstStyle/>
           <a:p>
             <a:r>
-              <a:rPr lang="en-US" dirty="0"/>
-              <a:t>Loan amount analysis</a:t>
-            </a:r>
-            <a:endParaRPr lang="en-IN" dirty="0"/>
+              <a:rPr lang="en-IN" dirty="0"/>
+              <a:t>Purpose of loans</a:t>
+            </a:r>
+          </a:p>
+        </p:txBody>
+      </p:sp>
+      <p:sp>
+        <p:nvSpPr>
+          <p:cNvPr id="3" name="Content Placeholder 2">
+            <a:extLst>
+              <a:ext uri="{FF2B5EF4-FFF2-40B4-BE49-F238E27FC236}">
+                <a16:creationId xmlns:a16="http://schemas.microsoft.com/office/drawing/2014/main" id="{8EC42994-E2E0-B642-640C-B4ED0E89952E}"/>
+              </a:ext>
+            </a:extLst>
+          </p:cNvPr>
+          <p:cNvSpPr>
+            <a:spLocks noGrp="1"/>
+          </p:cNvSpPr>
+          <p:nvPr>
+            <p:ph idx="1"/>
+          </p:nvPr>
+        </p:nvSpPr>
+        <p:spPr>
+          <a:xfrm>
+            <a:off x="673813" y="2588770"/>
+            <a:ext cx="4699571" cy="923330"/>
+          </a:xfrm>
+          <a:noFill/>
+        </p:spPr>
+        <p:txBody>
+          <a:bodyPr wrap="square" rtlCol="0">
+            <a:spAutoFit/>
+          </a:bodyPr>
+          <a:lstStyle/>
+          <a:p>
+            <a:pPr marL="0" indent="0">
+              <a:buNone/>
+            </a:pPr>
+            <a:r>
+              <a:rPr lang="en-IN" sz="2000" dirty="0"/>
+              <a:t>Customers request loan for various purposes . Graph shows the count of loan applications based on purpose</a:t>
+            </a:r>
           </a:p>
         </p:txBody>
       </p:sp>
       <p:pic>
         <p:nvPicPr>
-          <p:cNvPr id="5" name="Picture 4">
-            <a:extLst>
-              <a:ext uri="{FF2B5EF4-FFF2-40B4-BE49-F238E27FC236}">
-                <a16:creationId xmlns:a16="http://schemas.microsoft.com/office/drawing/2014/main" id="{24C5791B-57C1-9615-3CB4-0CC3927C0E67}"/>
+          <p:cNvPr id="7" name="Picture 6">
+            <a:extLst>
+              <a:ext uri="{FF2B5EF4-FFF2-40B4-BE49-F238E27FC236}">
+                <a16:creationId xmlns:a16="http://schemas.microsoft.com/office/drawing/2014/main" id="{DA1E214F-5178-F26D-7DD8-C5A62C014601}"/>
               </a:ext>
             </a:extLst>
           </p:cNvPr>
@@ -4080,75 +4957,18 @@
         </p:blipFill>
         <p:spPr>
           <a:xfrm>
-            <a:off x="838200" y="2559050"/>
-            <a:ext cx="5429250" cy="3933825"/>
+            <a:off x="6177925" y="1177925"/>
+            <a:ext cx="5610225" cy="5314950"/>
           </a:xfrm>
           <a:prstGeom prst="rect">
             <a:avLst/>
           </a:prstGeom>
         </p:spPr>
       </p:pic>
-      <p:sp>
-        <p:nvSpPr>
-          <p:cNvPr id="7" name="TextBox 6">
-            <a:extLst>
-              <a:ext uri="{FF2B5EF4-FFF2-40B4-BE49-F238E27FC236}">
-                <a16:creationId xmlns:a16="http://schemas.microsoft.com/office/drawing/2014/main" id="{50CB38F7-3986-4E60-16B8-25AD78626944}"/>
-              </a:ext>
-            </a:extLst>
-          </p:cNvPr>
-          <p:cNvSpPr txBox="1"/>
-          <p:nvPr/>
-        </p:nvSpPr>
-        <p:spPr>
-          <a:xfrm>
-            <a:off x="8740740" y="945894"/>
-            <a:ext cx="2375899" cy="2031325"/>
-          </a:xfrm>
-          <a:prstGeom prst="rect">
-            <a:avLst/>
-          </a:prstGeom>
-          <a:noFill/>
-          <a:ln>
-            <a:solidFill>
-              <a:schemeClr val="tx1"/>
-            </a:solidFill>
-          </a:ln>
-        </p:spPr>
-        <p:txBody>
-          <a:bodyPr wrap="square">
-            <a:spAutoFit/>
-          </a:bodyPr>
-          <a:lstStyle/>
-          <a:p>
-            <a:r>
-              <a:rPr lang="en-IN" b="0" i="0" dirty="0">
-                <a:solidFill>
-                  <a:schemeClr val="tx1">
-                    <a:lumMod val="65000"/>
-                    <a:lumOff val="35000"/>
-                  </a:schemeClr>
-                </a:solidFill>
-                <a:effectLst/>
-                <a:latin typeface="Consolas" panose="020B0609020204030204" pitchFamily="49" charset="0"/>
-              </a:rPr>
-              <a:t>mean 11219.443815 std 7456.670694 min 500.000000 25% 5500.000000 50% 10000.000000 75% 15000.000000 max 35000.000000</a:t>
-            </a:r>
-            <a:endParaRPr lang="en-IN" dirty="0">
-              <a:solidFill>
-                <a:schemeClr val="tx1">
-                  <a:lumMod val="65000"/>
-                  <a:lumOff val="35000"/>
-                </a:schemeClr>
-              </a:solidFill>
-            </a:endParaRPr>
-          </a:p>
-        </p:txBody>
-      </p:sp>
     </p:spTree>
     <p:extLst>
       <p:ext uri="{BB962C8B-B14F-4D97-AF65-F5344CB8AC3E}">
-        <p14:creationId xmlns:p14="http://schemas.microsoft.com/office/powerpoint/2010/main" val="2920745594"/>
+        <p14:creationId xmlns:p14="http://schemas.microsoft.com/office/powerpoint/2010/main" val="1129715808"/>
       </p:ext>
     </p:extLst>
   </p:cSld>
@@ -4180,7 +5000,7 @@
           <p:cNvPr id="2" name="Title 1">
             <a:extLst>
               <a:ext uri="{FF2B5EF4-FFF2-40B4-BE49-F238E27FC236}">
-                <a16:creationId xmlns:a16="http://schemas.microsoft.com/office/drawing/2014/main" id="{5FE5AF02-86DF-034D-608A-4B660E858493}"/>
+                <a16:creationId xmlns:a16="http://schemas.microsoft.com/office/drawing/2014/main" id="{F381309B-49A0-504A-542A-C7DB4FC4EBAA}"/>
               </a:ext>
             </a:extLst>
           </p:cNvPr>
@@ -4198,18 +5018,48 @@
           <a:p>
             <a:r>
               <a:rPr lang="en-US" dirty="0"/>
-              <a:t>Home ownership</a:t>
+              <a:t>Loan amount analysis</a:t>
             </a:r>
             <a:endParaRPr lang="en-IN" dirty="0"/>
           </a:p>
         </p:txBody>
       </p:sp>
-      <p:sp>
-        <p:nvSpPr>
-          <p:cNvPr id="5" name="TextBox 4">
-            <a:extLst>
-              <a:ext uri="{FF2B5EF4-FFF2-40B4-BE49-F238E27FC236}">
-                <a16:creationId xmlns:a16="http://schemas.microsoft.com/office/drawing/2014/main" id="{D9A73AF5-04F5-BED7-5EAA-19EAB14AEBC0}"/>
+      <p:pic>
+        <p:nvPicPr>
+          <p:cNvPr id="5" name="Picture 4">
+            <a:extLst>
+              <a:ext uri="{FF2B5EF4-FFF2-40B4-BE49-F238E27FC236}">
+                <a16:creationId xmlns:a16="http://schemas.microsoft.com/office/drawing/2014/main" id="{24C5791B-57C1-9615-3CB4-0CC3927C0E67}"/>
+              </a:ext>
+            </a:extLst>
+          </p:cNvPr>
+          <p:cNvPicPr>
+            <a:picLocks noChangeAspect="1"/>
+          </p:cNvPicPr>
+          <p:nvPr/>
+        </p:nvPicPr>
+        <p:blipFill>
+          <a:blip r:embed="rId2"/>
+          <a:stretch>
+            <a:fillRect/>
+          </a:stretch>
+        </p:blipFill>
+        <p:spPr>
+          <a:xfrm>
+            <a:off x="6096000" y="1975100"/>
+            <a:ext cx="5429250" cy="3933825"/>
+          </a:xfrm>
+          <a:prstGeom prst="rect">
+            <a:avLst/>
+          </a:prstGeom>
+        </p:spPr>
+      </p:pic>
+      <p:sp>
+        <p:nvSpPr>
+          <p:cNvPr id="7" name="TextBox 6">
+            <a:extLst>
+              <a:ext uri="{FF2B5EF4-FFF2-40B4-BE49-F238E27FC236}">
+                <a16:creationId xmlns:a16="http://schemas.microsoft.com/office/drawing/2014/main" id="{50CB38F7-3986-4E60-16B8-25AD78626944}"/>
               </a:ext>
             </a:extLst>
           </p:cNvPr>
@@ -4218,13 +5068,18 @@
         </p:nvSpPr>
         <p:spPr>
           <a:xfrm>
-            <a:off x="9377736" y="1567279"/>
-            <a:ext cx="2067674" cy="1754326"/>
+            <a:off x="838200" y="2782510"/>
+            <a:ext cx="2375899" cy="2031325"/>
           </a:xfrm>
           <a:prstGeom prst="rect">
             <a:avLst/>
           </a:prstGeom>
           <a:noFill/>
+          <a:ln>
+            <a:solidFill>
+              <a:schemeClr val="tx1"/>
+            </a:solidFill>
+          </a:ln>
         </p:spPr>
         <p:txBody>
           <a:bodyPr wrap="square">
@@ -4233,73 +5088,23 @@
           <a:lstStyle/>
           <a:p>
             <a:r>
-              <a:rPr lang="en-US" b="0" i="0" u="sng" dirty="0" err="1">
+              <a:rPr lang="en-IN" b="0" i="0" dirty="0">
                 <a:solidFill>
-                  <a:schemeClr val="bg2">
-                    <a:lumMod val="50000"/>
+                  <a:schemeClr val="tx1">
+                    <a:lumMod val="65000"/>
+                    <a:lumOff val="35000"/>
                   </a:schemeClr>
                 </a:solidFill>
                 <a:effectLst/>
                 <a:latin typeface="Consolas" panose="020B0609020204030204" pitchFamily="49" charset="0"/>
               </a:rPr>
-              <a:t>home_ownership</a:t>
-            </a:r>
-            <a:r>
-              <a:rPr lang="en-US" b="0" i="0" u="sng" dirty="0">
-                <a:solidFill>
-                  <a:schemeClr val="bg2">
-                    <a:lumMod val="50000"/>
-                  </a:schemeClr>
-                </a:solidFill>
-                <a:effectLst/>
-                <a:latin typeface="Consolas" panose="020B0609020204030204" pitchFamily="49" charset="0"/>
-              </a:rPr>
-              <a:t> </a:t>
-            </a:r>
-            <a:r>
-              <a:rPr lang="en-US" b="0" i="0" dirty="0">
-                <a:solidFill>
-                  <a:schemeClr val="bg2">
-                    <a:lumMod val="50000"/>
-                  </a:schemeClr>
-                </a:solidFill>
-                <a:effectLst/>
-                <a:latin typeface="Consolas" panose="020B0609020204030204" pitchFamily="49" charset="0"/>
-              </a:rPr>
-              <a:t>RENT: 18899 MORTGAGE: 17659 OWN: 3058 </a:t>
-            </a:r>
-          </a:p>
-          <a:p>
-            <a:r>
-              <a:rPr lang="en-US" b="0" i="0" dirty="0">
-                <a:solidFill>
-                  <a:schemeClr val="bg2">
-                    <a:lumMod val="50000"/>
-                  </a:schemeClr>
-                </a:solidFill>
-                <a:effectLst/>
-                <a:latin typeface="Consolas" panose="020B0609020204030204" pitchFamily="49" charset="0"/>
-              </a:rPr>
-              <a:t>OTHER: 98 </a:t>
-            </a:r>
-          </a:p>
-          <a:p>
-            <a:r>
-              <a:rPr lang="en-US" b="0" i="0" dirty="0">
-                <a:solidFill>
-                  <a:schemeClr val="bg2">
-                    <a:lumMod val="50000"/>
-                  </a:schemeClr>
-                </a:solidFill>
-                <a:effectLst/>
-                <a:latin typeface="Consolas" panose="020B0609020204030204" pitchFamily="49" charset="0"/>
-              </a:rPr>
-              <a:t>NONE: 3</a:t>
+              <a:t>mean 11219.443815 std 7456.670694 min 500.000000 25% 5500.000000 50% 10000.000000 75% 15000.000000 max 35000.000000</a:t>
             </a:r>
             <a:endParaRPr lang="en-IN" dirty="0">
               <a:solidFill>
-                <a:schemeClr val="bg2">
-                  <a:lumMod val="50000"/>
+                <a:schemeClr val="tx1">
+                  <a:lumMod val="65000"/>
+                  <a:lumOff val="35000"/>
                 </a:schemeClr>
               </a:solidFill>
             </a:endParaRPr>
@@ -4309,7 +5114,7 @@
     </p:spTree>
     <p:extLst>
       <p:ext uri="{BB962C8B-B14F-4D97-AF65-F5344CB8AC3E}">
-        <p14:creationId xmlns:p14="http://schemas.microsoft.com/office/powerpoint/2010/main" val="4085281955"/>
+        <p14:creationId xmlns:p14="http://schemas.microsoft.com/office/powerpoint/2010/main" val="2920745594"/>
       </p:ext>
     </p:extLst>
   </p:cSld>
@@ -4341,7 +5146,7 @@
           <p:cNvPr id="2" name="Title 1">
             <a:extLst>
               <a:ext uri="{FF2B5EF4-FFF2-40B4-BE49-F238E27FC236}">
-                <a16:creationId xmlns:a16="http://schemas.microsoft.com/office/drawing/2014/main" id="{3777C9BA-5DD8-BFDD-FA57-8C4706759B5C}"/>
+                <a16:creationId xmlns:a16="http://schemas.microsoft.com/office/drawing/2014/main" id="{BA366A18-FCCB-A141-C03D-9AB76C53A61B}"/>
               </a:ext>
             </a:extLst>
           </p:cNvPr>
@@ -4358,61 +5163,18 @@
           <a:lstStyle/>
           <a:p>
             <a:r>
-              <a:rPr lang="en-IN" dirty="0" err="1"/>
-              <a:t>open_acc</a:t>
-            </a:r>
-            <a:endParaRPr lang="en-IN" dirty="0"/>
-          </a:p>
-        </p:txBody>
-      </p:sp>
-      <p:sp>
-        <p:nvSpPr>
-          <p:cNvPr id="3" name="Content Placeholder 2">
-            <a:extLst>
-              <a:ext uri="{FF2B5EF4-FFF2-40B4-BE49-F238E27FC236}">
-                <a16:creationId xmlns:a16="http://schemas.microsoft.com/office/drawing/2014/main" id="{9CF69DB7-6066-F5F9-0C2A-2EAEC5028A02}"/>
-              </a:ext>
-            </a:extLst>
-          </p:cNvPr>
-          <p:cNvSpPr>
-            <a:spLocks noGrp="1"/>
-          </p:cNvSpPr>
-          <p:nvPr>
-            <p:ph idx="1"/>
-          </p:nvPr>
-        </p:nvSpPr>
-        <p:spPr/>
-        <p:txBody>
-          <a:bodyPr/>
-          <a:lstStyle/>
-          <a:p>
-            <a:r>
               <a:rPr lang="en-IN" dirty="0"/>
-              <a:t>Indicates how many lines of credits are used by a person. When used in combination with </a:t>
-            </a:r>
-            <a:r>
-              <a:rPr lang="en-IN" dirty="0" err="1"/>
-              <a:t>delinque</a:t>
-            </a:r>
-            <a:r>
-              <a:rPr lang="en-IN" dirty="0"/>
-              <a:t> and % utilization , we get good insights</a:t>
-            </a:r>
-          </a:p>
-          <a:p>
-            <a:pPr marL="0" indent="0">
-              <a:buNone/>
-            </a:pPr>
-            <a:endParaRPr lang="en-IN" dirty="0"/>
-          </a:p>
-        </p:txBody>
-      </p:sp>
-      <p:sp>
-        <p:nvSpPr>
-          <p:cNvPr id="5" name="TextBox 4">
-            <a:extLst>
-              <a:ext uri="{FF2B5EF4-FFF2-40B4-BE49-F238E27FC236}">
-                <a16:creationId xmlns:a16="http://schemas.microsoft.com/office/drawing/2014/main" id="{C7CABEA9-AA5B-9C16-605D-9698681E52A4}"/>
+              <a:t>Loan status vs average loan amount</a:t>
+            </a:r>
+          </a:p>
+        </p:txBody>
+      </p:sp>
+      <p:sp>
+        <p:nvSpPr>
+          <p:cNvPr id="6" name="TextBox 5">
+            <a:extLst>
+              <a:ext uri="{FF2B5EF4-FFF2-40B4-BE49-F238E27FC236}">
+                <a16:creationId xmlns:a16="http://schemas.microsoft.com/office/drawing/2014/main" id="{F2BD7E5E-81D0-5FA6-DAFE-1EDD0DF3A625}"/>
               </a:ext>
             </a:extLst>
           </p:cNvPr>
@@ -4421,8 +5183,8 @@
         </p:nvSpPr>
         <p:spPr>
           <a:xfrm>
-            <a:off x="1065943" y="3429000"/>
-            <a:ext cx="2108771" cy="2246769"/>
+            <a:off x="410967" y="2178121"/>
+            <a:ext cx="5537770" cy="2862322"/>
           </a:xfrm>
           <a:prstGeom prst="rect">
             <a:avLst/>
@@ -4430,91 +5192,76 @@
           <a:noFill/>
         </p:spPr>
         <p:txBody>
-          <a:bodyPr wrap="square">
+          <a:bodyPr wrap="square" rtlCol="0">
             <a:spAutoFit/>
           </a:bodyPr>
           <a:lstStyle/>
           <a:p>
             <a:r>
-              <a:rPr lang="en-US" sz="2000" b="0" i="0" dirty="0">
-                <a:solidFill>
-                  <a:schemeClr val="tx1">
-                    <a:lumMod val="75000"/>
-                    <a:lumOff val="25000"/>
-                  </a:schemeClr>
-                </a:solidFill>
-                <a:effectLst/>
-                <a:latin typeface="Consolas" panose="020B0609020204030204" pitchFamily="49" charset="0"/>
-              </a:rPr>
-              <a:t>mean 9.294408 std 4.400282 min 2.000000 25% 6.000000 50% 9.000000 75% 12.000000 max 44.000000</a:t>
-            </a:r>
-            <a:endParaRPr lang="en-IN" sz="2000" dirty="0">
-              <a:solidFill>
-                <a:schemeClr val="tx1">
-                  <a:lumMod val="75000"/>
-                  <a:lumOff val="25000"/>
-                </a:schemeClr>
-              </a:solidFill>
-            </a:endParaRPr>
-          </a:p>
-        </p:txBody>
-      </p:sp>
-      <p:sp>
-        <p:nvSpPr>
-          <p:cNvPr id="7" name="TextBox 6">
-            <a:extLst>
-              <a:ext uri="{FF2B5EF4-FFF2-40B4-BE49-F238E27FC236}">
-                <a16:creationId xmlns:a16="http://schemas.microsoft.com/office/drawing/2014/main" id="{FB5A6D6D-6EE3-AEE3-D891-0EEC7C771FDF}"/>
-              </a:ext>
-            </a:extLst>
-          </p:cNvPr>
-          <p:cNvSpPr txBox="1"/>
+              <a:rPr lang="en-IN" sz="2000" dirty="0"/>
+              <a:t>Average loan amount different categories is as follows</a:t>
+            </a:r>
+          </a:p>
+          <a:p>
+            <a:endParaRPr lang="en-IN" sz="2000" dirty="0"/>
+          </a:p>
+          <a:p>
+            <a:r>
+              <a:rPr lang="en-IN" sz="2000" dirty="0"/>
+              <a:t>Charged off loans have ~1500 $ higher value compared to</a:t>
+            </a:r>
+          </a:p>
+          <a:p>
+            <a:r>
+              <a:rPr lang="en-IN" sz="2000" dirty="0"/>
+              <a:t>Fully Paid loans.</a:t>
+            </a:r>
+          </a:p>
+          <a:p>
+            <a:endParaRPr lang="en-IN" sz="2000" dirty="0"/>
+          </a:p>
+          <a:p>
+            <a:r>
+              <a:rPr lang="en-IN" sz="2000" dirty="0"/>
+              <a:t>Note : Current is ignored in the analysis as the loan is not closed yet</a:t>
+            </a:r>
+          </a:p>
+        </p:txBody>
+      </p:sp>
+      <p:pic>
+        <p:nvPicPr>
+          <p:cNvPr id="7" name="Picture 6">
+            <a:extLst>
+              <a:ext uri="{FF2B5EF4-FFF2-40B4-BE49-F238E27FC236}">
+                <a16:creationId xmlns:a16="http://schemas.microsoft.com/office/drawing/2014/main" id="{25E79363-3BEF-3E42-9663-835013032FD6}"/>
+              </a:ext>
+            </a:extLst>
+          </p:cNvPr>
+          <p:cNvPicPr>
+            <a:picLocks noChangeAspect="1"/>
+          </p:cNvPicPr>
           <p:nvPr/>
-        </p:nvSpPr>
+        </p:nvPicPr>
+        <p:blipFill>
+          <a:blip r:embed="rId2"/>
+          <a:stretch>
+            <a:fillRect/>
+          </a:stretch>
+        </p:blipFill>
         <p:spPr>
           <a:xfrm>
-            <a:off x="6066033" y="3428999"/>
-            <a:ext cx="2396447" cy="2246769"/>
+            <a:off x="6332038" y="1511300"/>
+            <a:ext cx="5610225" cy="4981575"/>
           </a:xfrm>
           <a:prstGeom prst="rect">
             <a:avLst/>
           </a:prstGeom>
-          <a:noFill/>
         </p:spPr>
-        <p:txBody>
-          <a:bodyPr wrap="square">
-            <a:spAutoFit/>
-          </a:bodyPr>
-          <a:lstStyle>
-            <a:defPPr>
-              <a:defRPr lang="en-US"/>
-            </a:defPPr>
-            <a:lvl1pPr>
-              <a:defRPr sz="2000" b="0" i="0">
-                <a:solidFill>
-                  <a:schemeClr val="tx1">
-                    <a:lumMod val="75000"/>
-                    <a:lumOff val="25000"/>
-                  </a:schemeClr>
-                </a:solidFill>
-                <a:effectLst/>
-                <a:latin typeface="Consolas" panose="020B0609020204030204" pitchFamily="49" charset="0"/>
-              </a:defRPr>
-            </a:lvl1pPr>
-          </a:lstStyle>
-          <a:p>
-            <a:r>
-              <a:rPr lang="en-US" dirty="0"/>
-              <a:t>mean 22.088828 std 11.401709 min 2.000000 25% 13.000000 50% 20.000000 75% 29.000000 max 90.000000</a:t>
-            </a:r>
-            <a:endParaRPr lang="en-IN" dirty="0"/>
-          </a:p>
-        </p:txBody>
-      </p:sp>
+      </p:pic>
     </p:spTree>
     <p:extLst>
       <p:ext uri="{BB962C8B-B14F-4D97-AF65-F5344CB8AC3E}">
-        <p14:creationId xmlns:p14="http://schemas.microsoft.com/office/powerpoint/2010/main" val="814516348"/>
+        <p14:creationId xmlns:p14="http://schemas.microsoft.com/office/powerpoint/2010/main" val="1223802965"/>
       </p:ext>
     </p:extLst>
   </p:cSld>
@@ -4546,7 +5293,7 @@
           <p:cNvPr id="2" name="Title 1">
             <a:extLst>
               <a:ext uri="{FF2B5EF4-FFF2-40B4-BE49-F238E27FC236}">
-                <a16:creationId xmlns:a16="http://schemas.microsoft.com/office/drawing/2014/main" id="{3A7AE295-2294-3D74-CCD7-3DA1D3DD8299}"/>
+                <a16:creationId xmlns:a16="http://schemas.microsoft.com/office/drawing/2014/main" id="{80AE5A34-ED17-A270-5301-E65A7462A514}"/>
               </a:ext>
             </a:extLst>
           </p:cNvPr>
@@ -4564,61 +5311,17 @@
           <a:p>
             <a:r>
               <a:rPr lang="en-IN" dirty="0"/>
-              <a:t>Loan status vs income-instalment difference</a:t>
-            </a:r>
-          </a:p>
-        </p:txBody>
-      </p:sp>
-      <p:sp>
-        <p:nvSpPr>
-          <p:cNvPr id="8" name="TextBox 7">
-            <a:extLst>
-              <a:ext uri="{FF2B5EF4-FFF2-40B4-BE49-F238E27FC236}">
-                <a16:creationId xmlns:a16="http://schemas.microsoft.com/office/drawing/2014/main" id="{D782009A-E20A-308A-31EF-45E22CDCC6C7}"/>
-              </a:ext>
-            </a:extLst>
-          </p:cNvPr>
-          <p:cNvSpPr txBox="1"/>
-          <p:nvPr/>
-        </p:nvSpPr>
-        <p:spPr>
-          <a:xfrm>
-            <a:off x="509427" y="2229492"/>
-            <a:ext cx="4155040" cy="1477328"/>
-          </a:xfrm>
-          <a:prstGeom prst="rect">
-            <a:avLst/>
-          </a:prstGeom>
-          <a:noFill/>
-        </p:spPr>
-        <p:txBody>
-          <a:bodyPr wrap="square" rtlCol="0">
-            <a:spAutoFit/>
-          </a:bodyPr>
-          <a:lstStyle/>
-          <a:p>
-            <a:r>
-              <a:rPr lang="en-IN" dirty="0"/>
-              <a:t>Defaulters have average monthly income and instalment difference lesser than fully paid category by 800$</a:t>
-            </a:r>
-          </a:p>
-          <a:p>
-            <a:endParaRPr lang="en-IN" dirty="0"/>
-          </a:p>
-          <a:p>
-            <a:r>
-              <a:rPr lang="en-IN" dirty="0"/>
-              <a:t>Note : Current is ignored in analysis</a:t>
+              <a:t>Default rates based on loan purpose</a:t>
             </a:r>
           </a:p>
         </p:txBody>
       </p:sp>
       <p:pic>
         <p:nvPicPr>
-          <p:cNvPr id="10" name="Picture 9">
-            <a:extLst>
-              <a:ext uri="{FF2B5EF4-FFF2-40B4-BE49-F238E27FC236}">
-                <a16:creationId xmlns:a16="http://schemas.microsoft.com/office/drawing/2014/main" id="{659D8776-9F25-F026-013E-6389115101D5}"/>
+          <p:cNvPr id="5" name="Picture 4">
+            <a:extLst>
+              <a:ext uri="{FF2B5EF4-FFF2-40B4-BE49-F238E27FC236}">
+                <a16:creationId xmlns:a16="http://schemas.microsoft.com/office/drawing/2014/main" id="{C1EEB699-CAAB-828C-DA7B-AFD6FDC15EF8}"/>
               </a:ext>
             </a:extLst>
           </p:cNvPr>
@@ -4635,18 +5338,67 @@
         </p:blipFill>
         <p:spPr>
           <a:xfrm>
-            <a:off x="5587857" y="1511300"/>
-            <a:ext cx="5848350" cy="4981575"/>
+            <a:off x="5445304" y="1929773"/>
+            <a:ext cx="6376773" cy="4773257"/>
           </a:xfrm>
           <a:prstGeom prst="rect">
             <a:avLst/>
           </a:prstGeom>
         </p:spPr>
       </p:pic>
+      <p:sp>
+        <p:nvSpPr>
+          <p:cNvPr id="6" name="TextBox 5">
+            <a:extLst>
+              <a:ext uri="{FF2B5EF4-FFF2-40B4-BE49-F238E27FC236}">
+                <a16:creationId xmlns:a16="http://schemas.microsoft.com/office/drawing/2014/main" id="{DE47912C-917C-6BEE-8B35-5E30DBC44693}"/>
+              </a:ext>
+            </a:extLst>
+          </p:cNvPr>
+          <p:cNvSpPr txBox="1"/>
+          <p:nvPr/>
+        </p:nvSpPr>
+        <p:spPr>
+          <a:xfrm>
+            <a:off x="195209" y="3608515"/>
+            <a:ext cx="5537770" cy="707886"/>
+          </a:xfrm>
+          <a:prstGeom prst="rect">
+            <a:avLst/>
+          </a:prstGeom>
+          <a:noFill/>
+        </p:spPr>
+        <p:txBody>
+          <a:bodyPr wrap="square" rtlCol="0">
+            <a:spAutoFit/>
+          </a:bodyPr>
+          <a:lstStyle/>
+          <a:p>
+            <a:r>
+              <a:rPr lang="en-IN" sz="2000" dirty="0"/>
+              <a:t>Loans taken for </a:t>
+            </a:r>
+            <a:r>
+              <a:rPr lang="en-IN" sz="2000" dirty="0" err="1"/>
+              <a:t>small_business</a:t>
+            </a:r>
+            <a:r>
+              <a:rPr lang="en-IN" sz="2000" dirty="0"/>
+              <a:t> carries higher risk</a:t>
+            </a:r>
+          </a:p>
+          <a:p>
+            <a:r>
+              <a:rPr lang="en-IN" sz="2000" dirty="0"/>
+              <a:t>Of defaulting.</a:t>
+            </a:r>
+          </a:p>
+        </p:txBody>
+      </p:sp>
     </p:spTree>
     <p:extLst>
       <p:ext uri="{BB962C8B-B14F-4D97-AF65-F5344CB8AC3E}">
-        <p14:creationId xmlns:p14="http://schemas.microsoft.com/office/powerpoint/2010/main" val="1764777773"/>
+        <p14:creationId xmlns:p14="http://schemas.microsoft.com/office/powerpoint/2010/main" val="356964329"/>
       </p:ext>
     </p:extLst>
   </p:cSld>
@@ -4661,7 +5413,13 @@
   <p:cSld>
     <p:spTree>
       <p:nvGrpSpPr>
-        <p:cNvPr id="1" name=""/>
+        <p:cNvPr id="1" name="">
+          <a:extLst>
+            <a:ext uri="{FF2B5EF4-FFF2-40B4-BE49-F238E27FC236}">
+              <a16:creationId xmlns:a16="http://schemas.microsoft.com/office/drawing/2014/main" id="{7789157C-0B5F-AFA8-BA4F-2E044AD78DF4}"/>
+            </a:ext>
+          </a:extLst>
+        </p:cNvPr>
         <p:cNvGrpSpPr/>
         <p:nvPr/>
       </p:nvGrpSpPr>
@@ -4678,7 +5436,7 @@
           <p:cNvPr id="2" name="Title 1">
             <a:extLst>
               <a:ext uri="{FF2B5EF4-FFF2-40B4-BE49-F238E27FC236}">
-                <a16:creationId xmlns:a16="http://schemas.microsoft.com/office/drawing/2014/main" id="{E0CD6795-8C49-82B4-EA8A-3AB95BC4FFE7}"/>
+                <a16:creationId xmlns:a16="http://schemas.microsoft.com/office/drawing/2014/main" id="{8D4BB05A-276B-A4D9-E9CB-7207017F00D8}"/>
               </a:ext>
             </a:extLst>
           </p:cNvPr>
@@ -4688,30 +5446,60 @@
           <p:nvPr>
             <p:ph type="title"/>
           </p:nvPr>
+        </p:nvSpPr>
+        <p:spPr/>
+        <p:txBody>
+          <a:bodyPr/>
+          <a:lstStyle/>
+          <a:p>
+            <a:r>
+              <a:rPr lang="en-IN" dirty="0"/>
+              <a:t>Default rates based on LC assigned grades</a:t>
+            </a:r>
+          </a:p>
+        </p:txBody>
+      </p:sp>
+      <p:sp>
+        <p:nvSpPr>
+          <p:cNvPr id="6" name="TextBox 5">
+            <a:extLst>
+              <a:ext uri="{FF2B5EF4-FFF2-40B4-BE49-F238E27FC236}">
+                <a16:creationId xmlns:a16="http://schemas.microsoft.com/office/drawing/2014/main" id="{54762725-2590-403B-7646-1AAB8628D64C}"/>
+              </a:ext>
+            </a:extLst>
+          </p:cNvPr>
+          <p:cNvSpPr txBox="1"/>
+          <p:nvPr/>
         </p:nvSpPr>
         <p:spPr>
           <a:xfrm>
-            <a:off x="410966" y="365125"/>
-            <a:ext cx="10942834" cy="1325563"/>
+            <a:off x="462337" y="3145665"/>
+            <a:ext cx="5537770" cy="1015663"/>
           </a:xfrm>
+          <a:prstGeom prst="rect">
+            <a:avLst/>
+          </a:prstGeom>
+          <a:noFill/>
         </p:spPr>
         <p:txBody>
-          <a:bodyPr/>
-          <a:lstStyle/>
-          <a:p>
-            <a:r>
-              <a:rPr lang="en-IN" dirty="0"/>
-              <a:t>Default rate based on average credit utilization</a:t>
+          <a:bodyPr wrap="square" rtlCol="0">
+            <a:spAutoFit/>
+          </a:bodyPr>
+          <a:lstStyle/>
+          <a:p>
+            <a:r>
+              <a:rPr lang="en-IN" sz="2000" dirty="0"/>
+              <a:t>From the graph ratio Grade A has low chance of default compared to other higher grades. Risk of default increases towards G.</a:t>
             </a:r>
           </a:p>
         </p:txBody>
       </p:sp>
       <p:pic>
         <p:nvPicPr>
-          <p:cNvPr id="7" name="Picture 6">
-            <a:extLst>
-              <a:ext uri="{FF2B5EF4-FFF2-40B4-BE49-F238E27FC236}">
-                <a16:creationId xmlns:a16="http://schemas.microsoft.com/office/drawing/2014/main" id="{7FBD505B-ADB1-D760-E2EA-645D20481490}"/>
+          <p:cNvPr id="4" name="Picture 3">
+            <a:extLst>
+              <a:ext uri="{FF2B5EF4-FFF2-40B4-BE49-F238E27FC236}">
+                <a16:creationId xmlns:a16="http://schemas.microsoft.com/office/drawing/2014/main" id="{A91B82B9-B403-A2DF-212D-241A6762AC0C}"/>
               </a:ext>
             </a:extLst>
           </p:cNvPr>
@@ -4728,20 +5516,109 @@
         </p:blipFill>
         <p:spPr>
           <a:xfrm>
-            <a:off x="7468135" y="2380554"/>
-            <a:ext cx="4324350" cy="3514725"/>
+            <a:off x="6270393" y="1364644"/>
+            <a:ext cx="5610225" cy="5267325"/>
           </a:xfrm>
           <a:prstGeom prst="rect">
             <a:avLst/>
           </a:prstGeom>
         </p:spPr>
       </p:pic>
-      <p:sp>
-        <p:nvSpPr>
-          <p:cNvPr id="11" name="TextBox 10">
-            <a:extLst>
-              <a:ext uri="{FF2B5EF4-FFF2-40B4-BE49-F238E27FC236}">
-                <a16:creationId xmlns:a16="http://schemas.microsoft.com/office/drawing/2014/main" id="{37B7E9D9-AF7F-E054-2B47-DABA5CFA74B1}"/>
+    </p:spTree>
+    <p:extLst>
+      <p:ext uri="{BB962C8B-B14F-4D97-AF65-F5344CB8AC3E}">
+        <p14:creationId xmlns:p14="http://schemas.microsoft.com/office/powerpoint/2010/main" val="2288765635"/>
+      </p:ext>
+    </p:extLst>
+  </p:cSld>
+  <p:clrMapOvr>
+    <a:masterClrMapping/>
+  </p:clrMapOvr>
+</p:sld>
+</file>
+
+<file path=ppt/slides/slide9.xml><?xml version="1.0" encoding="utf-8"?>
+<p:sld xmlns:a="http://schemas.openxmlformats.org/drawingml/2006/main" xmlns:r="http://schemas.openxmlformats.org/officeDocument/2006/relationships" xmlns:p="http://schemas.openxmlformats.org/presentationml/2006/main">
+  <p:cSld>
+    <p:spTree>
+      <p:nvGrpSpPr>
+        <p:cNvPr id="1" name="">
+          <a:extLst>
+            <a:ext uri="{FF2B5EF4-FFF2-40B4-BE49-F238E27FC236}">
+              <a16:creationId xmlns:a16="http://schemas.microsoft.com/office/drawing/2014/main" id="{4BC4E437-400A-E096-E86E-B4EF2E11BED0}"/>
+            </a:ext>
+          </a:extLst>
+        </p:cNvPr>
+        <p:cNvGrpSpPr/>
+        <p:nvPr/>
+      </p:nvGrpSpPr>
+      <p:grpSpPr>
+        <a:xfrm>
+          <a:off x="0" y="0"/>
+          <a:ext cx="0" cy="0"/>
+          <a:chOff x="0" y="0"/>
+          <a:chExt cx="0" cy="0"/>
+        </a:xfrm>
+      </p:grpSpPr>
+      <p:sp>
+        <p:nvSpPr>
+          <p:cNvPr id="2" name="Title 1">
+            <a:extLst>
+              <a:ext uri="{FF2B5EF4-FFF2-40B4-BE49-F238E27FC236}">
+                <a16:creationId xmlns:a16="http://schemas.microsoft.com/office/drawing/2014/main" id="{18184E24-1796-F4DC-25C8-DFB0B5B2C2B4}"/>
+              </a:ext>
+            </a:extLst>
+          </p:cNvPr>
+          <p:cNvSpPr>
+            <a:spLocks noGrp="1"/>
+          </p:cNvSpPr>
+          <p:nvPr>
+            <p:ph type="title"/>
+          </p:nvPr>
+        </p:nvSpPr>
+        <p:spPr>
+          <a:xfrm>
+            <a:off x="550524" y="617579"/>
+            <a:ext cx="10515600" cy="1374692"/>
+          </a:xfrm>
+        </p:spPr>
+        <p:txBody>
+          <a:bodyPr/>
+          <a:lstStyle/>
+          <a:p>
+            <a:r>
+              <a:rPr lang="en-IN" dirty="0"/>
+              <a:t>Default rates based on </a:t>
+            </a:r>
+            <a:r>
+              <a:rPr lang="en-IN" b="0" dirty="0">
+                <a:solidFill>
+                  <a:srgbClr val="CE9178"/>
+                </a:solidFill>
+                <a:effectLst/>
+                <a:latin typeface="Consolas" panose="020B0609020204030204" pitchFamily="49" charset="0"/>
+              </a:rPr>
+              <a:t>delinq_2yrs</a:t>
+            </a:r>
+            <a:br>
+              <a:rPr lang="en-IN" b="0" dirty="0">
+                <a:solidFill>
+                  <a:srgbClr val="CCCCCC"/>
+                </a:solidFill>
+                <a:effectLst/>
+                <a:latin typeface="Consolas" panose="020B0609020204030204" pitchFamily="49" charset="0"/>
+              </a:rPr>
+            </a:br>
+            <a:endParaRPr lang="en-IN" dirty="0"/>
+          </a:p>
+        </p:txBody>
+      </p:sp>
+      <p:sp>
+        <p:nvSpPr>
+          <p:cNvPr id="6" name="TextBox 5">
+            <a:extLst>
+              <a:ext uri="{FF2B5EF4-FFF2-40B4-BE49-F238E27FC236}">
+                <a16:creationId xmlns:a16="http://schemas.microsoft.com/office/drawing/2014/main" id="{7576FFFD-33A6-5413-35BD-232A0BBFDC79}"/>
               </a:ext>
             </a:extLst>
           </p:cNvPr>
@@ -4750,8 +5627,8 @@
         </p:nvSpPr>
         <p:spPr>
           <a:xfrm>
-            <a:off x="8360594" y="5797663"/>
-            <a:ext cx="2827961" cy="923330"/>
+            <a:off x="959190" y="3105081"/>
+            <a:ext cx="5537770" cy="400110"/>
           </a:xfrm>
           <a:prstGeom prst="rect">
             <a:avLst/>
@@ -4759,118 +5636,52 @@
           <a:noFill/>
         </p:spPr>
         <p:txBody>
-          <a:bodyPr wrap="square">
+          <a:bodyPr wrap="square" rtlCol="0">
             <a:spAutoFit/>
           </a:bodyPr>
           <a:lstStyle/>
           <a:p>
             <a:r>
-              <a:rPr lang="en-US" b="0" i="0" dirty="0">
-                <a:solidFill>
-                  <a:schemeClr val="tx1">
-                    <a:lumMod val="75000"/>
-                    <a:lumOff val="25000"/>
-                  </a:schemeClr>
-                </a:solidFill>
-                <a:effectLst/>
-                <a:latin typeface="Consolas" panose="020B0609020204030204" pitchFamily="49" charset="0"/>
-              </a:rPr>
-              <a:t>0 Charged Off 58.40 </a:t>
-            </a:r>
-          </a:p>
-          <a:p>
-            <a:r>
-              <a:rPr lang="en-US" b="0" i="0" dirty="0">
-                <a:solidFill>
-                  <a:schemeClr val="tx1">
-                    <a:lumMod val="75000"/>
-                    <a:lumOff val="25000"/>
-                  </a:schemeClr>
-                </a:solidFill>
-                <a:effectLst/>
-                <a:latin typeface="Consolas" panose="020B0609020204030204" pitchFamily="49" charset="0"/>
-              </a:rPr>
-              <a:t>1 Current 54.95</a:t>
-            </a:r>
-          </a:p>
-          <a:p>
-            <a:r>
-              <a:rPr lang="en-US" b="0" i="0" dirty="0">
-                <a:solidFill>
-                  <a:schemeClr val="tx1">
-                    <a:lumMod val="75000"/>
-                    <a:lumOff val="25000"/>
-                  </a:schemeClr>
-                </a:solidFill>
-                <a:effectLst/>
-                <a:latin typeface="Consolas" panose="020B0609020204030204" pitchFamily="49" charset="0"/>
-              </a:rPr>
-              <a:t>2 Fully Paid 47.60</a:t>
-            </a:r>
-            <a:endParaRPr lang="en-IN" dirty="0">
-              <a:solidFill>
-                <a:schemeClr val="tx1">
-                  <a:lumMod val="75000"/>
-                  <a:lumOff val="25000"/>
-                </a:schemeClr>
-              </a:solidFill>
-            </a:endParaRPr>
-          </a:p>
-        </p:txBody>
-      </p:sp>
-      <p:sp>
-        <p:nvSpPr>
-          <p:cNvPr id="12" name="TextBox 11">
-            <a:extLst>
-              <a:ext uri="{FF2B5EF4-FFF2-40B4-BE49-F238E27FC236}">
-                <a16:creationId xmlns:a16="http://schemas.microsoft.com/office/drawing/2014/main" id="{922D95E7-D622-A059-6FBA-06E8FD15236A}"/>
-              </a:ext>
-            </a:extLst>
-          </p:cNvPr>
-          <p:cNvSpPr txBox="1"/>
+              <a:rPr lang="en-IN" sz="2000" dirty="0"/>
+              <a:t>Higher defaults seen for higher delinq_2 years</a:t>
+            </a:r>
+          </a:p>
+        </p:txBody>
+      </p:sp>
+      <p:pic>
+        <p:nvPicPr>
+          <p:cNvPr id="8" name="Picture 7">
+            <a:extLst>
+              <a:ext uri="{FF2B5EF4-FFF2-40B4-BE49-F238E27FC236}">
+                <a16:creationId xmlns:a16="http://schemas.microsoft.com/office/drawing/2014/main" id="{1FD7BA90-EA02-FB04-9A6E-DCBA5551E5ED}"/>
+              </a:ext>
+            </a:extLst>
+          </p:cNvPr>
+          <p:cNvPicPr>
+            <a:picLocks noChangeAspect="1"/>
+          </p:cNvPicPr>
           <p:nvPr/>
-        </p:nvSpPr>
+        </p:nvPicPr>
+        <p:blipFill>
+          <a:blip r:embed="rId2"/>
+          <a:stretch>
+            <a:fillRect/>
+          </a:stretch>
+        </p:blipFill>
         <p:spPr>
           <a:xfrm>
-            <a:off x="503434" y="3246633"/>
-            <a:ext cx="5167440" cy="646331"/>
+            <a:off x="6905625" y="1992271"/>
+            <a:ext cx="4448175" cy="4248150"/>
           </a:xfrm>
           <a:prstGeom prst="rect">
             <a:avLst/>
           </a:prstGeom>
-          <a:noFill/>
         </p:spPr>
-        <p:txBody>
-          <a:bodyPr wrap="none" rtlCol="0">
-            <a:spAutoFit/>
-          </a:bodyPr>
-          <a:lstStyle/>
-          <a:p>
-            <a:r>
-              <a:rPr lang="en-IN" dirty="0"/>
-              <a:t>Pay attention to </a:t>
-            </a:r>
-            <a:r>
-              <a:rPr lang="en-IN" dirty="0" err="1"/>
-              <a:t>revol_uti</a:t>
-            </a:r>
-            <a:r>
-              <a:rPr lang="en-IN" dirty="0"/>
-              <a:t> – this parameter indicates</a:t>
-            </a:r>
-          </a:p>
-          <a:p>
-            <a:r>
-              <a:rPr lang="en-IN" dirty="0"/>
-              <a:t>The utilization of credit, higher the value more riskier</a:t>
-            </a:r>
-          </a:p>
-        </p:txBody>
-      </p:sp>
+      </p:pic>
     </p:spTree>
     <p:extLst>
       <p:ext uri="{BB962C8B-B14F-4D97-AF65-F5344CB8AC3E}">
-        <p14:creationId xmlns:p14="http://schemas.microsoft.com/office/powerpoint/2010/main" val="2367179073"/>
+        <p14:creationId xmlns:p14="http://schemas.microsoft.com/office/powerpoint/2010/main" val="3164178106"/>
       </p:ext>
     </p:extLst>
   </p:cSld>

--- a/LendingCaseStudy.pptx
+++ b/LendingCaseStudy.pptx
@@ -4,21 +4,26 @@
   <p:sldMasterIdLst>
     <p:sldMasterId id="2147483648" r:id="rId1"/>
   </p:sldMasterIdLst>
+  <p:notesMasterIdLst>
+    <p:notesMasterId r:id="rId18"/>
+  </p:notesMasterIdLst>
   <p:sldIdLst>
     <p:sldId id="256" r:id="rId2"/>
     <p:sldId id="257" r:id="rId3"/>
     <p:sldId id="265" r:id="rId4"/>
     <p:sldId id="266" r:id="rId5"/>
-    <p:sldId id="259" r:id="rId6"/>
-    <p:sldId id="262" r:id="rId7"/>
-    <p:sldId id="267" r:id="rId8"/>
+    <p:sldId id="267" r:id="rId6"/>
+    <p:sldId id="263" r:id="rId7"/>
+    <p:sldId id="273" r:id="rId8"/>
     <p:sldId id="268" r:id="rId9"/>
-    <p:sldId id="269" r:id="rId10"/>
+    <p:sldId id="262" r:id="rId10"/>
     <p:sldId id="270" r:id="rId11"/>
-    <p:sldId id="263" r:id="rId12"/>
+    <p:sldId id="269" r:id="rId12"/>
     <p:sldId id="271" r:id="rId13"/>
     <p:sldId id="272" r:id="rId14"/>
-    <p:sldId id="260" r:id="rId15"/>
+    <p:sldId id="274" r:id="rId15"/>
+    <p:sldId id="260" r:id="rId16"/>
+    <p:sldId id="275" r:id="rId17"/>
   </p:sldIdLst>
   <p:sldSz cx="12192000" cy="6858000"/>
   <p:notesSz cx="6858000" cy="9144000"/>
@@ -129,23 +134,31 @@
 <pc:chgInfo xmlns:a="http://schemas.openxmlformats.org/drawingml/2006/main" xmlns:r="http://schemas.openxmlformats.org/officeDocument/2006/relationships" xmlns:ac="http://schemas.microsoft.com/office/drawing/2013/main/command" xmlns:pc="http://schemas.microsoft.com/office/powerpoint/2013/main/command">
   <pc:docChgLst>
     <pc:chgData name="Mahesh Hegde" userId="54724ce3c2b2fa38" providerId="LiveId" clId="{75755021-87D9-43AF-A61B-A14C4AD89666}"/>
-    <pc:docChg chg="undo custSel addSld delSld modSld">
-      <pc:chgData name="Mahesh Hegde" userId="54724ce3c2b2fa38" providerId="LiveId" clId="{75755021-87D9-43AF-A61B-A14C4AD89666}" dt="2025-01-19T17:37:42.745" v="1073" actId="6549"/>
+    <pc:docChg chg="undo redo custSel addSld delSld modSld sldOrd">
+      <pc:chgData name="Mahesh Hegde" userId="54724ce3c2b2fa38" providerId="LiveId" clId="{75755021-87D9-43AF-A61B-A14C4AD89666}" dt="2025-01-21T16:04:16.840" v="2391" actId="122"/>
       <pc:docMkLst>
         <pc:docMk/>
       </pc:docMkLst>
-      <pc:sldChg chg="modSp mod">
-        <pc:chgData name="Mahesh Hegde" userId="54724ce3c2b2fa38" providerId="LiveId" clId="{75755021-87D9-43AF-A61B-A14C4AD89666}" dt="2025-01-17T15:18:41.966" v="49" actId="20577"/>
+      <pc:sldChg chg="addSp modSp mod chgLayout">
+        <pc:chgData name="Mahesh Hegde" userId="54724ce3c2b2fa38" providerId="LiveId" clId="{75755021-87D9-43AF-A61B-A14C4AD89666}" dt="2025-01-21T13:58:09.473" v="1167" actId="207"/>
         <pc:sldMkLst>
           <pc:docMk/>
           <pc:sldMk cId="3423708300" sldId="256"/>
         </pc:sldMkLst>
-        <pc:spChg chg="mod">
-          <ac:chgData name="Mahesh Hegde" userId="54724ce3c2b2fa38" providerId="LiveId" clId="{75755021-87D9-43AF-A61B-A14C4AD89666}" dt="2025-01-17T15:18:41.966" v="49" actId="20577"/>
+        <pc:spChg chg="mod ord">
+          <ac:chgData name="Mahesh Hegde" userId="54724ce3c2b2fa38" providerId="LiveId" clId="{75755021-87D9-43AF-A61B-A14C4AD89666}" dt="2025-01-21T13:57:44.235" v="1135" actId="700"/>
           <ac:spMkLst>
             <pc:docMk/>
             <pc:sldMk cId="3423708300" sldId="256"/>
-            <ac:spMk id="3" creationId="{1078F6C7-C0BA-AA0E-DD55-A1299A080CEF}"/>
+            <ac:spMk id="2" creationId="{053934ED-24E9-2B33-8B20-9A7AB34D38C3}"/>
+          </ac:spMkLst>
+        </pc:spChg>
+        <pc:spChg chg="add mod ord">
+          <ac:chgData name="Mahesh Hegde" userId="54724ce3c2b2fa38" providerId="LiveId" clId="{75755021-87D9-43AF-A61B-A14C4AD89666}" dt="2025-01-21T13:58:09.473" v="1167" actId="207"/>
+          <ac:spMkLst>
+            <pc:docMk/>
+            <pc:sldMk cId="3423708300" sldId="256"/>
+            <ac:spMk id="3" creationId="{3EBFA346-6D8E-4678-C9C5-C34FDF70F25C}"/>
           </ac:spMkLst>
         </pc:spChg>
       </pc:sldChg>
@@ -179,39 +192,15 @@
           <pc:sldMk cId="2782612730" sldId="258"/>
         </pc:sldMkLst>
       </pc:sldChg>
-      <pc:sldChg chg="addSp delSp modSp new mod">
-        <pc:chgData name="Mahesh Hegde" userId="54724ce3c2b2fa38" providerId="LiveId" clId="{75755021-87D9-43AF-A61B-A14C4AD89666}" dt="2025-01-17T15:26:24.187" v="80" actId="208"/>
+      <pc:sldChg chg="addSp delSp modSp new del mod">
+        <pc:chgData name="Mahesh Hegde" userId="54724ce3c2b2fa38" providerId="LiveId" clId="{75755021-87D9-43AF-A61B-A14C4AD89666}" dt="2025-01-21T14:29:50.477" v="1630" actId="47"/>
         <pc:sldMkLst>
           <pc:docMk/>
           <pc:sldMk cId="2920745594" sldId="259"/>
         </pc:sldMkLst>
-        <pc:spChg chg="mod">
-          <ac:chgData name="Mahesh Hegde" userId="54724ce3c2b2fa38" providerId="LiveId" clId="{75755021-87D9-43AF-A61B-A14C4AD89666}" dt="2025-01-17T15:25:04.385" v="74" actId="20577"/>
-          <ac:spMkLst>
-            <pc:docMk/>
-            <pc:sldMk cId="2920745594" sldId="259"/>
-            <ac:spMk id="2" creationId="{F381309B-49A0-504A-542A-C7DB4FC4EBAA}"/>
-          </ac:spMkLst>
-        </pc:spChg>
-        <pc:spChg chg="add mod">
-          <ac:chgData name="Mahesh Hegde" userId="54724ce3c2b2fa38" providerId="LiveId" clId="{75755021-87D9-43AF-A61B-A14C4AD89666}" dt="2025-01-17T15:26:24.187" v="80" actId="208"/>
-          <ac:spMkLst>
-            <pc:docMk/>
-            <pc:sldMk cId="2920745594" sldId="259"/>
-            <ac:spMk id="7" creationId="{50CB38F7-3986-4E60-16B8-25AD78626944}"/>
-          </ac:spMkLst>
-        </pc:spChg>
-        <pc:picChg chg="add mod">
-          <ac:chgData name="Mahesh Hegde" userId="54724ce3c2b2fa38" providerId="LiveId" clId="{75755021-87D9-43AF-A61B-A14C4AD89666}" dt="2025-01-17T15:24:35.113" v="53" actId="1076"/>
-          <ac:picMkLst>
-            <pc:docMk/>
-            <pc:sldMk cId="2920745594" sldId="259"/>
-            <ac:picMk id="5" creationId="{24C5791B-57C1-9615-3CB4-0CC3927C0E67}"/>
-          </ac:picMkLst>
-        </pc:picChg>
       </pc:sldChg>
       <pc:sldChg chg="addSp delSp modSp new mod">
-        <pc:chgData name="Mahesh Hegde" userId="54724ce3c2b2fa38" providerId="LiveId" clId="{75755021-87D9-43AF-A61B-A14C4AD89666}" dt="2025-01-17T15:49:26.939" v="110" actId="20577"/>
+        <pc:chgData name="Mahesh Hegde" userId="54724ce3c2b2fa38" providerId="LiveId" clId="{75755021-87D9-43AF-A61B-A14C4AD89666}" dt="2025-01-21T15:39:15.088" v="2232" actId="20577"/>
         <pc:sldMkLst>
           <pc:docMk/>
           <pc:sldMk cId="4085281955" sldId="260"/>
@@ -224,14 +213,22 @@
             <ac:spMk id="2" creationId="{5FE5AF02-86DF-034D-608A-4B660E858493}"/>
           </ac:spMkLst>
         </pc:spChg>
-        <pc:spChg chg="add mod">
-          <ac:chgData name="Mahesh Hegde" userId="54724ce3c2b2fa38" providerId="LiveId" clId="{75755021-87D9-43AF-A61B-A14C4AD89666}" dt="2025-01-17T15:49:26.939" v="110" actId="20577"/>
+        <pc:spChg chg="mod">
+          <ac:chgData name="Mahesh Hegde" userId="54724ce3c2b2fa38" providerId="LiveId" clId="{75755021-87D9-43AF-A61B-A14C4AD89666}" dt="2025-01-21T15:23:34.875" v="2203" actId="27636"/>
           <ac:spMkLst>
             <pc:docMk/>
             <pc:sldMk cId="4085281955" sldId="260"/>
-            <ac:spMk id="5" creationId="{D9A73AF5-04F5-BED7-5EAA-19EAB14AEBC0}"/>
+            <ac:spMk id="4" creationId="{EC851840-30A1-7D58-4461-7C9AD0548B0A}"/>
           </ac:spMkLst>
         </pc:spChg>
+        <pc:graphicFrameChg chg="mod modGraphic">
+          <ac:chgData name="Mahesh Hegde" userId="54724ce3c2b2fa38" providerId="LiveId" clId="{75755021-87D9-43AF-A61B-A14C4AD89666}" dt="2025-01-21T15:39:15.088" v="2232" actId="20577"/>
+          <ac:graphicFrameMkLst>
+            <pc:docMk/>
+            <pc:sldMk cId="4085281955" sldId="260"/>
+            <ac:graphicFrameMk id="6" creationId="{CB681833-4147-436E-2B10-7BCB8E6E3335}"/>
+          </ac:graphicFrameMkLst>
+        </pc:graphicFrameChg>
       </pc:sldChg>
       <pc:sldChg chg="addSp modSp new mod">
         <pc:chgData name="Mahesh Hegde" userId="54724ce3c2b2fa38" providerId="LiveId" clId="{75755021-87D9-43AF-A61B-A14C4AD89666}" dt="2025-01-19T17:37:42.745" v="1073" actId="6549"/>
@@ -239,41 +236,9 @@
           <pc:docMk/>
           <pc:sldMk cId="814516348" sldId="261"/>
         </pc:sldMkLst>
-        <pc:spChg chg="mod">
-          <ac:chgData name="Mahesh Hegde" userId="54724ce3c2b2fa38" providerId="LiveId" clId="{75755021-87D9-43AF-A61B-A14C4AD89666}" dt="2025-01-19T08:08:07.891" v="112"/>
-          <ac:spMkLst>
-            <pc:docMk/>
-            <pc:sldMk cId="814516348" sldId="261"/>
-            <ac:spMk id="2" creationId="{3777C9BA-5DD8-BFDD-FA57-8C4706759B5C}"/>
-          </ac:spMkLst>
-        </pc:spChg>
-        <pc:spChg chg="mod">
-          <ac:chgData name="Mahesh Hegde" userId="54724ce3c2b2fa38" providerId="LiveId" clId="{75755021-87D9-43AF-A61B-A14C4AD89666}" dt="2025-01-19T17:37:42.745" v="1073" actId="6549"/>
-          <ac:spMkLst>
-            <pc:docMk/>
-            <pc:sldMk cId="814516348" sldId="261"/>
-            <ac:spMk id="3" creationId="{9CF69DB7-6066-F5F9-0C2A-2EAEC5028A02}"/>
-          </ac:spMkLst>
-        </pc:spChg>
-        <pc:spChg chg="add mod">
-          <ac:chgData name="Mahesh Hegde" userId="54724ce3c2b2fa38" providerId="LiveId" clId="{75755021-87D9-43AF-A61B-A14C4AD89666}" dt="2025-01-19T08:13:40.961" v="263" actId="1076"/>
-          <ac:spMkLst>
-            <pc:docMk/>
-            <pc:sldMk cId="814516348" sldId="261"/>
-            <ac:spMk id="5" creationId="{C7CABEA9-AA5B-9C16-605D-9698681E52A4}"/>
-          </ac:spMkLst>
-        </pc:spChg>
-        <pc:spChg chg="add mod">
-          <ac:chgData name="Mahesh Hegde" userId="54724ce3c2b2fa38" providerId="LiveId" clId="{75755021-87D9-43AF-A61B-A14C4AD89666}" dt="2025-01-19T08:24:44.021" v="291" actId="1076"/>
-          <ac:spMkLst>
-            <pc:docMk/>
-            <pc:sldMk cId="814516348" sldId="261"/>
-            <ac:spMk id="7" creationId="{FB5A6D6D-6EE3-AEE3-D891-0EEC7C771FDF}"/>
-          </ac:spMkLst>
-        </pc:spChg>
       </pc:sldChg>
       <pc:sldChg chg="addSp delSp modSp new mod">
-        <pc:chgData name="Mahesh Hegde" userId="54724ce3c2b2fa38" providerId="LiveId" clId="{75755021-87D9-43AF-A61B-A14C4AD89666}" dt="2025-01-19T13:00:30.503" v="578" actId="1076"/>
+        <pc:chgData name="Mahesh Hegde" userId="54724ce3c2b2fa38" providerId="LiveId" clId="{75755021-87D9-43AF-A61B-A14C4AD89666}" dt="2025-01-21T14:17:37.953" v="1625" actId="114"/>
         <pc:sldMkLst>
           <pc:docMk/>
           <pc:sldMk cId="1223802965" sldId="262"/>
@@ -286,91 +251,51 @@
             <ac:spMk id="2" creationId="{BA366A18-FCCB-A141-C03D-9AB76C53A61B}"/>
           </ac:spMkLst>
         </pc:spChg>
-        <pc:spChg chg="del">
-          <ac:chgData name="Mahesh Hegde" userId="54724ce3c2b2fa38" providerId="LiveId" clId="{75755021-87D9-43AF-A61B-A14C4AD89666}" dt="2025-01-19T12:45:24.341" v="327" actId="478"/>
-          <ac:spMkLst>
-            <pc:docMk/>
-            <pc:sldMk cId="1223802965" sldId="262"/>
-            <ac:spMk id="3" creationId="{93CD7818-347A-484A-6890-66EE54570C0D}"/>
-          </ac:spMkLst>
-        </pc:spChg>
         <pc:spChg chg="add mod">
-          <ac:chgData name="Mahesh Hegde" userId="54724ce3c2b2fa38" providerId="LiveId" clId="{75755021-87D9-43AF-A61B-A14C4AD89666}" dt="2025-01-19T13:00:15.714" v="577" actId="20577"/>
+          <ac:chgData name="Mahesh Hegde" userId="54724ce3c2b2fa38" providerId="LiveId" clId="{75755021-87D9-43AF-A61B-A14C4AD89666}" dt="2025-01-21T14:17:37.953" v="1625" actId="114"/>
           <ac:spMkLst>
             <pc:docMk/>
             <pc:sldMk cId="1223802965" sldId="262"/>
             <ac:spMk id="6" creationId="{F2BD7E5E-81D0-5FA6-DAFE-1EDD0DF3A625}"/>
           </ac:spMkLst>
         </pc:spChg>
-        <pc:picChg chg="add del mod">
-          <ac:chgData name="Mahesh Hegde" userId="54724ce3c2b2fa38" providerId="LiveId" clId="{75755021-87D9-43AF-A61B-A14C4AD89666}" dt="2025-01-19T12:58:47.265" v="450" actId="478"/>
-          <ac:picMkLst>
-            <pc:docMk/>
-            <pc:sldMk cId="1223802965" sldId="262"/>
-            <ac:picMk id="5" creationId="{0201DF76-562B-FB4C-DDD1-251FB48F6F8F}"/>
-          </ac:picMkLst>
-        </pc:picChg>
-        <pc:picChg chg="add mod">
-          <ac:chgData name="Mahesh Hegde" userId="54724ce3c2b2fa38" providerId="LiveId" clId="{75755021-87D9-43AF-A61B-A14C4AD89666}" dt="2025-01-19T13:00:30.503" v="578" actId="1076"/>
-          <ac:picMkLst>
-            <pc:docMk/>
-            <pc:sldMk cId="1223802965" sldId="262"/>
-            <ac:picMk id="8" creationId="{27989DA3-A200-4EF3-9F7B-27F238D4C7FD}"/>
-          </ac:picMkLst>
-        </pc:picChg>
       </pc:sldChg>
-      <pc:sldChg chg="addSp delSp modSp new mod">
-        <pc:chgData name="Mahesh Hegde" userId="54724ce3c2b2fa38" providerId="LiveId" clId="{75755021-87D9-43AF-A61B-A14C4AD89666}" dt="2025-01-19T17:31:53.321" v="865" actId="20577"/>
+      <pc:sldChg chg="addSp delSp modSp new mod ord">
+        <pc:chgData name="Mahesh Hegde" userId="54724ce3c2b2fa38" providerId="LiveId" clId="{75755021-87D9-43AF-A61B-A14C4AD89666}" dt="2025-01-21T16:02:09.324" v="2361"/>
         <pc:sldMkLst>
           <pc:docMk/>
           <pc:sldMk cId="1764777773" sldId="263"/>
         </pc:sldMkLst>
         <pc:spChg chg="mod">
-          <ac:chgData name="Mahesh Hegde" userId="54724ce3c2b2fa38" providerId="LiveId" clId="{75755021-87D9-43AF-A61B-A14C4AD89666}" dt="2025-01-19T17:31:53.321" v="865" actId="20577"/>
+          <ac:chgData name="Mahesh Hegde" userId="54724ce3c2b2fa38" providerId="LiveId" clId="{75755021-87D9-43AF-A61B-A14C4AD89666}" dt="2025-01-21T14:07:00.862" v="1479" actId="20577"/>
           <ac:spMkLst>
             <pc:docMk/>
             <pc:sldMk cId="1764777773" sldId="263"/>
             <ac:spMk id="2" creationId="{3A7AE295-2294-3D74-CCD7-3DA1D3DD8299}"/>
           </ac:spMkLst>
         </pc:spChg>
-        <pc:spChg chg="del">
-          <ac:chgData name="Mahesh Hegde" userId="54724ce3c2b2fa38" providerId="LiveId" clId="{75755021-87D9-43AF-A61B-A14C4AD89666}" dt="2025-01-19T14:51:49.217" v="581" actId="478"/>
-          <ac:spMkLst>
-            <pc:docMk/>
-            <pc:sldMk cId="1764777773" sldId="263"/>
-            <ac:spMk id="3" creationId="{1B9AD47B-9990-C687-41EB-5BCFCC41AAC0}"/>
-          </ac:spMkLst>
-        </pc:spChg>
-        <pc:spChg chg="add del mod">
-          <ac:chgData name="Mahesh Hegde" userId="54724ce3c2b2fa38" providerId="LiveId" clId="{75755021-87D9-43AF-A61B-A14C4AD89666}" dt="2025-01-19T15:07:46.731" v="679" actId="478"/>
-          <ac:spMkLst>
-            <pc:docMk/>
-            <pc:sldMk cId="1764777773" sldId="263"/>
-            <ac:spMk id="5" creationId="{685E0510-C28C-DF27-ED99-C404969FC73B}"/>
-          </ac:spMkLst>
-        </pc:spChg>
-        <pc:spChg chg="add del mod">
-          <ac:chgData name="Mahesh Hegde" userId="54724ce3c2b2fa38" providerId="LiveId" clId="{75755021-87D9-43AF-A61B-A14C4AD89666}" dt="2025-01-19T15:07:50.802" v="680" actId="478"/>
-          <ac:spMkLst>
-            <pc:docMk/>
-            <pc:sldMk cId="1764777773" sldId="263"/>
-            <ac:spMk id="7" creationId="{7E9BF9FE-4B64-D519-648B-10449009F600}"/>
-          </ac:spMkLst>
-        </pc:spChg>
         <pc:spChg chg="add mod">
-          <ac:chgData name="Mahesh Hegde" userId="54724ce3c2b2fa38" providerId="LiveId" clId="{75755021-87D9-43AF-A61B-A14C4AD89666}" dt="2025-01-19T15:09:24.546" v="845" actId="20577"/>
+          <ac:chgData name="Mahesh Hegde" userId="54724ce3c2b2fa38" providerId="LiveId" clId="{75755021-87D9-43AF-A61B-A14C4AD89666}" dt="2025-01-21T14:08:10.640" v="1548" actId="20577"/>
           <ac:spMkLst>
             <pc:docMk/>
             <pc:sldMk cId="1764777773" sldId="263"/>
             <ac:spMk id="8" creationId="{D782009A-E20A-308A-31EF-45E22CDCC6C7}"/>
           </ac:spMkLst>
         </pc:spChg>
-        <pc:picChg chg="add mod">
-          <ac:chgData name="Mahesh Hegde" userId="54724ce3c2b2fa38" providerId="LiveId" clId="{75755021-87D9-43AF-A61B-A14C4AD89666}" dt="2025-01-19T15:07:56.543" v="682" actId="1076"/>
+        <pc:picChg chg="del">
+          <ac:chgData name="Mahesh Hegde" userId="54724ce3c2b2fa38" providerId="LiveId" clId="{75755021-87D9-43AF-A61B-A14C4AD89666}" dt="2025-01-21T14:07:03.911" v="1480" actId="478"/>
           <ac:picMkLst>
             <pc:docMk/>
             <pc:sldMk cId="1764777773" sldId="263"/>
-            <ac:picMk id="10" creationId="{659D8776-9F25-F026-013E-6389115101D5}"/>
+            <ac:picMk id="4" creationId="{7C84F033-5B8B-CA9C-989E-D8A8A9B70269}"/>
+          </ac:picMkLst>
+        </pc:picChg>
+        <pc:picChg chg="add mod">
+          <ac:chgData name="Mahesh Hegde" userId="54724ce3c2b2fa38" providerId="LiveId" clId="{75755021-87D9-43AF-A61B-A14C4AD89666}" dt="2025-01-21T14:07:24.487" v="1486" actId="1076"/>
+          <ac:picMkLst>
+            <pc:docMk/>
+            <pc:sldMk cId="1764777773" sldId="263"/>
+            <ac:picMk id="5" creationId="{01C69309-8181-AF6E-0D0E-9CEE0528F1CD}"/>
           </ac:picMkLst>
         </pc:picChg>
       </pc:sldChg>
@@ -380,66 +305,737 @@
           <pc:docMk/>
           <pc:sldMk cId="2367179073" sldId="264"/>
         </pc:sldMkLst>
+      </pc:sldChg>
+      <pc:sldChg chg="modSp mod">
+        <pc:chgData name="Mahesh Hegde" userId="54724ce3c2b2fa38" providerId="LiveId" clId="{75755021-87D9-43AF-A61B-A14C4AD89666}" dt="2025-01-21T13:56:33.666" v="1130" actId="115"/>
+        <pc:sldMkLst>
+          <pc:docMk/>
+          <pc:sldMk cId="3817329821" sldId="265"/>
+        </pc:sldMkLst>
         <pc:spChg chg="mod">
-          <ac:chgData name="Mahesh Hegde" userId="54724ce3c2b2fa38" providerId="LiveId" clId="{75755021-87D9-43AF-A61B-A14C4AD89666}" dt="2025-01-19T17:34:45.069" v="930" actId="14100"/>
+          <ac:chgData name="Mahesh Hegde" userId="54724ce3c2b2fa38" providerId="LiveId" clId="{75755021-87D9-43AF-A61B-A14C4AD89666}" dt="2025-01-21T13:56:33.666" v="1130" actId="115"/>
           <ac:spMkLst>
             <pc:docMk/>
-            <pc:sldMk cId="2367179073" sldId="264"/>
-            <ac:spMk id="2" creationId="{E0CD6795-8C49-82B4-EA8A-3AB95BC4FFE7}"/>
+            <pc:sldMk cId="3817329821" sldId="265"/>
+            <ac:spMk id="2" creationId="{A8E56C90-CF9D-9C6F-9257-C0004D2B331F}"/>
+          </ac:spMkLst>
+        </pc:spChg>
+        <pc:spChg chg="mod">
+          <ac:chgData name="Mahesh Hegde" userId="54724ce3c2b2fa38" providerId="LiveId" clId="{75755021-87D9-43AF-A61B-A14C4AD89666}" dt="2025-01-21T13:56:19.511" v="1129" actId="20577"/>
+          <ac:spMkLst>
+            <pc:docMk/>
+            <pc:sldMk cId="3817329821" sldId="265"/>
+            <ac:spMk id="3" creationId="{553C4E2E-B75D-129D-5206-D76B0C16C675}"/>
+          </ac:spMkLst>
+        </pc:spChg>
+      </pc:sldChg>
+      <pc:sldChg chg="addSp delSp modSp mod">
+        <pc:chgData name="Mahesh Hegde" userId="54724ce3c2b2fa38" providerId="LiveId" clId="{75755021-87D9-43AF-A61B-A14C4AD89666}" dt="2025-01-21T13:57:13.593" v="1134" actId="1076"/>
+        <pc:sldMkLst>
+          <pc:docMk/>
+          <pc:sldMk cId="1129715808" sldId="266"/>
+        </pc:sldMkLst>
+        <pc:picChg chg="add mod">
+          <ac:chgData name="Mahesh Hegde" userId="54724ce3c2b2fa38" providerId="LiveId" clId="{75755021-87D9-43AF-A61B-A14C4AD89666}" dt="2025-01-21T13:57:13.593" v="1134" actId="1076"/>
+          <ac:picMkLst>
+            <pc:docMk/>
+            <pc:sldMk cId="1129715808" sldId="266"/>
+            <ac:picMk id="5" creationId="{F1E5030D-66D6-C473-E451-B16D97D2B9D8}"/>
+          </ac:picMkLst>
+        </pc:picChg>
+        <pc:picChg chg="del">
+          <ac:chgData name="Mahesh Hegde" userId="54724ce3c2b2fa38" providerId="LiveId" clId="{75755021-87D9-43AF-A61B-A14C4AD89666}" dt="2025-01-21T13:56:49.441" v="1131" actId="478"/>
+          <ac:picMkLst>
+            <pc:docMk/>
+            <pc:sldMk cId="1129715808" sldId="266"/>
+            <ac:picMk id="7" creationId="{DA1E214F-5178-F26D-7DD8-C5A62C014601}"/>
+          </ac:picMkLst>
+        </pc:picChg>
+      </pc:sldChg>
+      <pc:sldChg chg="modSp mod ord">
+        <pc:chgData name="Mahesh Hegde" userId="54724ce3c2b2fa38" providerId="LiveId" clId="{75755021-87D9-43AF-A61B-A14C4AD89666}" dt="2025-01-21T16:02:03.557" v="2359"/>
+        <pc:sldMkLst>
+          <pc:docMk/>
+          <pc:sldMk cId="356964329" sldId="267"/>
+        </pc:sldMkLst>
+        <pc:spChg chg="mod">
+          <ac:chgData name="Mahesh Hegde" userId="54724ce3c2b2fa38" providerId="LiveId" clId="{75755021-87D9-43AF-A61B-A14C4AD89666}" dt="2025-01-21T13:59:11.511" v="1173" actId="1076"/>
+          <ac:spMkLst>
+            <pc:docMk/>
+            <pc:sldMk cId="356964329" sldId="267"/>
+            <ac:spMk id="6" creationId="{DE47912C-917C-6BEE-8B35-5E30DBC44693}"/>
+          </ac:spMkLst>
+        </pc:spChg>
+        <pc:picChg chg="mod">
+          <ac:chgData name="Mahesh Hegde" userId="54724ce3c2b2fa38" providerId="LiveId" clId="{75755021-87D9-43AF-A61B-A14C4AD89666}" dt="2025-01-21T13:59:15.932" v="1174" actId="14100"/>
+          <ac:picMkLst>
+            <pc:docMk/>
+            <pc:sldMk cId="356964329" sldId="267"/>
+            <ac:picMk id="5" creationId="{C1EEB699-CAAB-828C-DA7B-AFD6FDC15EF8}"/>
+          </ac:picMkLst>
+        </pc:picChg>
+      </pc:sldChg>
+      <pc:sldChg chg="addSp delSp modSp mod ord">
+        <pc:chgData name="Mahesh Hegde" userId="54724ce3c2b2fa38" providerId="LiveId" clId="{75755021-87D9-43AF-A61B-A14C4AD89666}" dt="2025-01-21T16:02:23.868" v="2365"/>
+        <pc:sldMkLst>
+          <pc:docMk/>
+          <pc:sldMk cId="2288765635" sldId="268"/>
+        </pc:sldMkLst>
+        <pc:spChg chg="mod">
+          <ac:chgData name="Mahesh Hegde" userId="54724ce3c2b2fa38" providerId="LiveId" clId="{75755021-87D9-43AF-A61B-A14C4AD89666}" dt="2025-01-21T14:15:34.437" v="1556" actId="1076"/>
+          <ac:spMkLst>
+            <pc:docMk/>
+            <pc:sldMk cId="2288765635" sldId="268"/>
+            <ac:spMk id="2" creationId="{8D4BB05A-276B-A4D9-E9CB-7207017F00D8}"/>
+          </ac:spMkLst>
+        </pc:spChg>
+        <pc:spChg chg="mod">
+          <ac:chgData name="Mahesh Hegde" userId="54724ce3c2b2fa38" providerId="LiveId" clId="{75755021-87D9-43AF-A61B-A14C4AD89666}" dt="2025-01-21T14:17:08.271" v="1624" actId="20577"/>
+          <ac:spMkLst>
+            <pc:docMk/>
+            <pc:sldMk cId="2288765635" sldId="268"/>
+            <ac:spMk id="6" creationId="{54762725-2590-403B-7646-1AAB8628D64C}"/>
+          </ac:spMkLst>
+        </pc:spChg>
+        <pc:picChg chg="del">
+          <ac:chgData name="Mahesh Hegde" userId="54724ce3c2b2fa38" providerId="LiveId" clId="{75755021-87D9-43AF-A61B-A14C4AD89666}" dt="2025-01-21T14:15:02.178" v="1549" actId="478"/>
+          <ac:picMkLst>
+            <pc:docMk/>
+            <pc:sldMk cId="2288765635" sldId="268"/>
+            <ac:picMk id="4" creationId="{A91B82B9-B403-A2DF-212D-241A6762AC0C}"/>
+          </ac:picMkLst>
+        </pc:picChg>
+        <pc:picChg chg="add mod">
+          <ac:chgData name="Mahesh Hegde" userId="54724ce3c2b2fa38" providerId="LiveId" clId="{75755021-87D9-43AF-A61B-A14C4AD89666}" dt="2025-01-21T14:16:00.740" v="1561" actId="1076"/>
+          <ac:picMkLst>
+            <pc:docMk/>
+            <pc:sldMk cId="2288765635" sldId="268"/>
+            <ac:picMk id="5" creationId="{D6BE2773-F288-8152-3401-2F706C6E498E}"/>
+          </ac:picMkLst>
+        </pc:picChg>
+        <pc:picChg chg="add mod">
+          <ac:chgData name="Mahesh Hegde" userId="54724ce3c2b2fa38" providerId="LiveId" clId="{75755021-87D9-43AF-A61B-A14C4AD89666}" dt="2025-01-21T14:15:53.229" v="1559" actId="1076"/>
+          <ac:picMkLst>
+            <pc:docMk/>
+            <pc:sldMk cId="2288765635" sldId="268"/>
+            <ac:picMk id="8" creationId="{C873CFB4-2F9E-9D9B-FBD0-919A391BFC4D}"/>
+          </ac:picMkLst>
+        </pc:picChg>
+      </pc:sldChg>
+      <pc:sldChg chg="modSp mod">
+        <pc:chgData name="Mahesh Hegde" userId="54724ce3c2b2fa38" providerId="LiveId" clId="{75755021-87D9-43AF-A61B-A14C4AD89666}" dt="2025-01-21T15:22:05.400" v="2179" actId="207"/>
+        <pc:sldMkLst>
+          <pc:docMk/>
+          <pc:sldMk cId="3164178106" sldId="269"/>
+        </pc:sldMkLst>
+        <pc:spChg chg="mod">
+          <ac:chgData name="Mahesh Hegde" userId="54724ce3c2b2fa38" providerId="LiveId" clId="{75755021-87D9-43AF-A61B-A14C4AD89666}" dt="2025-01-21T15:22:05.400" v="2179" actId="207"/>
+          <ac:spMkLst>
+            <pc:docMk/>
+            <pc:sldMk cId="3164178106" sldId="269"/>
+            <ac:spMk id="2" creationId="{18184E24-1796-F4DC-25C8-DFB0B5B2C2B4}"/>
+          </ac:spMkLst>
+        </pc:spChg>
+        <pc:spChg chg="mod">
+          <ac:chgData name="Mahesh Hegde" userId="54724ce3c2b2fa38" providerId="LiveId" clId="{75755021-87D9-43AF-A61B-A14C4AD89666}" dt="2025-01-21T14:02:05.695" v="1466" actId="1076"/>
+          <ac:spMkLst>
+            <pc:docMk/>
+            <pc:sldMk cId="3164178106" sldId="269"/>
+            <ac:spMk id="6" creationId="{7576FFFD-33A6-5413-35BD-232A0BBFDC79}"/>
+          </ac:spMkLst>
+        </pc:spChg>
+      </pc:sldChg>
+      <pc:sldChg chg="modSp mod ord">
+        <pc:chgData name="Mahesh Hegde" userId="54724ce3c2b2fa38" providerId="LiveId" clId="{75755021-87D9-43AF-A61B-A14C4AD89666}" dt="2025-01-21T16:02:43.561" v="2367"/>
+        <pc:sldMkLst>
+          <pc:docMk/>
+          <pc:sldMk cId="12585206" sldId="270"/>
+        </pc:sldMkLst>
+        <pc:spChg chg="mod">
+          <ac:chgData name="Mahesh Hegde" userId="54724ce3c2b2fa38" providerId="LiveId" clId="{75755021-87D9-43AF-A61B-A14C4AD89666}" dt="2025-01-21T15:35:34.416" v="2204" actId="1076"/>
+          <ac:spMkLst>
+            <pc:docMk/>
+            <pc:sldMk cId="12585206" sldId="270"/>
+            <ac:spMk id="3" creationId="{8E21B2B1-1001-2C8E-3616-3D05235D9403}"/>
+          </ac:spMkLst>
+        </pc:spChg>
+      </pc:sldChg>
+      <pc:sldChg chg="addSp modSp mod">
+        <pc:chgData name="Mahesh Hegde" userId="54724ce3c2b2fa38" providerId="LiveId" clId="{75755021-87D9-43AF-A61B-A14C4AD89666}" dt="2025-01-21T16:01:01.142" v="2309" actId="403"/>
+        <pc:sldMkLst>
+          <pc:docMk/>
+          <pc:sldMk cId="498153609" sldId="271"/>
+        </pc:sldMkLst>
+        <pc:spChg chg="add mod">
+          <ac:chgData name="Mahesh Hegde" userId="54724ce3c2b2fa38" providerId="LiveId" clId="{75755021-87D9-43AF-A61B-A14C4AD89666}" dt="2025-01-21T16:01:01.142" v="2309" actId="403"/>
+          <ac:spMkLst>
+            <pc:docMk/>
+            <pc:sldMk cId="498153609" sldId="271"/>
+            <ac:spMk id="3" creationId="{0D9961EF-B958-EC5B-FFC5-2880800E23B2}"/>
+          </ac:spMkLst>
+        </pc:spChg>
+      </pc:sldChg>
+      <pc:sldChg chg="addSp modSp mod">
+        <pc:chgData name="Mahesh Hegde" userId="54724ce3c2b2fa38" providerId="LiveId" clId="{75755021-87D9-43AF-A61B-A14C4AD89666}" dt="2025-01-21T16:01:44.696" v="2357" actId="20577"/>
+        <pc:sldMkLst>
+          <pc:docMk/>
+          <pc:sldMk cId="155637901" sldId="272"/>
+        </pc:sldMkLst>
+        <pc:spChg chg="add mod">
+          <ac:chgData name="Mahesh Hegde" userId="54724ce3c2b2fa38" providerId="LiveId" clId="{75755021-87D9-43AF-A61B-A14C4AD89666}" dt="2025-01-21T16:01:44.696" v="2357" actId="20577"/>
+          <ac:spMkLst>
+            <pc:docMk/>
+            <pc:sldMk cId="155637901" sldId="272"/>
+            <ac:spMk id="3" creationId="{70D917B2-BBDA-E0A5-7DC3-D15A68DCFCE4}"/>
+          </ac:spMkLst>
+        </pc:spChg>
+      </pc:sldChg>
+      <pc:sldChg chg="addSp delSp modSp new mod ord">
+        <pc:chgData name="Mahesh Hegde" userId="54724ce3c2b2fa38" providerId="LiveId" clId="{75755021-87D9-43AF-A61B-A14C4AD89666}" dt="2025-01-21T16:02:14.924" v="2363"/>
+        <pc:sldMkLst>
+          <pc:docMk/>
+          <pc:sldMk cId="2875152976" sldId="273"/>
+        </pc:sldMkLst>
+        <pc:spChg chg="mod">
+          <ac:chgData name="Mahesh Hegde" userId="54724ce3c2b2fa38" providerId="LiveId" clId="{75755021-87D9-43AF-A61B-A14C4AD89666}" dt="2025-01-21T14:31:39.797" v="1655" actId="20577"/>
+          <ac:spMkLst>
+            <pc:docMk/>
+            <pc:sldMk cId="2875152976" sldId="273"/>
+            <ac:spMk id="2" creationId="{4A9E4923-240F-9450-BFA1-E70D00170386}"/>
           </ac:spMkLst>
         </pc:spChg>
         <pc:spChg chg="del">
-          <ac:chgData name="Mahesh Hegde" userId="54724ce3c2b2fa38" providerId="LiveId" clId="{75755021-87D9-43AF-A61B-A14C4AD89666}" dt="2025-01-19T17:30:51.240" v="859" actId="478"/>
+          <ac:chgData name="Mahesh Hegde" userId="54724ce3c2b2fa38" providerId="LiveId" clId="{75755021-87D9-43AF-A61B-A14C4AD89666}" dt="2025-01-21T14:26:40.420" v="1627" actId="478"/>
           <ac:spMkLst>
             <pc:docMk/>
-            <pc:sldMk cId="2367179073" sldId="264"/>
-            <ac:spMk id="3" creationId="{ACAB0DA1-B939-E113-02BF-ADADBCA02CD0}"/>
-          </ac:spMkLst>
-        </pc:spChg>
-        <pc:spChg chg="add del mod">
-          <ac:chgData name="Mahesh Hegde" userId="54724ce3c2b2fa38" providerId="LiveId" clId="{75755021-87D9-43AF-A61B-A14C4AD89666}" dt="2025-01-19T17:31:00.391" v="862" actId="478"/>
-          <ac:spMkLst>
-            <pc:docMk/>
-            <pc:sldMk cId="2367179073" sldId="264"/>
-            <ac:spMk id="5" creationId="{540B4535-0A52-00DD-D046-E73BD9FEF2E8}"/>
-          </ac:spMkLst>
-        </pc:spChg>
-        <pc:spChg chg="add del">
-          <ac:chgData name="Mahesh Hegde" userId="54724ce3c2b2fa38" providerId="LiveId" clId="{75755021-87D9-43AF-A61B-A14C4AD89666}" dt="2025-01-19T17:32:34.713" v="867" actId="478"/>
-          <ac:spMkLst>
-            <pc:docMk/>
-            <pc:sldMk cId="2367179073" sldId="264"/>
-            <ac:spMk id="9" creationId="{510FDC25-D6EC-2196-1414-372EBA4FDAF4}"/>
+            <pc:sldMk cId="2875152976" sldId="273"/>
+            <ac:spMk id="3" creationId="{268EFFAF-F94F-3541-F98E-F9500260D4AD}"/>
           </ac:spMkLst>
         </pc:spChg>
         <pc:spChg chg="add mod">
-          <ac:chgData name="Mahesh Hegde" userId="54724ce3c2b2fa38" providerId="LiveId" clId="{75755021-87D9-43AF-A61B-A14C4AD89666}" dt="2025-01-19T17:34:19.053" v="880" actId="207"/>
+          <ac:chgData name="Mahesh Hegde" userId="54724ce3c2b2fa38" providerId="LiveId" clId="{75755021-87D9-43AF-A61B-A14C4AD89666}" dt="2025-01-21T14:33:07.269" v="1805" actId="20577"/>
           <ac:spMkLst>
             <pc:docMk/>
-            <pc:sldMk cId="2367179073" sldId="264"/>
-            <ac:spMk id="11" creationId="{37B7E9D9-AF7F-E054-2B47-DABA5CFA74B1}"/>
+            <pc:sldMk cId="2875152976" sldId="273"/>
+            <ac:spMk id="6" creationId="{416F217E-B59A-EA69-E3EF-0D2C7F3051E6}"/>
+          </ac:spMkLst>
+        </pc:spChg>
+        <pc:picChg chg="add mod">
+          <ac:chgData name="Mahesh Hegde" userId="54724ce3c2b2fa38" providerId="LiveId" clId="{75755021-87D9-43AF-A61B-A14C4AD89666}" dt="2025-01-21T14:26:45.695" v="1629" actId="1076"/>
+          <ac:picMkLst>
+            <pc:docMk/>
+            <pc:sldMk cId="2875152976" sldId="273"/>
+            <ac:picMk id="5" creationId="{7A8726A9-9700-89C7-46AA-41D1B657EAC4}"/>
+          </ac:picMkLst>
+        </pc:picChg>
+      </pc:sldChg>
+      <pc:sldChg chg="addSp delSp modSp new mod">
+        <pc:chgData name="Mahesh Hegde" userId="54724ce3c2b2fa38" providerId="LiveId" clId="{75755021-87D9-43AF-A61B-A14C4AD89666}" dt="2025-01-21T15:18:31.765" v="2102" actId="1076"/>
+        <pc:sldMkLst>
+          <pc:docMk/>
+          <pc:sldMk cId="1430138023" sldId="274"/>
+        </pc:sldMkLst>
+        <pc:spChg chg="mod">
+          <ac:chgData name="Mahesh Hegde" userId="54724ce3c2b2fa38" providerId="LiveId" clId="{75755021-87D9-43AF-A61B-A14C4AD89666}" dt="2025-01-21T15:16:11.983" v="2081" actId="20577"/>
+          <ac:spMkLst>
+            <pc:docMk/>
+            <pc:sldMk cId="1430138023" sldId="274"/>
+            <ac:spMk id="2" creationId="{1998093F-687D-CB58-963D-83CA5A595E17}"/>
+          </ac:spMkLst>
+        </pc:spChg>
+        <pc:spChg chg="del">
+          <ac:chgData name="Mahesh Hegde" userId="54724ce3c2b2fa38" providerId="LiveId" clId="{75755021-87D9-43AF-A61B-A14C4AD89666}" dt="2025-01-21T15:16:16.232" v="2082" actId="22"/>
+          <ac:spMkLst>
+            <pc:docMk/>
+            <pc:sldMk cId="1430138023" sldId="274"/>
+            <ac:spMk id="3" creationId="{5C3B8CD0-D2DB-E122-92AA-CE2F7DBA5CA6}"/>
           </ac:spMkLst>
         </pc:spChg>
         <pc:spChg chg="add mod">
-          <ac:chgData name="Mahesh Hegde" userId="54724ce3c2b2fa38" providerId="LiveId" clId="{75755021-87D9-43AF-A61B-A14C4AD89666}" dt="2025-01-19T17:36:51.923" v="1072" actId="1076"/>
+          <ac:chgData name="Mahesh Hegde" userId="54724ce3c2b2fa38" providerId="LiveId" clId="{75755021-87D9-43AF-A61B-A14C4AD89666}" dt="2025-01-21T15:18:31.765" v="2102" actId="1076"/>
           <ac:spMkLst>
             <pc:docMk/>
-            <pc:sldMk cId="2367179073" sldId="264"/>
-            <ac:spMk id="12" creationId="{922D95E7-D622-A059-6FBA-06E8FD15236A}"/>
+            <pc:sldMk cId="1430138023" sldId="274"/>
+            <ac:spMk id="7" creationId="{D383F490-5A4F-ACBB-E36F-665D415064AC}"/>
           </ac:spMkLst>
         </pc:spChg>
-        <pc:picChg chg="add mod">
-          <ac:chgData name="Mahesh Hegde" userId="54724ce3c2b2fa38" providerId="LiveId" clId="{75755021-87D9-43AF-A61B-A14C4AD89666}" dt="2025-01-19T17:31:15.630" v="864" actId="1076"/>
+        <pc:picChg chg="add mod ord">
+          <ac:chgData name="Mahesh Hegde" userId="54724ce3c2b2fa38" providerId="LiveId" clId="{75755021-87D9-43AF-A61B-A14C4AD89666}" dt="2025-01-21T15:16:25.420" v="2085" actId="1076"/>
           <ac:picMkLst>
             <pc:docMk/>
-            <pc:sldMk cId="2367179073" sldId="264"/>
-            <ac:picMk id="7" creationId="{7FBD505B-ADB1-D760-E2EA-645D20481490}"/>
+            <pc:sldMk cId="1430138023" sldId="274"/>
+            <ac:picMk id="5" creationId="{2AE1C891-9171-1EBF-3CB6-361485DFB71D}"/>
           </ac:picMkLst>
         </pc:picChg>
+      </pc:sldChg>
+      <pc:sldChg chg="addSp delSp modSp new mod modClrScheme chgLayout">
+        <pc:chgData name="Mahesh Hegde" userId="54724ce3c2b2fa38" providerId="LiveId" clId="{75755021-87D9-43AF-A61B-A14C4AD89666}" dt="2025-01-21T16:04:16.840" v="2391" actId="122"/>
+        <pc:sldMkLst>
+          <pc:docMk/>
+          <pc:sldMk cId="3073802502" sldId="275"/>
+        </pc:sldMkLst>
+        <pc:spChg chg="del mod ord">
+          <ac:chgData name="Mahesh Hegde" userId="54724ce3c2b2fa38" providerId="LiveId" clId="{75755021-87D9-43AF-A61B-A14C4AD89666}" dt="2025-01-21T16:03:22.558" v="2369" actId="700"/>
+          <ac:spMkLst>
+            <pc:docMk/>
+            <pc:sldMk cId="3073802502" sldId="275"/>
+            <ac:spMk id="2" creationId="{F048B433-D0E3-B707-3518-71453E9C2B9A}"/>
+          </ac:spMkLst>
+        </pc:spChg>
+        <pc:spChg chg="del">
+          <ac:chgData name="Mahesh Hegde" userId="54724ce3c2b2fa38" providerId="LiveId" clId="{75755021-87D9-43AF-A61B-A14C4AD89666}" dt="2025-01-21T16:03:22.558" v="2369" actId="700"/>
+          <ac:spMkLst>
+            <pc:docMk/>
+            <pc:sldMk cId="3073802502" sldId="275"/>
+            <ac:spMk id="3" creationId="{BB2DFF2E-7422-6E33-FEE1-F9FD8EB2572E}"/>
+          </ac:spMkLst>
+        </pc:spChg>
+        <pc:spChg chg="add mod ord">
+          <ac:chgData name="Mahesh Hegde" userId="54724ce3c2b2fa38" providerId="LiveId" clId="{75755021-87D9-43AF-A61B-A14C4AD89666}" dt="2025-01-21T16:04:16.840" v="2391" actId="122"/>
+          <ac:spMkLst>
+            <pc:docMk/>
+            <pc:sldMk cId="3073802502" sldId="275"/>
+            <ac:spMk id="4" creationId="{14C4DB11-CE94-805C-85FB-1BA235D6B38A}"/>
+          </ac:spMkLst>
+        </pc:spChg>
       </pc:sldChg>
     </pc:docChg>
   </pc:docChgLst>
 </pc:chgInfo>
+</file>
+
+<file path=ppt/notesMasters/notesMaster1.xml><?xml version="1.0" encoding="utf-8"?>
+<p:notesMaster xmlns:a="http://schemas.openxmlformats.org/drawingml/2006/main" xmlns:r="http://schemas.openxmlformats.org/officeDocument/2006/relationships" xmlns:p="http://schemas.openxmlformats.org/presentationml/2006/main">
+  <p:cSld>
+    <p:bg>
+      <p:bgRef idx="1001">
+        <a:schemeClr val="bg1"/>
+      </p:bgRef>
+    </p:bg>
+    <p:spTree>
+      <p:nvGrpSpPr>
+        <p:cNvPr id="1" name=""/>
+        <p:cNvGrpSpPr/>
+        <p:nvPr/>
+      </p:nvGrpSpPr>
+      <p:grpSpPr>
+        <a:xfrm>
+          <a:off x="0" y="0"/>
+          <a:ext cx="0" cy="0"/>
+          <a:chOff x="0" y="0"/>
+          <a:chExt cx="0" cy="0"/>
+        </a:xfrm>
+      </p:grpSpPr>
+      <p:sp>
+        <p:nvSpPr>
+          <p:cNvPr id="2" name="Header Placeholder 1"/>
+          <p:cNvSpPr>
+            <a:spLocks noGrp="1"/>
+          </p:cNvSpPr>
+          <p:nvPr>
+            <p:ph type="hdr" sz="quarter"/>
+          </p:nvPr>
+        </p:nvSpPr>
+        <p:spPr>
+          <a:xfrm>
+            <a:off x="0" y="0"/>
+            <a:ext cx="2971800" cy="458788"/>
+          </a:xfrm>
+          <a:prstGeom prst="rect">
+            <a:avLst/>
+          </a:prstGeom>
+        </p:spPr>
+        <p:txBody>
+          <a:bodyPr vert="horz" lIns="91440" tIns="45720" rIns="91440" bIns="45720" rtlCol="0"/>
+          <a:lstStyle>
+            <a:lvl1pPr algn="l">
+              <a:defRPr sz="1200"/>
+            </a:lvl1pPr>
+          </a:lstStyle>
+          <a:p>
+            <a:endParaRPr lang="en-IN"/>
+          </a:p>
+        </p:txBody>
+      </p:sp>
+      <p:sp>
+        <p:nvSpPr>
+          <p:cNvPr id="3" name="Date Placeholder 2"/>
+          <p:cNvSpPr>
+            <a:spLocks noGrp="1"/>
+          </p:cNvSpPr>
+          <p:nvPr>
+            <p:ph type="dt" idx="1"/>
+          </p:nvPr>
+        </p:nvSpPr>
+        <p:spPr>
+          <a:xfrm>
+            <a:off x="3884613" y="0"/>
+            <a:ext cx="2971800" cy="458788"/>
+          </a:xfrm>
+          <a:prstGeom prst="rect">
+            <a:avLst/>
+          </a:prstGeom>
+        </p:spPr>
+        <p:txBody>
+          <a:bodyPr vert="horz" lIns="91440" tIns="45720" rIns="91440" bIns="45720" rtlCol="0"/>
+          <a:lstStyle>
+            <a:lvl1pPr algn="r">
+              <a:defRPr sz="1200"/>
+            </a:lvl1pPr>
+          </a:lstStyle>
+          <a:p>
+            <a:fld id="{F8421574-94DC-4B45-B821-9435583F54B6}" type="datetimeFigureOut">
+              <a:rPr lang="en-IN" smtClean="0"/>
+              <a:t>21-01-2025</a:t>
+            </a:fld>
+            <a:endParaRPr lang="en-IN"/>
+          </a:p>
+        </p:txBody>
+      </p:sp>
+      <p:sp>
+        <p:nvSpPr>
+          <p:cNvPr id="4" name="Slide Image Placeholder 3"/>
+          <p:cNvSpPr>
+            <a:spLocks noGrp="1" noRot="1" noChangeAspect="1"/>
+          </p:cNvSpPr>
+          <p:nvPr>
+            <p:ph type="sldImg" idx="2"/>
+          </p:nvPr>
+        </p:nvSpPr>
+        <p:spPr>
+          <a:xfrm>
+            <a:off x="685800" y="1143000"/>
+            <a:ext cx="5486400" cy="3086100"/>
+          </a:xfrm>
+          <a:prstGeom prst="rect">
+            <a:avLst/>
+          </a:prstGeom>
+          <a:noFill/>
+          <a:ln w="12700">
+            <a:solidFill>
+              <a:prstClr val="black"/>
+            </a:solidFill>
+          </a:ln>
+        </p:spPr>
+        <p:txBody>
+          <a:bodyPr vert="horz" lIns="91440" tIns="45720" rIns="91440" bIns="45720" rtlCol="0" anchor="ctr"/>
+          <a:lstStyle/>
+          <a:p>
+            <a:endParaRPr lang="en-IN"/>
+          </a:p>
+        </p:txBody>
+      </p:sp>
+      <p:sp>
+        <p:nvSpPr>
+          <p:cNvPr id="5" name="Notes Placeholder 4"/>
+          <p:cNvSpPr>
+            <a:spLocks noGrp="1"/>
+          </p:cNvSpPr>
+          <p:nvPr>
+            <p:ph type="body" sz="quarter" idx="3"/>
+          </p:nvPr>
+        </p:nvSpPr>
+        <p:spPr>
+          <a:xfrm>
+            <a:off x="685800" y="4400550"/>
+            <a:ext cx="5486400" cy="3600450"/>
+          </a:xfrm>
+          <a:prstGeom prst="rect">
+            <a:avLst/>
+          </a:prstGeom>
+        </p:spPr>
+        <p:txBody>
+          <a:bodyPr vert="horz" lIns="91440" tIns="45720" rIns="91440" bIns="45720" rtlCol="0"/>
+          <a:lstStyle/>
+          <a:p>
+            <a:pPr lvl="0"/>
+            <a:r>
+              <a:rPr lang="en-US"/>
+              <a:t>Click to edit Master text styles</a:t>
+            </a:r>
+          </a:p>
+          <a:p>
+            <a:pPr lvl="1"/>
+            <a:r>
+              <a:rPr lang="en-US"/>
+              <a:t>Second level</a:t>
+            </a:r>
+          </a:p>
+          <a:p>
+            <a:pPr lvl="2"/>
+            <a:r>
+              <a:rPr lang="en-US"/>
+              <a:t>Third level</a:t>
+            </a:r>
+          </a:p>
+          <a:p>
+            <a:pPr lvl="3"/>
+            <a:r>
+              <a:rPr lang="en-US"/>
+              <a:t>Fourth level</a:t>
+            </a:r>
+          </a:p>
+          <a:p>
+            <a:pPr lvl="4"/>
+            <a:r>
+              <a:rPr lang="en-US"/>
+              <a:t>Fifth level</a:t>
+            </a:r>
+            <a:endParaRPr lang="en-IN"/>
+          </a:p>
+        </p:txBody>
+      </p:sp>
+      <p:sp>
+        <p:nvSpPr>
+          <p:cNvPr id="6" name="Footer Placeholder 5"/>
+          <p:cNvSpPr>
+            <a:spLocks noGrp="1"/>
+          </p:cNvSpPr>
+          <p:nvPr>
+            <p:ph type="ftr" sz="quarter" idx="4"/>
+          </p:nvPr>
+        </p:nvSpPr>
+        <p:spPr>
+          <a:xfrm>
+            <a:off x="0" y="8685213"/>
+            <a:ext cx="2971800" cy="458787"/>
+          </a:xfrm>
+          <a:prstGeom prst="rect">
+            <a:avLst/>
+          </a:prstGeom>
+        </p:spPr>
+        <p:txBody>
+          <a:bodyPr vert="horz" lIns="91440" tIns="45720" rIns="91440" bIns="45720" rtlCol="0" anchor="b"/>
+          <a:lstStyle>
+            <a:lvl1pPr algn="l">
+              <a:defRPr sz="1200"/>
+            </a:lvl1pPr>
+          </a:lstStyle>
+          <a:p>
+            <a:endParaRPr lang="en-IN"/>
+          </a:p>
+        </p:txBody>
+      </p:sp>
+      <p:sp>
+        <p:nvSpPr>
+          <p:cNvPr id="7" name="Slide Number Placeholder 6"/>
+          <p:cNvSpPr>
+            <a:spLocks noGrp="1"/>
+          </p:cNvSpPr>
+          <p:nvPr>
+            <p:ph type="sldNum" sz="quarter" idx="5"/>
+          </p:nvPr>
+        </p:nvSpPr>
+        <p:spPr>
+          <a:xfrm>
+            <a:off x="3884613" y="8685213"/>
+            <a:ext cx="2971800" cy="458787"/>
+          </a:xfrm>
+          <a:prstGeom prst="rect">
+            <a:avLst/>
+          </a:prstGeom>
+        </p:spPr>
+        <p:txBody>
+          <a:bodyPr vert="horz" lIns="91440" tIns="45720" rIns="91440" bIns="45720" rtlCol="0" anchor="b"/>
+          <a:lstStyle>
+            <a:lvl1pPr algn="r">
+              <a:defRPr sz="1200"/>
+            </a:lvl1pPr>
+          </a:lstStyle>
+          <a:p>
+            <a:fld id="{0C1CA5F8-5702-4C68-B046-5D648EE2B240}" type="slidenum">
+              <a:rPr lang="en-IN" smtClean="0"/>
+              <a:t>‹#›</a:t>
+            </a:fld>
+            <a:endParaRPr lang="en-IN"/>
+          </a:p>
+        </p:txBody>
+      </p:sp>
+    </p:spTree>
+    <p:extLst>
+      <p:ext uri="{BB962C8B-B14F-4D97-AF65-F5344CB8AC3E}">
+        <p14:creationId xmlns:p14="http://schemas.microsoft.com/office/powerpoint/2010/main" val="830052910"/>
+      </p:ext>
+    </p:extLst>
+  </p:cSld>
+  <p:clrMap bg1="lt1" tx1="dk1" bg2="lt2" tx2="dk2" accent1="accent1" accent2="accent2" accent3="accent3" accent4="accent4" accent5="accent5" accent6="accent6" hlink="hlink" folHlink="folHlink"/>
+  <p:notesStyle>
+    <a:lvl1pPr marL="0" algn="l" defTabSz="914400" rtl="0" eaLnBrk="1" latinLnBrk="0" hangingPunct="1">
+      <a:defRPr sz="1200" kern="1200">
+        <a:solidFill>
+          <a:schemeClr val="tx1"/>
+        </a:solidFill>
+        <a:latin typeface="+mn-lt"/>
+        <a:ea typeface="+mn-ea"/>
+        <a:cs typeface="+mn-cs"/>
+      </a:defRPr>
+    </a:lvl1pPr>
+    <a:lvl2pPr marL="457200" algn="l" defTabSz="914400" rtl="0" eaLnBrk="1" latinLnBrk="0" hangingPunct="1">
+      <a:defRPr sz="1200" kern="1200">
+        <a:solidFill>
+          <a:schemeClr val="tx1"/>
+        </a:solidFill>
+        <a:latin typeface="+mn-lt"/>
+        <a:ea typeface="+mn-ea"/>
+        <a:cs typeface="+mn-cs"/>
+      </a:defRPr>
+    </a:lvl2pPr>
+    <a:lvl3pPr marL="914400" algn="l" defTabSz="914400" rtl="0" eaLnBrk="1" latinLnBrk="0" hangingPunct="1">
+      <a:defRPr sz="1200" kern="1200">
+        <a:solidFill>
+          <a:schemeClr val="tx1"/>
+        </a:solidFill>
+        <a:latin typeface="+mn-lt"/>
+        <a:ea typeface="+mn-ea"/>
+        <a:cs typeface="+mn-cs"/>
+      </a:defRPr>
+    </a:lvl3pPr>
+    <a:lvl4pPr marL="1371600" algn="l" defTabSz="914400" rtl="0" eaLnBrk="1" latinLnBrk="0" hangingPunct="1">
+      <a:defRPr sz="1200" kern="1200">
+        <a:solidFill>
+          <a:schemeClr val="tx1"/>
+        </a:solidFill>
+        <a:latin typeface="+mn-lt"/>
+        <a:ea typeface="+mn-ea"/>
+        <a:cs typeface="+mn-cs"/>
+      </a:defRPr>
+    </a:lvl4pPr>
+    <a:lvl5pPr marL="1828800" algn="l" defTabSz="914400" rtl="0" eaLnBrk="1" latinLnBrk="0" hangingPunct="1">
+      <a:defRPr sz="1200" kern="1200">
+        <a:solidFill>
+          <a:schemeClr val="tx1"/>
+        </a:solidFill>
+        <a:latin typeface="+mn-lt"/>
+        <a:ea typeface="+mn-ea"/>
+        <a:cs typeface="+mn-cs"/>
+      </a:defRPr>
+    </a:lvl5pPr>
+    <a:lvl6pPr marL="2286000" algn="l" defTabSz="914400" rtl="0" eaLnBrk="1" latinLnBrk="0" hangingPunct="1">
+      <a:defRPr sz="1200" kern="1200">
+        <a:solidFill>
+          <a:schemeClr val="tx1"/>
+        </a:solidFill>
+        <a:latin typeface="+mn-lt"/>
+        <a:ea typeface="+mn-ea"/>
+        <a:cs typeface="+mn-cs"/>
+      </a:defRPr>
+    </a:lvl6pPr>
+    <a:lvl7pPr marL="2743200" algn="l" defTabSz="914400" rtl="0" eaLnBrk="1" latinLnBrk="0" hangingPunct="1">
+      <a:defRPr sz="1200" kern="1200">
+        <a:solidFill>
+          <a:schemeClr val="tx1"/>
+        </a:solidFill>
+        <a:latin typeface="+mn-lt"/>
+        <a:ea typeface="+mn-ea"/>
+        <a:cs typeface="+mn-cs"/>
+      </a:defRPr>
+    </a:lvl7pPr>
+    <a:lvl8pPr marL="3200400" algn="l" defTabSz="914400" rtl="0" eaLnBrk="1" latinLnBrk="0" hangingPunct="1">
+      <a:defRPr sz="1200" kern="1200">
+        <a:solidFill>
+          <a:schemeClr val="tx1"/>
+        </a:solidFill>
+        <a:latin typeface="+mn-lt"/>
+        <a:ea typeface="+mn-ea"/>
+        <a:cs typeface="+mn-cs"/>
+      </a:defRPr>
+    </a:lvl8pPr>
+    <a:lvl9pPr marL="3657600" algn="l" defTabSz="914400" rtl="0" eaLnBrk="1" latinLnBrk="0" hangingPunct="1">
+      <a:defRPr sz="1200" kern="1200">
+        <a:solidFill>
+          <a:schemeClr val="tx1"/>
+        </a:solidFill>
+        <a:latin typeface="+mn-lt"/>
+        <a:ea typeface="+mn-ea"/>
+        <a:cs typeface="+mn-cs"/>
+      </a:defRPr>
+    </a:lvl9pPr>
+  </p:notesStyle>
+</p:notesMaster>
+</file>
+
+<file path=ppt/notesSlides/notesSlide1.xml><?xml version="1.0" encoding="utf-8"?>
+<p:notes xmlns:a="http://schemas.openxmlformats.org/drawingml/2006/main" xmlns:r="http://schemas.openxmlformats.org/officeDocument/2006/relationships" xmlns:p="http://schemas.openxmlformats.org/presentationml/2006/main">
+  <p:cSld>
+    <p:spTree>
+      <p:nvGrpSpPr>
+        <p:cNvPr id="1" name=""/>
+        <p:cNvGrpSpPr/>
+        <p:nvPr/>
+      </p:nvGrpSpPr>
+      <p:grpSpPr>
+        <a:xfrm>
+          <a:off x="0" y="0"/>
+          <a:ext cx="0" cy="0"/>
+          <a:chOff x="0" y="0"/>
+          <a:chExt cx="0" cy="0"/>
+        </a:xfrm>
+      </p:grpSpPr>
+      <p:sp>
+        <p:nvSpPr>
+          <p:cNvPr id="2" name="Slide Image Placeholder 1"/>
+          <p:cNvSpPr>
+            <a:spLocks noGrp="1" noRot="1" noChangeAspect="1"/>
+          </p:cNvSpPr>
+          <p:nvPr>
+            <p:ph type="sldImg"/>
+          </p:nvPr>
+        </p:nvSpPr>
+        <p:spPr/>
+      </p:sp>
+      <p:sp>
+        <p:nvSpPr>
+          <p:cNvPr id="3" name="Notes Placeholder 2"/>
+          <p:cNvSpPr>
+            <a:spLocks noGrp="1"/>
+          </p:cNvSpPr>
+          <p:nvPr>
+            <p:ph type="body" idx="1"/>
+          </p:nvPr>
+        </p:nvSpPr>
+        <p:spPr/>
+        <p:txBody>
+          <a:bodyPr/>
+          <a:lstStyle/>
+          <a:p>
+            <a:endParaRPr lang="en-IN" dirty="0"/>
+          </a:p>
+        </p:txBody>
+      </p:sp>
+      <p:sp>
+        <p:nvSpPr>
+          <p:cNvPr id="4" name="Slide Number Placeholder 3"/>
+          <p:cNvSpPr>
+            <a:spLocks noGrp="1"/>
+          </p:cNvSpPr>
+          <p:nvPr>
+            <p:ph type="sldNum" sz="quarter" idx="5"/>
+          </p:nvPr>
+        </p:nvSpPr>
+        <p:spPr/>
+        <p:txBody>
+          <a:bodyPr/>
+          <a:lstStyle/>
+          <a:p>
+            <a:fld id="{0C1CA5F8-5702-4C68-B046-5D648EE2B240}" type="slidenum">
+              <a:rPr lang="en-IN" smtClean="0"/>
+              <a:t>15</a:t>
+            </a:fld>
+            <a:endParaRPr lang="en-IN"/>
+          </a:p>
+        </p:txBody>
+      </p:sp>
+    </p:spTree>
+    <p:extLst>
+      <p:ext uri="{BB962C8B-B14F-4D97-AF65-F5344CB8AC3E}">
+        <p14:creationId xmlns:p14="http://schemas.microsoft.com/office/powerpoint/2010/main" val="3063651622"/>
+      </p:ext>
+    </p:extLst>
+  </p:cSld>
+  <p:clrMapOvr>
+    <a:masterClrMapping/>
+  </p:clrMapOvr>
+</p:notes>
 </file>
 
 <file path=ppt/slideLayouts/slideLayout1.xml><?xml version="1.0" encoding="utf-8"?>
@@ -3706,6 +4302,48 @@
           </a:p>
         </p:txBody>
       </p:sp>
+      <p:sp>
+        <p:nvSpPr>
+          <p:cNvPr id="3" name="Subtitle 2">
+            <a:extLst>
+              <a:ext uri="{FF2B5EF4-FFF2-40B4-BE49-F238E27FC236}">
+                <a16:creationId xmlns:a16="http://schemas.microsoft.com/office/drawing/2014/main" id="{3EBFA346-6D8E-4678-C9C5-C34FDF70F25C}"/>
+              </a:ext>
+            </a:extLst>
+          </p:cNvPr>
+          <p:cNvSpPr>
+            <a:spLocks noGrp="1"/>
+          </p:cNvSpPr>
+          <p:nvPr>
+            <p:ph type="subTitle" idx="1"/>
+          </p:nvPr>
+        </p:nvSpPr>
+        <p:spPr>
+          <a:xfrm>
+            <a:off x="1524000" y="3429000"/>
+            <a:ext cx="9144000" cy="1655762"/>
+          </a:xfrm>
+        </p:spPr>
+        <p:txBody>
+          <a:bodyPr/>
+          <a:lstStyle/>
+          <a:p>
+            <a:r>
+              <a:rPr lang="en-US" dirty="0">
+                <a:solidFill>
+                  <a:srgbClr val="0070C0"/>
+                </a:solidFill>
+              </a:rPr>
+              <a:t>Created by : Jagadish &amp; Mahesh</a:t>
+            </a:r>
+            <a:endParaRPr lang="en-IN" dirty="0">
+              <a:solidFill>
+                <a:srgbClr val="0070C0"/>
+              </a:solidFill>
+            </a:endParaRPr>
+          </a:p>
+        </p:txBody>
+      </p:sp>
     </p:spTree>
     <p:extLst>
       <p:ext uri="{BB962C8B-B14F-4D97-AF65-F5344CB8AC3E}">
@@ -3881,7 +4519,7 @@
         </p:nvSpPr>
         <p:spPr>
           <a:xfrm>
-            <a:off x="550524" y="4725369"/>
+            <a:off x="8759576" y="5648699"/>
             <a:ext cx="2827961" cy="923330"/>
           </a:xfrm>
           <a:prstGeom prst="rect">
@@ -3967,7 +4605,13 @@
   <p:cSld>
     <p:spTree>
       <p:nvGrpSpPr>
-        <p:cNvPr id="1" name=""/>
+        <p:cNvPr id="1" name="">
+          <a:extLst>
+            <a:ext uri="{FF2B5EF4-FFF2-40B4-BE49-F238E27FC236}">
+              <a16:creationId xmlns:a16="http://schemas.microsoft.com/office/drawing/2014/main" id="{4BC4E437-400A-E096-E86E-B4EF2E11BED0}"/>
+            </a:ext>
+          </a:extLst>
+        </p:cNvPr>
         <p:cNvGrpSpPr/>
         <p:nvPr/>
       </p:nvGrpSpPr>
@@ -3984,7 +4628,7 @@
           <p:cNvPr id="2" name="Title 1">
             <a:extLst>
               <a:ext uri="{FF2B5EF4-FFF2-40B4-BE49-F238E27FC236}">
-                <a16:creationId xmlns:a16="http://schemas.microsoft.com/office/drawing/2014/main" id="{3A7AE295-2294-3D74-CCD7-3DA1D3DD8299}"/>
+                <a16:creationId xmlns:a16="http://schemas.microsoft.com/office/drawing/2014/main" id="{18184E24-1796-F4DC-25C8-DFB0B5B2C2B4}"/>
               </a:ext>
             </a:extLst>
           </p:cNvPr>
@@ -3995,24 +4639,49 @@
             <p:ph type="title"/>
           </p:nvPr>
         </p:nvSpPr>
-        <p:spPr/>
+        <p:spPr>
+          <a:xfrm>
+            <a:off x="550524" y="617579"/>
+            <a:ext cx="10515600" cy="1374692"/>
+          </a:xfrm>
+        </p:spPr>
         <p:txBody>
           <a:bodyPr/>
           <a:lstStyle/>
           <a:p>
             <a:r>
               <a:rPr lang="en-IN" dirty="0"/>
-              <a:t>Loan status vs monthly income-instalment difference</a:t>
-            </a:r>
-          </a:p>
-        </p:txBody>
-      </p:sp>
-      <p:sp>
-        <p:nvSpPr>
-          <p:cNvPr id="8" name="TextBox 7">
-            <a:extLst>
-              <a:ext uri="{FF2B5EF4-FFF2-40B4-BE49-F238E27FC236}">
-                <a16:creationId xmlns:a16="http://schemas.microsoft.com/office/drawing/2014/main" id="{D782009A-E20A-308A-31EF-45E22CDCC6C7}"/>
+              <a:t>Default rates based on </a:t>
+            </a:r>
+            <a:r>
+              <a:rPr lang="en-IN" b="0" dirty="0">
+                <a:solidFill>
+                  <a:srgbClr val="0070C0"/>
+                </a:solidFill>
+                <a:effectLst/>
+                <a:latin typeface="Consolas" panose="020B0609020204030204" pitchFamily="49" charset="0"/>
+              </a:rPr>
+              <a:t>delinq_2yrs</a:t>
+            </a:r>
+            <a:br>
+              <a:rPr lang="en-IN" b="0" dirty="0">
+                <a:solidFill>
+                  <a:srgbClr val="CCCCCC"/>
+                </a:solidFill>
+                <a:effectLst/>
+                <a:latin typeface="Consolas" panose="020B0609020204030204" pitchFamily="49" charset="0"/>
+              </a:rPr>
+            </a:br>
+            <a:endParaRPr lang="en-IN" dirty="0"/>
+          </a:p>
+        </p:txBody>
+      </p:sp>
+      <p:sp>
+        <p:nvSpPr>
+          <p:cNvPr id="6" name="TextBox 5">
+            <a:extLst>
+              <a:ext uri="{FF2B5EF4-FFF2-40B4-BE49-F238E27FC236}">
+                <a16:creationId xmlns:a16="http://schemas.microsoft.com/office/drawing/2014/main" id="{7576FFFD-33A6-5413-35BD-232A0BBFDC79}"/>
               </a:ext>
             </a:extLst>
           </p:cNvPr>
@@ -4021,8 +4690,8 @@
         </p:nvSpPr>
         <p:spPr>
           <a:xfrm>
-            <a:off x="704636" y="2967335"/>
-            <a:ext cx="4155040" cy="1015663"/>
+            <a:off x="1031109" y="2868775"/>
+            <a:ext cx="5537770" cy="2246769"/>
           </a:xfrm>
           <a:prstGeom prst="rect">
             <a:avLst/>
@@ -4037,17 +4706,34 @@
           <a:p>
             <a:r>
               <a:rPr lang="en-IN" sz="2000" dirty="0"/>
-              <a:t>Defaulters have average monthly income and instalment difference lesser than fully paid category by 800$</a:t>
+              <a:t>Delinq_2yrs talks about number of times a borrower missed the scheduled payment date in 2 years. Higer rate indicates more financial stress.</a:t>
+            </a:r>
+          </a:p>
+          <a:p>
+            <a:endParaRPr lang="en-IN" sz="2000" dirty="0"/>
+          </a:p>
+          <a:p>
+            <a:r>
+              <a:rPr lang="en-IN" sz="2000" dirty="0"/>
+              <a:t>Higher average rate for this parameter indicates higher chances of defaults a shown in the graph for </a:t>
+            </a:r>
+            <a:r>
+              <a:rPr lang="en-IN" sz="2000" dirty="0">
+                <a:solidFill>
+                  <a:srgbClr val="0070C0"/>
+                </a:solidFill>
+              </a:rPr>
+              <a:t>Charged off</a:t>
             </a:r>
           </a:p>
         </p:txBody>
       </p:sp>
       <p:pic>
         <p:nvPicPr>
-          <p:cNvPr id="4" name="Picture 3">
-            <a:extLst>
-              <a:ext uri="{FF2B5EF4-FFF2-40B4-BE49-F238E27FC236}">
-                <a16:creationId xmlns:a16="http://schemas.microsoft.com/office/drawing/2014/main" id="{7C84F033-5B8B-CA9C-989E-D8A8A9B70269}"/>
+          <p:cNvPr id="8" name="Picture 7">
+            <a:extLst>
+              <a:ext uri="{FF2B5EF4-FFF2-40B4-BE49-F238E27FC236}">
+                <a16:creationId xmlns:a16="http://schemas.microsoft.com/office/drawing/2014/main" id="{1FD7BA90-EA02-FB04-9A6E-DCBA5551E5ED}"/>
               </a:ext>
             </a:extLst>
           </p:cNvPr>
@@ -4064,8 +4750,8 @@
         </p:blipFill>
         <p:spPr>
           <a:xfrm>
-            <a:off x="5967788" y="1603767"/>
-            <a:ext cx="5848350" cy="4981575"/>
+            <a:off x="6905625" y="1992271"/>
+            <a:ext cx="4448175" cy="4248150"/>
           </a:xfrm>
           <a:prstGeom prst="rect">
             <a:avLst/>
@@ -4075,7 +4761,7 @@
     </p:spTree>
     <p:extLst>
       <p:ext uri="{BB962C8B-B14F-4D97-AF65-F5344CB8AC3E}">
-        <p14:creationId xmlns:p14="http://schemas.microsoft.com/office/powerpoint/2010/main" val="1764777773"/>
+        <p14:creationId xmlns:p14="http://schemas.microsoft.com/office/powerpoint/2010/main" val="3164178106"/>
       </p:ext>
     </p:extLst>
   </p:cSld>
@@ -4160,6 +4846,47 @@
           </a:prstGeom>
         </p:spPr>
       </p:pic>
+      <p:sp>
+        <p:nvSpPr>
+          <p:cNvPr id="3" name="TextBox 2">
+            <a:extLst>
+              <a:ext uri="{FF2B5EF4-FFF2-40B4-BE49-F238E27FC236}">
+                <a16:creationId xmlns:a16="http://schemas.microsoft.com/office/drawing/2014/main" id="{0D9961EF-B958-EC5B-FFC5-2880800E23B2}"/>
+              </a:ext>
+            </a:extLst>
+          </p:cNvPr>
+          <p:cNvSpPr txBox="1"/>
+          <p:nvPr/>
+        </p:nvSpPr>
+        <p:spPr>
+          <a:xfrm>
+            <a:off x="838200" y="3184989"/>
+            <a:ext cx="5607689" cy="707886"/>
+          </a:xfrm>
+          <a:prstGeom prst="rect">
+            <a:avLst/>
+          </a:prstGeom>
+          <a:noFill/>
+        </p:spPr>
+        <p:txBody>
+          <a:bodyPr wrap="none" rtlCol="0">
+            <a:spAutoFit/>
+          </a:bodyPr>
+          <a:lstStyle/>
+          <a:p>
+            <a:r>
+              <a:rPr lang="en-IN" sz="2000" dirty="0"/>
+              <a:t>Chances of defaults are higher in case some one has</a:t>
+            </a:r>
+          </a:p>
+          <a:p>
+            <a:r>
+              <a:rPr lang="en-IN" sz="2000" dirty="0"/>
+              <a:t>Higher public records</a:t>
+            </a:r>
+          </a:p>
+        </p:txBody>
+      </p:sp>
     </p:spTree>
     <p:extLst>
       <p:ext uri="{BB962C8B-B14F-4D97-AF65-F5344CB8AC3E}">
@@ -4259,6 +4986,47 @@
           </a:prstGeom>
         </p:spPr>
       </p:pic>
+      <p:sp>
+        <p:nvSpPr>
+          <p:cNvPr id="3" name="TextBox 2">
+            <a:extLst>
+              <a:ext uri="{FF2B5EF4-FFF2-40B4-BE49-F238E27FC236}">
+                <a16:creationId xmlns:a16="http://schemas.microsoft.com/office/drawing/2014/main" id="{70D917B2-BBDA-E0A5-7DC3-D15A68DCFCE4}"/>
+              </a:ext>
+            </a:extLst>
+          </p:cNvPr>
+          <p:cNvSpPr txBox="1"/>
+          <p:nvPr/>
+        </p:nvSpPr>
+        <p:spPr>
+          <a:xfrm>
+            <a:off x="797103" y="3429000"/>
+            <a:ext cx="5999784" cy="707886"/>
+          </a:xfrm>
+          <a:prstGeom prst="rect">
+            <a:avLst/>
+          </a:prstGeom>
+          <a:noFill/>
+        </p:spPr>
+        <p:txBody>
+          <a:bodyPr wrap="none" rtlCol="0">
+            <a:spAutoFit/>
+          </a:bodyPr>
+          <a:lstStyle/>
+          <a:p>
+            <a:r>
+              <a:rPr lang="en-IN" sz="2000" dirty="0"/>
+              <a:t>Chances of defaults are higher in where a borrower has </a:t>
+            </a:r>
+          </a:p>
+          <a:p>
+            <a:r>
+              <a:rPr lang="en-IN" sz="2000" dirty="0"/>
+              <a:t>Undergone bankruptcies</a:t>
+            </a:r>
+          </a:p>
+        </p:txBody>
+      </p:sp>
     </p:spTree>
     <p:extLst>
       <p:ext uri="{BB962C8B-B14F-4D97-AF65-F5344CB8AC3E}">
@@ -4294,6 +5062,210 @@
           <p:cNvPr id="2" name="Title 1">
             <a:extLst>
               <a:ext uri="{FF2B5EF4-FFF2-40B4-BE49-F238E27FC236}">
+                <a16:creationId xmlns:a16="http://schemas.microsoft.com/office/drawing/2014/main" id="{1998093F-687D-CB58-963D-83CA5A595E17}"/>
+              </a:ext>
+            </a:extLst>
+          </p:cNvPr>
+          <p:cNvSpPr>
+            <a:spLocks noGrp="1"/>
+          </p:cNvSpPr>
+          <p:nvPr>
+            <p:ph type="title"/>
+          </p:nvPr>
+        </p:nvSpPr>
+        <p:spPr/>
+        <p:txBody>
+          <a:bodyPr/>
+          <a:lstStyle/>
+          <a:p>
+            <a:r>
+              <a:rPr lang="en-IN" dirty="0"/>
+              <a:t>Correlation matrix</a:t>
+            </a:r>
+          </a:p>
+        </p:txBody>
+      </p:sp>
+      <p:pic>
+        <p:nvPicPr>
+          <p:cNvPr id="5" name="Content Placeholder 4">
+            <a:extLst>
+              <a:ext uri="{FF2B5EF4-FFF2-40B4-BE49-F238E27FC236}">
+                <a16:creationId xmlns:a16="http://schemas.microsoft.com/office/drawing/2014/main" id="{2AE1C891-9171-1EBF-3CB6-361485DFB71D}"/>
+              </a:ext>
+            </a:extLst>
+          </p:cNvPr>
+          <p:cNvPicPr>
+            <a:picLocks noGrp="1" noChangeAspect="1"/>
+          </p:cNvPicPr>
+          <p:nvPr>
+            <p:ph idx="1"/>
+          </p:nvPr>
+        </p:nvPicPr>
+        <p:blipFill>
+          <a:blip r:embed="rId2"/>
+          <a:stretch>
+            <a:fillRect/>
+          </a:stretch>
+        </p:blipFill>
+        <p:spPr>
+          <a:xfrm>
+            <a:off x="6381297" y="1516027"/>
+            <a:ext cx="5464806" cy="4857606"/>
+          </a:xfrm>
+        </p:spPr>
+      </p:pic>
+      <p:sp>
+        <p:nvSpPr>
+          <p:cNvPr id="7" name="TextBox 6">
+            <a:extLst>
+              <a:ext uri="{FF2B5EF4-FFF2-40B4-BE49-F238E27FC236}">
+                <a16:creationId xmlns:a16="http://schemas.microsoft.com/office/drawing/2014/main" id="{D383F490-5A4F-ACBB-E36F-665D415064AC}"/>
+              </a:ext>
+            </a:extLst>
+          </p:cNvPr>
+          <p:cNvSpPr txBox="1"/>
+          <p:nvPr/>
+        </p:nvSpPr>
+        <p:spPr>
+          <a:xfrm>
+            <a:off x="283585" y="2141410"/>
+            <a:ext cx="6097712" cy="3416320"/>
+          </a:xfrm>
+          <a:prstGeom prst="rect">
+            <a:avLst/>
+          </a:prstGeom>
+          <a:noFill/>
+        </p:spPr>
+        <p:txBody>
+          <a:bodyPr wrap="square">
+            <a:spAutoFit/>
+          </a:bodyPr>
+          <a:lstStyle/>
+          <a:p>
+            <a:pPr marL="342900" indent="-342900">
+              <a:buAutoNum type="arabicPeriod"/>
+            </a:pPr>
+            <a:r>
+              <a:rPr lang="en-IN" dirty="0" err="1"/>
+              <a:t>loan_amnt</a:t>
+            </a:r>
+            <a:r>
+              <a:rPr lang="en-IN" dirty="0"/>
+              <a:t> &amp; </a:t>
+            </a:r>
+            <a:r>
+              <a:rPr lang="en-IN" dirty="0" err="1"/>
+              <a:t>int_rate</a:t>
+            </a:r>
+            <a:r>
+              <a:rPr lang="en-IN" dirty="0"/>
+              <a:t>: There's a moderate positive correlation. This suggests that larger loan amounts are generally associated with higher interest rates.</a:t>
+            </a:r>
+          </a:p>
+          <a:p>
+            <a:pPr marL="342900" indent="-342900">
+              <a:buAutoNum type="arabicPeriod"/>
+            </a:pPr>
+            <a:r>
+              <a:rPr lang="en-IN" dirty="0" err="1"/>
+              <a:t>loan_amnt</a:t>
+            </a:r>
+            <a:r>
+              <a:rPr lang="en-IN" dirty="0"/>
+              <a:t> &amp; </a:t>
+            </a:r>
+            <a:r>
+              <a:rPr lang="en-IN" dirty="0" err="1"/>
+              <a:t>annual_inc</a:t>
+            </a:r>
+            <a:r>
+              <a:rPr lang="en-IN" dirty="0"/>
+              <a:t>: There's a moderate positive correlation. This indicates that individuals with higher annual incomes tend to borrow larger amounts. </a:t>
+            </a:r>
+          </a:p>
+          <a:p>
+            <a:pPr marL="342900" indent="-342900">
+              <a:buAutoNum type="arabicPeriod"/>
+            </a:pPr>
+            <a:r>
+              <a:rPr lang="en-IN" dirty="0" err="1"/>
+              <a:t>int_rate</a:t>
+            </a:r>
+            <a:r>
+              <a:rPr lang="en-IN" dirty="0"/>
+              <a:t> &amp; </a:t>
+            </a:r>
+            <a:r>
+              <a:rPr lang="en-IN" dirty="0" err="1"/>
+              <a:t>dti</a:t>
+            </a:r>
+            <a:r>
+              <a:rPr lang="en-IN" dirty="0"/>
+              <a:t>: A weak positive correlation is observed. This suggests a slight tendency for higher interest rates to be associated with higher debt-to-income ratios. </a:t>
+            </a:r>
+          </a:p>
+          <a:p>
+            <a:pPr marL="342900" indent="-342900">
+              <a:buAutoNum type="arabicPeriod"/>
+            </a:pPr>
+            <a:r>
+              <a:rPr lang="en-IN" dirty="0"/>
+              <a:t> </a:t>
+            </a:r>
+            <a:r>
+              <a:rPr lang="en-IN" dirty="0" err="1"/>
+              <a:t>annual_inc</a:t>
+            </a:r>
+            <a:r>
+              <a:rPr lang="en-IN" dirty="0"/>
+              <a:t> &amp; </a:t>
+            </a:r>
+            <a:r>
+              <a:rPr lang="en-IN" dirty="0" err="1"/>
+              <a:t>dti</a:t>
+            </a:r>
+            <a:r>
+              <a:rPr lang="en-IN" dirty="0"/>
+              <a:t>: A weak negative correlation is present. This implies that individuals with higher annual incomes might have slightly lower debt-to-income ratios.</a:t>
+            </a:r>
+          </a:p>
+        </p:txBody>
+      </p:sp>
+    </p:spTree>
+    <p:extLst>
+      <p:ext uri="{BB962C8B-B14F-4D97-AF65-F5344CB8AC3E}">
+        <p14:creationId xmlns:p14="http://schemas.microsoft.com/office/powerpoint/2010/main" val="1430138023"/>
+      </p:ext>
+    </p:extLst>
+  </p:cSld>
+  <p:clrMapOvr>
+    <a:masterClrMapping/>
+  </p:clrMapOvr>
+</p:sld>
+</file>
+
+<file path=ppt/slides/slide15.xml><?xml version="1.0" encoding="utf-8"?>
+<p:sld xmlns:a="http://schemas.openxmlformats.org/drawingml/2006/main" xmlns:r="http://schemas.openxmlformats.org/officeDocument/2006/relationships" xmlns:p="http://schemas.openxmlformats.org/presentationml/2006/main">
+  <p:cSld>
+    <p:spTree>
+      <p:nvGrpSpPr>
+        <p:cNvPr id="1" name=""/>
+        <p:cNvGrpSpPr/>
+        <p:nvPr/>
+      </p:nvGrpSpPr>
+      <p:grpSpPr>
+        <a:xfrm>
+          <a:off x="0" y="0"/>
+          <a:ext cx="0" cy="0"/>
+          <a:chOff x="0" y="0"/>
+          <a:chExt cx="0" cy="0"/>
+        </a:xfrm>
+      </p:grpSpPr>
+      <p:sp>
+        <p:nvSpPr>
+          <p:cNvPr id="2" name="Title 1">
+            <a:extLst>
+              <a:ext uri="{FF2B5EF4-FFF2-40B4-BE49-F238E27FC236}">
                 <a16:creationId xmlns:a16="http://schemas.microsoft.com/office/drawing/2014/main" id="{5FE5AF02-86DF-034D-608A-4B660E858493}"/>
               </a:ext>
             </a:extLst>
@@ -4334,18 +5306,24 @@
             <p:ph idx="1"/>
           </p:nvPr>
         </p:nvSpPr>
-        <p:spPr/>
-        <p:txBody>
-          <a:bodyPr/>
-          <a:lstStyle/>
-          <a:p>
-            <a:pPr>
-              <a:buFont typeface="Wingdings" panose="05000000000000000000" pitchFamily="2" charset="2"/>
-              <a:buChar char="Ø"/>
+        <p:spPr>
+          <a:xfrm>
+            <a:off x="1004584" y="1561672"/>
+            <a:ext cx="8581204" cy="723879"/>
+          </a:xfrm>
+        </p:spPr>
+        <p:txBody>
+          <a:bodyPr>
+            <a:normAutofit fontScale="92500" lnSpcReduction="20000"/>
+          </a:bodyPr>
+          <a:lstStyle/>
+          <a:p>
+            <a:pPr marL="0" indent="0">
+              <a:buNone/>
             </a:pPr>
             <a:r>
               <a:rPr lang="en-IN" dirty="0"/>
-              <a:t>Parameters influencing the Charge off situation</a:t>
+              <a:t>Parameters influencing the default situation</a:t>
             </a:r>
             <a:br>
               <a:rPr lang="en-IN" dirty="0"/>
@@ -4369,14 +5347,14 @@
           <p:nvPr>
             <p:extLst>
               <p:ext uri="{D42A27DB-BD31-4B8C-83A1-F6EECF244321}">
-                <p14:modId xmlns:p14="http://schemas.microsoft.com/office/powerpoint/2010/main" val="254059391"/>
+                <p14:modId xmlns:p14="http://schemas.microsoft.com/office/powerpoint/2010/main" val="664055632"/>
               </p:ext>
             </p:extLst>
           </p:nvPr>
         </p:nvGraphicFramePr>
         <p:xfrm>
-          <a:off x="1210068" y="2497095"/>
-          <a:ext cx="8128000" cy="2225040"/>
+          <a:off x="1004584" y="2229967"/>
+          <a:ext cx="8581204" cy="3947160"/>
         </p:xfrm>
         <a:graphic>
           <a:graphicData uri="http://schemas.openxmlformats.org/drawingml/2006/table">
@@ -4385,14 +5363,14 @@
                 <a:tableStyleId>{5C22544A-7EE6-4342-B048-85BDC9FD1C3A}</a:tableStyleId>
               </a:tblPr>
               <a:tblGrid>
-                <a:gridCol w="4064000">
+                <a:gridCol w="3614470">
                   <a:extLst>
                     <a:ext uri="{9D8B030D-6E8A-4147-A177-3AD203B41FA5}">
                       <a16:colId xmlns:a16="http://schemas.microsoft.com/office/drawing/2014/main" val="1279420651"/>
                     </a:ext>
                   </a:extLst>
                 </a:gridCol>
-                <a:gridCol w="4064000">
+                <a:gridCol w="4966734">
                   <a:extLst>
                     <a:ext uri="{9D8B030D-6E8A-4147-A177-3AD203B41FA5}">
                       <a16:colId xmlns:a16="http://schemas.microsoft.com/office/drawing/2014/main" val="251741195"/>
@@ -4406,7 +5384,11 @@
                     <a:bodyPr/>
                     <a:lstStyle/>
                     <a:p>
-                      <a:endParaRPr lang="en-IN"/>
+                      <a:r>
+                        <a:rPr lang="en-US" dirty="0"/>
+                        <a:t>Parameters</a:t>
+                      </a:r>
+                      <a:endParaRPr lang="en-IN" dirty="0"/>
                     </a:p>
                   </a:txBody>
                   <a:tcPr/>
@@ -4416,7 +5398,11 @@
                     <a:bodyPr/>
                     <a:lstStyle/>
                     <a:p>
-                      <a:endParaRPr lang="en-IN"/>
+                      <a:r>
+                        <a:rPr lang="en-US" dirty="0"/>
+                        <a:t>Remarks</a:t>
+                      </a:r>
+                      <a:endParaRPr lang="en-IN" dirty="0"/>
                     </a:p>
                   </a:txBody>
                   <a:tcPr/>
@@ -4446,7 +5432,17 @@
                     <a:bodyPr/>
                     <a:lstStyle/>
                     <a:p>
-                      <a:endParaRPr lang="en-IN"/>
+                      <a:r>
+                        <a:rPr lang="en-US" dirty="0"/>
+                        <a:t>LC assigned grade </a:t>
+                      </a:r>
+                    </a:p>
+                    <a:p>
+                      <a:r>
+                        <a:rPr lang="en-US" dirty="0"/>
+                        <a:t>A – lowest risk  ….G- highest risk</a:t>
+                      </a:r>
+                      <a:endParaRPr lang="en-IN" dirty="0"/>
                     </a:p>
                   </a:txBody>
                   <a:tcPr/>
@@ -4476,7 +5472,15 @@
                     <a:bodyPr/>
                     <a:lstStyle/>
                     <a:p>
-                      <a:endParaRPr lang="en-IN"/>
+                      <a:r>
+                        <a:rPr lang="en-US" dirty="0" err="1"/>
+                        <a:t>Small_business</a:t>
+                      </a:r>
+                      <a:r>
+                        <a:rPr lang="en-US" dirty="0"/>
+                        <a:t> has higher risk</a:t>
+                      </a:r>
+                      <a:endParaRPr lang="en-IN" dirty="0"/>
                     </a:p>
                   </a:txBody>
                   <a:tcPr/>
@@ -4484,6 +5488,45 @@
                 <a:extLst>
                   <a:ext uri="{0D108BD9-81ED-4DB2-BD59-A6C34878D82A}">
                     <a16:rowId xmlns:a16="http://schemas.microsoft.com/office/drawing/2014/main" val="535011677"/>
+                  </a:ext>
+                </a:extLst>
+              </a:tr>
+              <a:tr h="370840">
+                <a:tc>
+                  <a:txBody>
+                    <a:bodyPr/>
+                    <a:lstStyle/>
+                    <a:p>
+                      <a:r>
+                        <a:rPr lang="en-US" dirty="0" err="1"/>
+                        <a:t>dti</a:t>
+                      </a:r>
+                      <a:r>
+                        <a:rPr lang="en-US" dirty="0"/>
+                        <a:t> (debt to income ratio)</a:t>
+                      </a:r>
+                      <a:endParaRPr lang="en-IN" dirty="0"/>
+                    </a:p>
+                  </a:txBody>
+                  <a:tcPr/>
+                </a:tc>
+                <a:tc>
+                  <a:txBody>
+                    <a:bodyPr/>
+                    <a:lstStyle/>
+                    <a:p>
+                      <a:r>
+                        <a:rPr lang="en-US" dirty="0"/>
+                        <a:t>Higher debt to income ratio , higher risk</a:t>
+                      </a:r>
+                      <a:endParaRPr lang="en-IN" dirty="0"/>
+                    </a:p>
+                  </a:txBody>
+                  <a:tcPr/>
+                </a:tc>
+                <a:extLst>
+                  <a:ext uri="{0D108BD9-81ED-4DB2-BD59-A6C34878D82A}">
+                    <a16:rowId xmlns:a16="http://schemas.microsoft.com/office/drawing/2014/main" val="2554009329"/>
                   </a:ext>
                 </a:extLst>
               </a:tr>
@@ -4506,7 +5549,11 @@
                     <a:bodyPr/>
                     <a:lstStyle/>
                     <a:p>
-                      <a:endParaRPr lang="en-IN"/>
+                      <a:r>
+                        <a:rPr lang="en-US" dirty="0"/>
+                        <a:t>Higer credit utilization leads to higher chance of defaults</a:t>
+                      </a:r>
+                      <a:endParaRPr lang="en-IN" dirty="0"/>
                     </a:p>
                   </a:txBody>
                   <a:tcPr/>
@@ -4536,7 +5583,27 @@
                     <a:bodyPr/>
                     <a:lstStyle/>
                     <a:p>
-                      <a:endParaRPr lang="en-IN"/>
+                      <a:pPr marL="0" marR="0" lvl="0" indent="0" algn="l" defTabSz="914400" rtl="0" eaLnBrk="1" fontAlgn="auto" latinLnBrk="0" hangingPunct="1">
+                        <a:lnSpc>
+                          <a:spcPct val="100000"/>
+                        </a:lnSpc>
+                        <a:spcBef>
+                          <a:spcPts val="0"/>
+                        </a:spcBef>
+                        <a:spcAft>
+                          <a:spcPts val="0"/>
+                        </a:spcAft>
+                        <a:buClrTx/>
+                        <a:buSzTx/>
+                        <a:buFontTx/>
+                        <a:buNone/>
+                        <a:tabLst/>
+                        <a:defRPr/>
+                      </a:pPr>
+                      <a:r>
+                        <a:rPr lang="en-IN" sz="1800" dirty="0"/>
+                        <a:t>Delinq_2yrs talks about number of times a borrower missed the scheduled payment date in 2 years. Higer rate indicates more financial stress.</a:t>
+                      </a:r>
                     </a:p>
                   </a:txBody>
                   <a:tcPr/>
@@ -4555,7 +5622,7 @@
                     <a:p>
                       <a:r>
                         <a:rPr lang="en-IN" dirty="0"/>
-                        <a:t>Publicly known bankruptcies</a:t>
+                        <a:t>Publicly known bankruptcies, and issues</a:t>
                       </a:r>
                     </a:p>
                   </a:txBody>
@@ -4566,7 +5633,10 @@
                     <a:bodyPr/>
                     <a:lstStyle/>
                     <a:p>
-                      <a:endParaRPr lang="en-IN" dirty="0"/>
+                      <a:r>
+                        <a:rPr lang="en-IN" dirty="0"/>
+                        <a:t>Defaults known in public space has shown impacts of defaults</a:t>
+                      </a:r>
                     </a:p>
                   </a:txBody>
                   <a:tcPr/>
@@ -4585,6 +5655,72 @@
     <p:extLst>
       <p:ext uri="{BB962C8B-B14F-4D97-AF65-F5344CB8AC3E}">
         <p14:creationId xmlns:p14="http://schemas.microsoft.com/office/powerpoint/2010/main" val="4085281955"/>
+      </p:ext>
+    </p:extLst>
+  </p:cSld>
+  <p:clrMapOvr>
+    <a:masterClrMapping/>
+  </p:clrMapOvr>
+</p:sld>
+</file>
+
+<file path=ppt/slides/slide16.xml><?xml version="1.0" encoding="utf-8"?>
+<p:sld xmlns:a="http://schemas.openxmlformats.org/drawingml/2006/main" xmlns:r="http://schemas.openxmlformats.org/officeDocument/2006/relationships" xmlns:p="http://schemas.openxmlformats.org/presentationml/2006/main">
+  <p:cSld>
+    <p:spTree>
+      <p:nvGrpSpPr>
+        <p:cNvPr id="1" name=""/>
+        <p:cNvGrpSpPr/>
+        <p:nvPr/>
+      </p:nvGrpSpPr>
+      <p:grpSpPr>
+        <a:xfrm>
+          <a:off x="0" y="0"/>
+          <a:ext cx="0" cy="0"/>
+          <a:chOff x="0" y="0"/>
+          <a:chExt cx="0" cy="0"/>
+        </a:xfrm>
+      </p:grpSpPr>
+      <p:sp>
+        <p:nvSpPr>
+          <p:cNvPr id="4" name="Title 3">
+            <a:extLst>
+              <a:ext uri="{FF2B5EF4-FFF2-40B4-BE49-F238E27FC236}">
+                <a16:creationId xmlns:a16="http://schemas.microsoft.com/office/drawing/2014/main" id="{14C4DB11-CE94-805C-85FB-1BA235D6B38A}"/>
+              </a:ext>
+            </a:extLst>
+          </p:cNvPr>
+          <p:cNvSpPr>
+            <a:spLocks noGrp="1"/>
+          </p:cNvSpPr>
+          <p:nvPr>
+            <p:ph type="title"/>
+          </p:nvPr>
+        </p:nvSpPr>
+        <p:spPr>
+          <a:xfrm>
+            <a:off x="838200" y="2666536"/>
+            <a:ext cx="10515600" cy="1325563"/>
+          </a:xfrm>
+        </p:spPr>
+        <p:txBody>
+          <a:bodyPr>
+            <a:normAutofit/>
+          </a:bodyPr>
+          <a:lstStyle/>
+          <a:p>
+            <a:pPr algn="ctr"/>
+            <a:r>
+              <a:rPr lang="en-IN" sz="8800" dirty="0"/>
+              <a:t>THANK YOU</a:t>
+            </a:r>
+          </a:p>
+        </p:txBody>
+      </p:sp>
+    </p:spTree>
+    <p:extLst>
+      <p:ext uri="{BB962C8B-B14F-4D97-AF65-F5344CB8AC3E}">
+        <p14:creationId xmlns:p14="http://schemas.microsoft.com/office/powerpoint/2010/main" val="3073802502"/>
       </p:ext>
     </p:extLst>
   </p:cSld>
@@ -4768,10 +5904,10 @@
           <a:lstStyle/>
           <a:p>
             <a:r>
-              <a:rPr lang="en-US" dirty="0"/>
+              <a:rPr lang="en-US" u="sng" dirty="0"/>
               <a:t>Solution approach</a:t>
             </a:r>
-            <a:endParaRPr lang="en-IN" dirty="0"/>
+            <a:endParaRPr lang="en-IN" u="sng" dirty="0"/>
           </a:p>
         </p:txBody>
       </p:sp>
@@ -4806,13 +5942,53 @@
           </a:p>
           <a:p>
             <a:r>
-              <a:rPr lang="en-IN" dirty="0">
+              <a:rPr lang="en-US" dirty="0">
                 <a:latin typeface="Consolas" panose="020B0609020204030204" pitchFamily="49" charset="0"/>
               </a:rPr>
-              <a:t>Clean the data</a:t>
-            </a:r>
-          </a:p>
-          <a:p>
+              <a:t>Data Exploration and Cleaning:</a:t>
+            </a:r>
+          </a:p>
+          <a:p>
+            <a:pPr lvl="1">
+              <a:buFont typeface="Wingdings" panose="05000000000000000000" pitchFamily="2" charset="2"/>
+              <a:buChar char="ü"/>
+            </a:pPr>
+            <a:r>
+              <a:rPr lang="en-US" dirty="0">
+                <a:latin typeface="Consolas" panose="020B0609020204030204" pitchFamily="49" charset="0"/>
+              </a:rPr>
+              <a:t>Check the missing values</a:t>
+            </a:r>
+          </a:p>
+          <a:p>
+            <a:pPr lvl="1">
+              <a:buFont typeface="Wingdings" panose="05000000000000000000" pitchFamily="2" charset="2"/>
+              <a:buChar char="ü"/>
+            </a:pPr>
+            <a:r>
+              <a:rPr lang="en-US" dirty="0">
+                <a:latin typeface="Consolas" panose="020B0609020204030204" pitchFamily="49" charset="0"/>
+              </a:rPr>
+              <a:t>Handle missing values through imputation or data removal</a:t>
+            </a:r>
+          </a:p>
+          <a:p>
+            <a:pPr lvl="1">
+              <a:buFont typeface="Wingdings" panose="05000000000000000000" pitchFamily="2" charset="2"/>
+              <a:buChar char="ü"/>
+            </a:pPr>
+            <a:r>
+              <a:rPr lang="en-US" dirty="0">
+                <a:latin typeface="Consolas" panose="020B0609020204030204" pitchFamily="49" charset="0"/>
+              </a:rPr>
+              <a:t>Check for data types and convert if required</a:t>
+            </a:r>
+          </a:p>
+          <a:p>
+            <a:pPr lvl="1">
+              <a:buFont typeface="Wingdings" panose="05000000000000000000" pitchFamily="2" charset="2"/>
+              <a:buChar char="ü"/>
+            </a:pPr>
             <a:r>
               <a:rPr lang="en-IN" b="0" dirty="0">
                 <a:effectLst/>
@@ -4937,10 +6113,10 @@
       </p:sp>
       <p:pic>
         <p:nvPicPr>
-          <p:cNvPr id="7" name="Picture 6">
-            <a:extLst>
-              <a:ext uri="{FF2B5EF4-FFF2-40B4-BE49-F238E27FC236}">
-                <a16:creationId xmlns:a16="http://schemas.microsoft.com/office/drawing/2014/main" id="{DA1E214F-5178-F26D-7DD8-C5A62C014601}"/>
+          <p:cNvPr id="5" name="Picture 4">
+            <a:extLst>
+              <a:ext uri="{FF2B5EF4-FFF2-40B4-BE49-F238E27FC236}">
+                <a16:creationId xmlns:a16="http://schemas.microsoft.com/office/drawing/2014/main" id="{F1E5030D-66D6-C473-E451-B16D97D2B9D8}"/>
               </a:ext>
             </a:extLst>
           </p:cNvPr>
@@ -4957,8 +6133,8 @@
         </p:blipFill>
         <p:spPr>
           <a:xfrm>
-            <a:off x="6177925" y="1177925"/>
-            <a:ext cx="5610225" cy="5314950"/>
+            <a:off x="5601997" y="1315093"/>
+            <a:ext cx="6332613" cy="4658474"/>
           </a:xfrm>
           <a:prstGeom prst="rect">
             <a:avLst/>
@@ -5000,7 +6176,7 @@
           <p:cNvPr id="2" name="Title 1">
             <a:extLst>
               <a:ext uri="{FF2B5EF4-FFF2-40B4-BE49-F238E27FC236}">
-                <a16:creationId xmlns:a16="http://schemas.microsoft.com/office/drawing/2014/main" id="{F381309B-49A0-504A-542A-C7DB4FC4EBAA}"/>
+                <a16:creationId xmlns:a16="http://schemas.microsoft.com/office/drawing/2014/main" id="{80AE5A34-ED17-A270-5301-E65A7462A514}"/>
               </a:ext>
             </a:extLst>
           </p:cNvPr>
@@ -5017,10 +6193,9 @@
           <a:lstStyle/>
           <a:p>
             <a:r>
-              <a:rPr lang="en-US" dirty="0"/>
-              <a:t>Loan amount analysis</a:t>
-            </a:r>
-            <a:endParaRPr lang="en-IN" dirty="0"/>
+              <a:rPr lang="en-IN" dirty="0"/>
+              <a:t>Default rates based on loan purpose</a:t>
+            </a:r>
           </a:p>
         </p:txBody>
       </p:sp>
@@ -5029,7 +6204,7 @@
           <p:cNvPr id="5" name="Picture 4">
             <a:extLst>
               <a:ext uri="{FF2B5EF4-FFF2-40B4-BE49-F238E27FC236}">
-                <a16:creationId xmlns:a16="http://schemas.microsoft.com/office/drawing/2014/main" id="{24C5791B-57C1-9615-3CB4-0CC3927C0E67}"/>
+                <a16:creationId xmlns:a16="http://schemas.microsoft.com/office/drawing/2014/main" id="{C1EEB699-CAAB-828C-DA7B-AFD6FDC15EF8}"/>
               </a:ext>
             </a:extLst>
           </p:cNvPr>
@@ -5046,8 +6221,8 @@
         </p:blipFill>
         <p:spPr>
           <a:xfrm>
-            <a:off x="6096000" y="1975100"/>
-            <a:ext cx="5429250" cy="3933825"/>
+            <a:off x="5726058" y="1929774"/>
+            <a:ext cx="6096019" cy="4563102"/>
           </a:xfrm>
           <a:prstGeom prst="rect">
             <a:avLst/>
@@ -5056,10 +6231,10 @@
       </p:pic>
       <p:sp>
         <p:nvSpPr>
-          <p:cNvPr id="7" name="TextBox 6">
-            <a:extLst>
-              <a:ext uri="{FF2B5EF4-FFF2-40B4-BE49-F238E27FC236}">
-                <a16:creationId xmlns:a16="http://schemas.microsoft.com/office/drawing/2014/main" id="{50CB38F7-3986-4E60-16B8-25AD78626944}"/>
+          <p:cNvPr id="6" name="TextBox 5">
+            <a:extLst>
+              <a:ext uri="{FF2B5EF4-FFF2-40B4-BE49-F238E27FC236}">
+                <a16:creationId xmlns:a16="http://schemas.microsoft.com/office/drawing/2014/main" id="{DE47912C-917C-6BEE-8B35-5E30DBC44693}"/>
               </a:ext>
             </a:extLst>
           </p:cNvPr>
@@ -5068,53 +6243,39 @@
         </p:nvSpPr>
         <p:spPr>
           <a:xfrm>
-            <a:off x="838200" y="2782510"/>
-            <a:ext cx="2375899" cy="2031325"/>
+            <a:off x="534256" y="3526322"/>
+            <a:ext cx="5034336" cy="707886"/>
           </a:xfrm>
           <a:prstGeom prst="rect">
             <a:avLst/>
           </a:prstGeom>
           <a:noFill/>
-          <a:ln>
-            <a:solidFill>
-              <a:schemeClr val="tx1"/>
-            </a:solidFill>
-          </a:ln>
         </p:spPr>
         <p:txBody>
-          <a:bodyPr wrap="square">
+          <a:bodyPr wrap="square" rtlCol="0">
             <a:spAutoFit/>
           </a:bodyPr>
           <a:lstStyle/>
           <a:p>
             <a:r>
-              <a:rPr lang="en-IN" b="0" i="0" dirty="0">
-                <a:solidFill>
-                  <a:schemeClr val="tx1">
-                    <a:lumMod val="65000"/>
-                    <a:lumOff val="35000"/>
-                  </a:schemeClr>
-                </a:solidFill>
-                <a:effectLst/>
-                <a:latin typeface="Consolas" panose="020B0609020204030204" pitchFamily="49" charset="0"/>
-              </a:rPr>
-              <a:t>mean 11219.443815 std 7456.670694 min 500.000000 25% 5500.000000 50% 10000.000000 75% 15000.000000 max 35000.000000</a:t>
-            </a:r>
-            <a:endParaRPr lang="en-IN" dirty="0">
-              <a:solidFill>
-                <a:schemeClr val="tx1">
-                  <a:lumMod val="65000"/>
-                  <a:lumOff val="35000"/>
-                </a:schemeClr>
-              </a:solidFill>
-            </a:endParaRPr>
+              <a:rPr lang="en-IN" sz="2000" dirty="0"/>
+              <a:t>Loans taken for </a:t>
+            </a:r>
+            <a:r>
+              <a:rPr lang="en-IN" sz="2000" dirty="0" err="1"/>
+              <a:t>small_business</a:t>
+            </a:r>
+            <a:r>
+              <a:rPr lang="en-IN" sz="2000" dirty="0"/>
+              <a:t> carries higher risk Of defaulting.</a:t>
+            </a:r>
           </a:p>
         </p:txBody>
       </p:sp>
     </p:spTree>
     <p:extLst>
       <p:ext uri="{BB962C8B-B14F-4D97-AF65-F5344CB8AC3E}">
-        <p14:creationId xmlns:p14="http://schemas.microsoft.com/office/powerpoint/2010/main" val="2920745594"/>
+        <p14:creationId xmlns:p14="http://schemas.microsoft.com/office/powerpoint/2010/main" val="356964329"/>
       </p:ext>
     </p:extLst>
   </p:cSld>
@@ -5146,7 +6307,7 @@
           <p:cNvPr id="2" name="Title 1">
             <a:extLst>
               <a:ext uri="{FF2B5EF4-FFF2-40B4-BE49-F238E27FC236}">
-                <a16:creationId xmlns:a16="http://schemas.microsoft.com/office/drawing/2014/main" id="{BA366A18-FCCB-A141-C03D-9AB76C53A61B}"/>
+                <a16:creationId xmlns:a16="http://schemas.microsoft.com/office/drawing/2014/main" id="{3A7AE295-2294-3D74-CCD7-3DA1D3DD8299}"/>
               </a:ext>
             </a:extLst>
           </p:cNvPr>
@@ -5164,17 +6325,17 @@
           <a:p>
             <a:r>
               <a:rPr lang="en-IN" dirty="0"/>
-              <a:t>Loan status vs average loan amount</a:t>
-            </a:r>
-          </a:p>
-        </p:txBody>
-      </p:sp>
-      <p:sp>
-        <p:nvSpPr>
-          <p:cNvPr id="6" name="TextBox 5">
-            <a:extLst>
-              <a:ext uri="{FF2B5EF4-FFF2-40B4-BE49-F238E27FC236}">
-                <a16:creationId xmlns:a16="http://schemas.microsoft.com/office/drawing/2014/main" id="{F2BD7E5E-81D0-5FA6-DAFE-1EDD0DF3A625}"/>
+              <a:t>Loan status vs annual income</a:t>
+            </a:r>
+          </a:p>
+        </p:txBody>
+      </p:sp>
+      <p:sp>
+        <p:nvSpPr>
+          <p:cNvPr id="8" name="TextBox 7">
+            <a:extLst>
+              <a:ext uri="{FF2B5EF4-FFF2-40B4-BE49-F238E27FC236}">
+                <a16:creationId xmlns:a16="http://schemas.microsoft.com/office/drawing/2014/main" id="{D782009A-E20A-308A-31EF-45E22CDCC6C7}"/>
               </a:ext>
             </a:extLst>
           </p:cNvPr>
@@ -5183,8 +6344,8 @@
         </p:nvSpPr>
         <p:spPr>
           <a:xfrm>
-            <a:off x="410967" y="2178121"/>
-            <a:ext cx="5537770" cy="2862322"/>
+            <a:off x="704636" y="2967335"/>
+            <a:ext cx="4155040" cy="1631216"/>
           </a:xfrm>
           <a:prstGeom prst="rect">
             <a:avLst/>
@@ -5199,41 +6360,23 @@
           <a:p>
             <a:r>
               <a:rPr lang="en-IN" sz="2000" dirty="0"/>
-              <a:t>Average loan amount different categories is as follows</a:t>
-            </a:r>
-          </a:p>
-          <a:p>
-            <a:endParaRPr lang="en-IN" sz="2000" dirty="0"/>
+              <a:t>Defaulters have average annual income lesser than fully paid category by 1000$.</a:t>
+            </a:r>
           </a:p>
           <a:p>
             <a:r>
               <a:rPr lang="en-IN" sz="2000" dirty="0"/>
-              <a:t>Charged off loans have ~1500 $ higher value compared to</a:t>
-            </a:r>
-          </a:p>
-          <a:p>
-            <a:r>
-              <a:rPr lang="en-IN" sz="2000" dirty="0"/>
-              <a:t>Fully Paid loans.</a:t>
-            </a:r>
-          </a:p>
-          <a:p>
-            <a:endParaRPr lang="en-IN" sz="2000" dirty="0"/>
-          </a:p>
-          <a:p>
-            <a:r>
-              <a:rPr lang="en-IN" sz="2000" dirty="0"/>
-              <a:t>Note : Current is ignored in the analysis as the loan is not closed yet</a:t>
+              <a:t>Lower annual income indicates higher default rate</a:t>
             </a:r>
           </a:p>
         </p:txBody>
       </p:sp>
       <p:pic>
         <p:nvPicPr>
-          <p:cNvPr id="7" name="Picture 6">
-            <a:extLst>
-              <a:ext uri="{FF2B5EF4-FFF2-40B4-BE49-F238E27FC236}">
-                <a16:creationId xmlns:a16="http://schemas.microsoft.com/office/drawing/2014/main" id="{25E79363-3BEF-3E42-9663-835013032FD6}"/>
+          <p:cNvPr id="5" name="Picture 4">
+            <a:extLst>
+              <a:ext uri="{FF2B5EF4-FFF2-40B4-BE49-F238E27FC236}">
+                <a16:creationId xmlns:a16="http://schemas.microsoft.com/office/drawing/2014/main" id="{01C69309-8181-AF6E-0D0E-9CEE0528F1CD}"/>
               </a:ext>
             </a:extLst>
           </p:cNvPr>
@@ -5250,8 +6393,8 @@
         </p:blipFill>
         <p:spPr>
           <a:xfrm>
-            <a:off x="6332038" y="1511300"/>
-            <a:ext cx="5610225" cy="4981575"/>
+            <a:off x="5134548" y="1690688"/>
+            <a:ext cx="6785811" cy="4216952"/>
           </a:xfrm>
           <a:prstGeom prst="rect">
             <a:avLst/>
@@ -5261,7 +6404,7 @@
     </p:spTree>
     <p:extLst>
       <p:ext uri="{BB962C8B-B14F-4D97-AF65-F5344CB8AC3E}">
-        <p14:creationId xmlns:p14="http://schemas.microsoft.com/office/powerpoint/2010/main" val="1223802965"/>
+        <p14:creationId xmlns:p14="http://schemas.microsoft.com/office/powerpoint/2010/main" val="1764777773"/>
       </p:ext>
     </p:extLst>
   </p:cSld>
@@ -5293,7 +6436,7 @@
           <p:cNvPr id="2" name="Title 1">
             <a:extLst>
               <a:ext uri="{FF2B5EF4-FFF2-40B4-BE49-F238E27FC236}">
-                <a16:creationId xmlns:a16="http://schemas.microsoft.com/office/drawing/2014/main" id="{80AE5A34-ED17-A270-5301-E65A7462A514}"/>
+                <a16:creationId xmlns:a16="http://schemas.microsoft.com/office/drawing/2014/main" id="{4A9E4923-240F-9450-BFA1-E70D00170386}"/>
               </a:ext>
             </a:extLst>
           </p:cNvPr>
@@ -5310,9 +6453,10 @@
           <a:lstStyle/>
           <a:p>
             <a:r>
-              <a:rPr lang="en-IN" dirty="0"/>
-              <a:t>Default rates based on loan purpose</a:t>
-            </a:r>
+              <a:rPr lang="en-US" dirty="0"/>
+              <a:t>Debt to income ratio</a:t>
+            </a:r>
+            <a:endParaRPr lang="en-IN" dirty="0"/>
           </a:p>
         </p:txBody>
       </p:sp>
@@ -5321,7 +6465,7 @@
           <p:cNvPr id="5" name="Picture 4">
             <a:extLst>
               <a:ext uri="{FF2B5EF4-FFF2-40B4-BE49-F238E27FC236}">
-                <a16:creationId xmlns:a16="http://schemas.microsoft.com/office/drawing/2014/main" id="{C1EEB699-CAAB-828C-DA7B-AFD6FDC15EF8}"/>
+                <a16:creationId xmlns:a16="http://schemas.microsoft.com/office/drawing/2014/main" id="{7A8726A9-9700-89C7-46AA-41D1B657EAC4}"/>
               </a:ext>
             </a:extLst>
           </p:cNvPr>
@@ -5338,8 +6482,8 @@
         </p:blipFill>
         <p:spPr>
           <a:xfrm>
-            <a:off x="5445304" y="1929773"/>
-            <a:ext cx="6376773" cy="4773257"/>
+            <a:off x="6634323" y="2008650"/>
+            <a:ext cx="5067300" cy="3724275"/>
           </a:xfrm>
           <a:prstGeom prst="rect">
             <a:avLst/>
@@ -5351,7 +6495,7 @@
           <p:cNvPr id="6" name="TextBox 5">
             <a:extLst>
               <a:ext uri="{FF2B5EF4-FFF2-40B4-BE49-F238E27FC236}">
-                <a16:creationId xmlns:a16="http://schemas.microsoft.com/office/drawing/2014/main" id="{DE47912C-917C-6BEE-8B35-5E30DBC44693}"/>
+                <a16:creationId xmlns:a16="http://schemas.microsoft.com/office/drawing/2014/main" id="{416F217E-B59A-EA69-E3EF-0D2C7F3051E6}"/>
               </a:ext>
             </a:extLst>
           </p:cNvPr>
@@ -5360,8 +6504,8 @@
         </p:nvSpPr>
         <p:spPr>
           <a:xfrm>
-            <a:off x="195209" y="3608515"/>
-            <a:ext cx="5537770" cy="707886"/>
+            <a:off x="550524" y="3028890"/>
+            <a:ext cx="5537770" cy="1631216"/>
           </a:xfrm>
           <a:prstGeom prst="rect">
             <a:avLst/>
@@ -5376,29 +6520,29 @@
           <a:p>
             <a:r>
               <a:rPr lang="en-IN" sz="2000" dirty="0"/>
-              <a:t>Loans taken for </a:t>
+              <a:t>Higher debt to income ratio indicates more financial stress and leads to defaults as shown in figure</a:t>
+            </a:r>
+          </a:p>
+          <a:p>
+            <a:endParaRPr lang="en-IN" sz="2000" dirty="0"/>
+          </a:p>
+          <a:p>
+            <a:r>
+              <a:rPr lang="en-IN" sz="2000" dirty="0"/>
+              <a:t>Parameter : </a:t>
             </a:r>
             <a:r>
               <a:rPr lang="en-IN" sz="2000" dirty="0" err="1"/>
-              <a:t>small_business</a:t>
-            </a:r>
-            <a:r>
-              <a:rPr lang="en-IN" sz="2000" dirty="0"/>
-              <a:t> carries higher risk</a:t>
-            </a:r>
-          </a:p>
-          <a:p>
-            <a:r>
-              <a:rPr lang="en-IN" sz="2000" dirty="0"/>
-              <a:t>Of defaulting.</a:t>
-            </a:r>
+              <a:t>dti</a:t>
+            </a:r>
+            <a:endParaRPr lang="en-IN" sz="2000" dirty="0"/>
           </a:p>
         </p:txBody>
       </p:sp>
     </p:spTree>
     <p:extLst>
       <p:ext uri="{BB962C8B-B14F-4D97-AF65-F5344CB8AC3E}">
-        <p14:creationId xmlns:p14="http://schemas.microsoft.com/office/powerpoint/2010/main" val="356964329"/>
+        <p14:creationId xmlns:p14="http://schemas.microsoft.com/office/powerpoint/2010/main" val="2875152976"/>
       </p:ext>
     </p:extLst>
   </p:cSld>
@@ -5447,7 +6591,12 @@
             <p:ph type="title"/>
           </p:nvPr>
         </p:nvSpPr>
-        <p:spPr/>
+        <p:spPr>
+          <a:xfrm>
+            <a:off x="838200" y="-18775"/>
+            <a:ext cx="10515600" cy="1325563"/>
+          </a:xfrm>
+        </p:spPr>
         <p:txBody>
           <a:bodyPr/>
           <a:lstStyle/>
@@ -5474,7 +6623,7 @@
         <p:spPr>
           <a:xfrm>
             <a:off x="462337" y="3145665"/>
-            <a:ext cx="5537770" cy="1015663"/>
+            <a:ext cx="5537770" cy="1323439"/>
           </a:xfrm>
           <a:prstGeom prst="rect">
             <a:avLst/>
@@ -5489,17 +6638,17 @@
           <a:p>
             <a:r>
               <a:rPr lang="en-IN" sz="2000" dirty="0"/>
-              <a:t>From the graph ratio Grade A has low chance of default compared to other higher grades. Risk of default increases towards G.</a:t>
+              <a:t>From both the graphs Grade A has low chance of default compared to other higher grades. Risk of default increases towards higher grades as we go on to B..C……..G</a:t>
             </a:r>
           </a:p>
         </p:txBody>
       </p:sp>
       <p:pic>
         <p:nvPicPr>
-          <p:cNvPr id="4" name="Picture 3">
-            <a:extLst>
-              <a:ext uri="{FF2B5EF4-FFF2-40B4-BE49-F238E27FC236}">
-                <a16:creationId xmlns:a16="http://schemas.microsoft.com/office/drawing/2014/main" id="{A91B82B9-B403-A2DF-212D-241A6762AC0C}"/>
+          <p:cNvPr id="5" name="Picture 4">
+            <a:extLst>
+              <a:ext uri="{FF2B5EF4-FFF2-40B4-BE49-F238E27FC236}">
+                <a16:creationId xmlns:a16="http://schemas.microsoft.com/office/drawing/2014/main" id="{D6BE2773-F288-8152-3401-2F706C6E498E}"/>
               </a:ext>
             </a:extLst>
           </p:cNvPr>
@@ -5516,8 +6665,38 @@
         </p:blipFill>
         <p:spPr>
           <a:xfrm>
-            <a:off x="6270393" y="1364644"/>
-            <a:ext cx="5610225" cy="5267325"/>
+            <a:off x="7335530" y="1306788"/>
+            <a:ext cx="3699553" cy="2741695"/>
+          </a:xfrm>
+          <a:prstGeom prst="rect">
+            <a:avLst/>
+          </a:prstGeom>
+        </p:spPr>
+      </p:pic>
+      <p:pic>
+        <p:nvPicPr>
+          <p:cNvPr id="8" name="Picture 7">
+            <a:extLst>
+              <a:ext uri="{FF2B5EF4-FFF2-40B4-BE49-F238E27FC236}">
+                <a16:creationId xmlns:a16="http://schemas.microsoft.com/office/drawing/2014/main" id="{C873CFB4-2F9E-9D9B-FBD0-919A391BFC4D}"/>
+              </a:ext>
+            </a:extLst>
+          </p:cNvPr>
+          <p:cNvPicPr>
+            <a:picLocks noChangeAspect="1"/>
+          </p:cNvPicPr>
+          <p:nvPr/>
+        </p:nvPicPr>
+        <p:blipFill>
+          <a:blip r:embed="rId3"/>
+          <a:stretch>
+            <a:fillRect/>
+          </a:stretch>
+        </p:blipFill>
+        <p:spPr>
+          <a:xfrm>
+            <a:off x="7404881" y="4161328"/>
+            <a:ext cx="3560853" cy="2638906"/>
           </a:xfrm>
           <a:prstGeom prst="rect">
             <a:avLst/>
@@ -5542,13 +6721,7 @@
   <p:cSld>
     <p:spTree>
       <p:nvGrpSpPr>
-        <p:cNvPr id="1" name="">
-          <a:extLst>
-            <a:ext uri="{FF2B5EF4-FFF2-40B4-BE49-F238E27FC236}">
-              <a16:creationId xmlns:a16="http://schemas.microsoft.com/office/drawing/2014/main" id="{4BC4E437-400A-E096-E86E-B4EF2E11BED0}"/>
-            </a:ext>
-          </a:extLst>
-        </p:cNvPr>
+        <p:cNvPr id="1" name=""/>
         <p:cNvGrpSpPr/>
         <p:nvPr/>
       </p:nvGrpSpPr>
@@ -5565,7 +6738,7 @@
           <p:cNvPr id="2" name="Title 1">
             <a:extLst>
               <a:ext uri="{FF2B5EF4-FFF2-40B4-BE49-F238E27FC236}">
-                <a16:creationId xmlns:a16="http://schemas.microsoft.com/office/drawing/2014/main" id="{18184E24-1796-F4DC-25C8-DFB0B5B2C2B4}"/>
+                <a16:creationId xmlns:a16="http://schemas.microsoft.com/office/drawing/2014/main" id="{BA366A18-FCCB-A141-C03D-9AB76C53A61B}"/>
               </a:ext>
             </a:extLst>
           </p:cNvPr>
@@ -5575,60 +6748,35 @@
           <p:nvPr>
             <p:ph type="title"/>
           </p:nvPr>
+        </p:nvSpPr>
+        <p:spPr/>
+        <p:txBody>
+          <a:bodyPr/>
+          <a:lstStyle/>
+          <a:p>
+            <a:r>
+              <a:rPr lang="en-IN" dirty="0"/>
+              <a:t>Loan status vs average loan amount</a:t>
+            </a:r>
+          </a:p>
+        </p:txBody>
+      </p:sp>
+      <p:sp>
+        <p:nvSpPr>
+          <p:cNvPr id="6" name="TextBox 5">
+            <a:extLst>
+              <a:ext uri="{FF2B5EF4-FFF2-40B4-BE49-F238E27FC236}">
+                <a16:creationId xmlns:a16="http://schemas.microsoft.com/office/drawing/2014/main" id="{F2BD7E5E-81D0-5FA6-DAFE-1EDD0DF3A625}"/>
+              </a:ext>
+            </a:extLst>
+          </p:cNvPr>
+          <p:cNvSpPr txBox="1"/>
+          <p:nvPr/>
         </p:nvSpPr>
         <p:spPr>
           <a:xfrm>
-            <a:off x="550524" y="617579"/>
-            <a:ext cx="10515600" cy="1374692"/>
-          </a:xfrm>
-        </p:spPr>
-        <p:txBody>
-          <a:bodyPr/>
-          <a:lstStyle/>
-          <a:p>
-            <a:r>
-              <a:rPr lang="en-IN" dirty="0"/>
-              <a:t>Default rates based on </a:t>
-            </a:r>
-            <a:r>
-              <a:rPr lang="en-IN" b="0" dirty="0">
-                <a:solidFill>
-                  <a:srgbClr val="CE9178"/>
-                </a:solidFill>
-                <a:effectLst/>
-                <a:latin typeface="Consolas" panose="020B0609020204030204" pitchFamily="49" charset="0"/>
-              </a:rPr>
-              <a:t>delinq_2yrs</a:t>
-            </a:r>
-            <a:br>
-              <a:rPr lang="en-IN" b="0" dirty="0">
-                <a:solidFill>
-                  <a:srgbClr val="CCCCCC"/>
-                </a:solidFill>
-                <a:effectLst/>
-                <a:latin typeface="Consolas" panose="020B0609020204030204" pitchFamily="49" charset="0"/>
-              </a:rPr>
-            </a:br>
-            <a:endParaRPr lang="en-IN" dirty="0"/>
-          </a:p>
-        </p:txBody>
-      </p:sp>
-      <p:sp>
-        <p:nvSpPr>
-          <p:cNvPr id="6" name="TextBox 5">
-            <a:extLst>
-              <a:ext uri="{FF2B5EF4-FFF2-40B4-BE49-F238E27FC236}">
-                <a16:creationId xmlns:a16="http://schemas.microsoft.com/office/drawing/2014/main" id="{7576FFFD-33A6-5413-35BD-232A0BBFDC79}"/>
-              </a:ext>
-            </a:extLst>
-          </p:cNvPr>
-          <p:cNvSpPr txBox="1"/>
-          <p:nvPr/>
-        </p:nvSpPr>
-        <p:spPr>
-          <a:xfrm>
-            <a:off x="959190" y="3105081"/>
-            <a:ext cx="5537770" cy="400110"/>
+            <a:off x="945221" y="2178121"/>
+            <a:ext cx="5003515" cy="2862322"/>
           </a:xfrm>
           <a:prstGeom prst="rect">
             <a:avLst/>
@@ -5643,17 +6791,41 @@
           <a:p>
             <a:r>
               <a:rPr lang="en-IN" sz="2000" dirty="0"/>
-              <a:t>Higher defaults seen for higher delinq_2 years</a:t>
+              <a:t>Average loan amount different categories is as follows</a:t>
+            </a:r>
+          </a:p>
+          <a:p>
+            <a:endParaRPr lang="en-IN" sz="2000" dirty="0"/>
+          </a:p>
+          <a:p>
+            <a:r>
+              <a:rPr lang="en-IN" sz="2000" dirty="0"/>
+              <a:t>Charged off loans have ~1500 $ higher value compared to</a:t>
+            </a:r>
+          </a:p>
+          <a:p>
+            <a:r>
+              <a:rPr lang="en-IN" sz="2000" dirty="0"/>
+              <a:t>Fully Paid loans.</a:t>
+            </a:r>
+          </a:p>
+          <a:p>
+            <a:endParaRPr lang="en-IN" sz="2000" dirty="0"/>
+          </a:p>
+          <a:p>
+            <a:r>
+              <a:rPr lang="en-IN" sz="2000" i="1" dirty="0"/>
+              <a:t>Note : Current is ignored in the analysis as the loan is not closed yet</a:t>
             </a:r>
           </a:p>
         </p:txBody>
       </p:sp>
       <p:pic>
         <p:nvPicPr>
-          <p:cNvPr id="8" name="Picture 7">
-            <a:extLst>
-              <a:ext uri="{FF2B5EF4-FFF2-40B4-BE49-F238E27FC236}">
-                <a16:creationId xmlns:a16="http://schemas.microsoft.com/office/drawing/2014/main" id="{1FD7BA90-EA02-FB04-9A6E-DCBA5551E5ED}"/>
+          <p:cNvPr id="7" name="Picture 6">
+            <a:extLst>
+              <a:ext uri="{FF2B5EF4-FFF2-40B4-BE49-F238E27FC236}">
+                <a16:creationId xmlns:a16="http://schemas.microsoft.com/office/drawing/2014/main" id="{25E79363-3BEF-3E42-9663-835013032FD6}"/>
               </a:ext>
             </a:extLst>
           </p:cNvPr>
@@ -5670,8 +6842,8 @@
         </p:blipFill>
         <p:spPr>
           <a:xfrm>
-            <a:off x="6905625" y="1992271"/>
-            <a:ext cx="4448175" cy="4248150"/>
+            <a:off x="6332038" y="1511300"/>
+            <a:ext cx="5610225" cy="4981575"/>
           </a:xfrm>
           <a:prstGeom prst="rect">
             <a:avLst/>
@@ -5681,7 +6853,7 @@
     </p:spTree>
     <p:extLst>
       <p:ext uri="{BB962C8B-B14F-4D97-AF65-F5344CB8AC3E}">
-        <p14:creationId xmlns:p14="http://schemas.microsoft.com/office/powerpoint/2010/main" val="3164178106"/>
+        <p14:creationId xmlns:p14="http://schemas.microsoft.com/office/powerpoint/2010/main" val="1223802965"/>
       </p:ext>
     </p:extLst>
   </p:cSld>
@@ -5984,4 +7156,299 @@
     </a:ext>
   </a:extLst>
 </a:theme>
+</file>
+
+<file path=ppt/theme/theme2.xml><?xml version="1.0" encoding="utf-8"?>
+<a:theme xmlns:a="http://schemas.openxmlformats.org/drawingml/2006/main" name="Office Theme">
+  <a:themeElements>
+    <a:clrScheme name="Office">
+      <a:dk1>
+        <a:sysClr val="windowText" lastClr="000000"/>
+      </a:dk1>
+      <a:lt1>
+        <a:sysClr val="window" lastClr="FFFFFF"/>
+      </a:lt1>
+      <a:dk2>
+        <a:srgbClr val="44546A"/>
+      </a:dk2>
+      <a:lt2>
+        <a:srgbClr val="E7E6E6"/>
+      </a:lt2>
+      <a:accent1>
+        <a:srgbClr val="4472C4"/>
+      </a:accent1>
+      <a:accent2>
+        <a:srgbClr val="ED7D31"/>
+      </a:accent2>
+      <a:accent3>
+        <a:srgbClr val="A5A5A5"/>
+      </a:accent3>
+      <a:accent4>
+        <a:srgbClr val="FFC000"/>
+      </a:accent4>
+      <a:accent5>
+        <a:srgbClr val="5B9BD5"/>
+      </a:accent5>
+      <a:accent6>
+        <a:srgbClr val="70AD47"/>
+      </a:accent6>
+      <a:hlink>
+        <a:srgbClr val="0563C1"/>
+      </a:hlink>
+      <a:folHlink>
+        <a:srgbClr val="954F72"/>
+      </a:folHlink>
+    </a:clrScheme>
+    <a:fontScheme name="Office">
+      <a:majorFont>
+        <a:latin typeface="Calibri Light" panose="020F0302020204030204"/>
+        <a:ea typeface=""/>
+        <a:cs typeface=""/>
+        <a:font script="Jpan" typeface="游ゴシック Light"/>
+        <a:font script="Hang" typeface="맑은 고딕"/>
+        <a:font script="Hans" typeface="等线 Light"/>
+        <a:font script="Hant" typeface="新細明體"/>
+        <a:font script="Arab" typeface="Times New Roman"/>
+        <a:font script="Hebr" typeface="Times New Roman"/>
+        <a:font script="Thai" typeface="Angsana New"/>
+        <a:font script="Ethi" typeface="Nyala"/>
+        <a:font script="Beng" typeface="Vrinda"/>
+        <a:font script="Gujr" typeface="Shruti"/>
+        <a:font script="Khmr" typeface="MoolBoran"/>
+        <a:font script="Knda" typeface="Tunga"/>
+        <a:font script="Guru" typeface="Raavi"/>
+        <a:font script="Cans" typeface="Euphemia"/>
+        <a:font script="Cher" typeface="Plantagenet Cherokee"/>
+        <a:font script="Yiii" typeface="Microsoft Yi Baiti"/>
+        <a:font script="Tibt" typeface="Microsoft Himalaya"/>
+        <a:font script="Thaa" typeface="MV Boli"/>
+        <a:font script="Deva" typeface="Mangal"/>
+        <a:font script="Telu" typeface="Gautami"/>
+        <a:font script="Taml" typeface="Latha"/>
+        <a:font script="Syrc" typeface="Estrangelo Edessa"/>
+        <a:font script="Orya" typeface="Kalinga"/>
+        <a:font script="Mlym" typeface="Kartika"/>
+        <a:font script="Laoo" typeface="DokChampa"/>
+        <a:font script="Sinh" typeface="Iskoola Pota"/>
+        <a:font script="Mong" typeface="Mongolian Baiti"/>
+        <a:font script="Viet" typeface="Times New Roman"/>
+        <a:font script="Uigh" typeface="Microsoft Uighur"/>
+        <a:font script="Geor" typeface="Sylfaen"/>
+        <a:font script="Armn" typeface="Arial"/>
+        <a:font script="Bugi" typeface="Leelawadee UI"/>
+        <a:font script="Bopo" typeface="Microsoft JhengHei"/>
+        <a:font script="Java" typeface="Javanese Text"/>
+        <a:font script="Lisu" typeface="Segoe UI"/>
+        <a:font script="Mymr" typeface="Myanmar Text"/>
+        <a:font script="Nkoo" typeface="Ebrima"/>
+        <a:font script="Olck" typeface="Nirmala UI"/>
+        <a:font script="Osma" typeface="Ebrima"/>
+        <a:font script="Phag" typeface="Phagspa"/>
+        <a:font script="Syrn" typeface="Estrangelo Edessa"/>
+        <a:font script="Syrj" typeface="Estrangelo Edessa"/>
+        <a:font script="Syre" typeface="Estrangelo Edessa"/>
+        <a:font script="Sora" typeface="Nirmala UI"/>
+        <a:font script="Tale" typeface="Microsoft Tai Le"/>
+        <a:font script="Talu" typeface="Microsoft New Tai Lue"/>
+        <a:font script="Tfng" typeface="Ebrima"/>
+      </a:majorFont>
+      <a:minorFont>
+        <a:latin typeface="Calibri" panose="020F0502020204030204"/>
+        <a:ea typeface=""/>
+        <a:cs typeface=""/>
+        <a:font script="Jpan" typeface="游ゴシック"/>
+        <a:font script="Hang" typeface="맑은 고딕"/>
+        <a:font script="Hans" typeface="等线"/>
+        <a:font script="Hant" typeface="新細明體"/>
+        <a:font script="Arab" typeface="Arial"/>
+        <a:font script="Hebr" typeface="Arial"/>
+        <a:font script="Thai" typeface="Cordia New"/>
+        <a:font script="Ethi" typeface="Nyala"/>
+        <a:font script="Beng" typeface="Vrinda"/>
+        <a:font script="Gujr" typeface="Shruti"/>
+        <a:font script="Khmr" typeface="DaunPenh"/>
+        <a:font script="Knda" typeface="Tunga"/>
+        <a:font script="Guru" typeface="Raavi"/>
+        <a:font script="Cans" typeface="Euphemia"/>
+        <a:font script="Cher" typeface="Plantagenet Cherokee"/>
+        <a:font script="Yiii" typeface="Microsoft Yi Baiti"/>
+        <a:font script="Tibt" typeface="Microsoft Himalaya"/>
+        <a:font script="Thaa" typeface="MV Boli"/>
+        <a:font script="Deva" typeface="Mangal"/>
+        <a:font script="Telu" typeface="Gautami"/>
+        <a:font script="Taml" typeface="Latha"/>
+        <a:font script="Syrc" typeface="Estrangelo Edessa"/>
+        <a:font script="Orya" typeface="Kalinga"/>
+        <a:font script="Mlym" typeface="Kartika"/>
+        <a:font script="Laoo" typeface="DokChampa"/>
+        <a:font script="Sinh" typeface="Iskoola Pota"/>
+        <a:font script="Mong" typeface="Mongolian Baiti"/>
+        <a:font script="Viet" typeface="Arial"/>
+        <a:font script="Uigh" typeface="Microsoft Uighur"/>
+        <a:font script="Geor" typeface="Sylfaen"/>
+        <a:font script="Armn" typeface="Arial"/>
+        <a:font script="Bugi" typeface="Leelawadee UI"/>
+        <a:font script="Bopo" typeface="Microsoft JhengHei"/>
+        <a:font script="Java" typeface="Javanese Text"/>
+        <a:font script="Lisu" typeface="Segoe UI"/>
+        <a:font script="Mymr" typeface="Myanmar Text"/>
+        <a:font script="Nkoo" typeface="Ebrima"/>
+        <a:font script="Olck" typeface="Nirmala UI"/>
+        <a:font script="Osma" typeface="Ebrima"/>
+        <a:font script="Phag" typeface="Phagspa"/>
+        <a:font script="Syrn" typeface="Estrangelo Edessa"/>
+        <a:font script="Syrj" typeface="Estrangelo Edessa"/>
+        <a:font script="Syre" typeface="Estrangelo Edessa"/>
+        <a:font script="Sora" typeface="Nirmala UI"/>
+        <a:font script="Tale" typeface="Microsoft Tai Le"/>
+        <a:font script="Talu" typeface="Microsoft New Tai Lue"/>
+        <a:font script="Tfng" typeface="Ebrima"/>
+      </a:minorFont>
+    </a:fontScheme>
+    <a:fmtScheme name="Office">
+      <a:fillStyleLst>
+        <a:solidFill>
+          <a:schemeClr val="phClr"/>
+        </a:solidFill>
+        <a:gradFill rotWithShape="1">
+          <a:gsLst>
+            <a:gs pos="0">
+              <a:schemeClr val="phClr">
+                <a:lumMod val="110000"/>
+                <a:satMod val="105000"/>
+                <a:tint val="67000"/>
+              </a:schemeClr>
+            </a:gs>
+            <a:gs pos="50000">
+              <a:schemeClr val="phClr">
+                <a:lumMod val="105000"/>
+                <a:satMod val="103000"/>
+                <a:tint val="73000"/>
+              </a:schemeClr>
+            </a:gs>
+            <a:gs pos="100000">
+              <a:schemeClr val="phClr">
+                <a:lumMod val="105000"/>
+                <a:satMod val="109000"/>
+                <a:tint val="81000"/>
+              </a:schemeClr>
+            </a:gs>
+          </a:gsLst>
+          <a:lin ang="5400000" scaled="0"/>
+        </a:gradFill>
+        <a:gradFill rotWithShape="1">
+          <a:gsLst>
+            <a:gs pos="0">
+              <a:schemeClr val="phClr">
+                <a:satMod val="103000"/>
+                <a:lumMod val="102000"/>
+                <a:tint val="94000"/>
+              </a:schemeClr>
+            </a:gs>
+            <a:gs pos="50000">
+              <a:schemeClr val="phClr">
+                <a:satMod val="110000"/>
+                <a:lumMod val="100000"/>
+                <a:shade val="100000"/>
+              </a:schemeClr>
+            </a:gs>
+            <a:gs pos="100000">
+              <a:schemeClr val="phClr">
+                <a:lumMod val="99000"/>
+                <a:satMod val="120000"/>
+                <a:shade val="78000"/>
+              </a:schemeClr>
+            </a:gs>
+          </a:gsLst>
+          <a:lin ang="5400000" scaled="0"/>
+        </a:gradFill>
+      </a:fillStyleLst>
+      <a:lnStyleLst>
+        <a:ln w="6350" cap="flat" cmpd="sng" algn="ctr">
+          <a:solidFill>
+            <a:schemeClr val="phClr"/>
+          </a:solidFill>
+          <a:prstDash val="solid"/>
+          <a:miter lim="800000"/>
+        </a:ln>
+        <a:ln w="12700" cap="flat" cmpd="sng" algn="ctr">
+          <a:solidFill>
+            <a:schemeClr val="phClr"/>
+          </a:solidFill>
+          <a:prstDash val="solid"/>
+          <a:miter lim="800000"/>
+        </a:ln>
+        <a:ln w="19050" cap="flat" cmpd="sng" algn="ctr">
+          <a:solidFill>
+            <a:schemeClr val="phClr"/>
+          </a:solidFill>
+          <a:prstDash val="solid"/>
+          <a:miter lim="800000"/>
+        </a:ln>
+      </a:lnStyleLst>
+      <a:effectStyleLst>
+        <a:effectStyle>
+          <a:effectLst/>
+        </a:effectStyle>
+        <a:effectStyle>
+          <a:effectLst/>
+        </a:effectStyle>
+        <a:effectStyle>
+          <a:effectLst>
+            <a:outerShdw blurRad="57150" dist="19050" dir="5400000" algn="ctr" rotWithShape="0">
+              <a:srgbClr val="000000">
+                <a:alpha val="63000"/>
+              </a:srgbClr>
+            </a:outerShdw>
+          </a:effectLst>
+        </a:effectStyle>
+      </a:effectStyleLst>
+      <a:bgFillStyleLst>
+        <a:solidFill>
+          <a:schemeClr val="phClr"/>
+        </a:solidFill>
+        <a:solidFill>
+          <a:schemeClr val="phClr">
+            <a:tint val="95000"/>
+            <a:satMod val="170000"/>
+          </a:schemeClr>
+        </a:solidFill>
+        <a:gradFill rotWithShape="1">
+          <a:gsLst>
+            <a:gs pos="0">
+              <a:schemeClr val="phClr">
+                <a:tint val="93000"/>
+                <a:satMod val="150000"/>
+                <a:shade val="98000"/>
+                <a:lumMod val="102000"/>
+              </a:schemeClr>
+            </a:gs>
+            <a:gs pos="50000">
+              <a:schemeClr val="phClr">
+                <a:tint val="98000"/>
+                <a:satMod val="130000"/>
+                <a:shade val="90000"/>
+                <a:lumMod val="103000"/>
+              </a:schemeClr>
+            </a:gs>
+            <a:gs pos="100000">
+              <a:schemeClr val="phClr">
+                <a:shade val="63000"/>
+                <a:satMod val="120000"/>
+              </a:schemeClr>
+            </a:gs>
+          </a:gsLst>
+          <a:lin ang="5400000" scaled="0"/>
+        </a:gradFill>
+      </a:bgFillStyleLst>
+    </a:fmtScheme>
+  </a:themeElements>
+  <a:objectDefaults/>
+  <a:extraClrSchemeLst/>
+  <a:extLst>
+    <a:ext uri="{05A4C25C-085E-4340-85A3-A5531E510DB2}">
+      <thm15:themeFamily xmlns:thm15="http://schemas.microsoft.com/office/thememl/2012/main" name="Office Theme" id="{62F939B6-93AF-4DB8-9C6B-D6C7DFDC589F}" vid="{4A3C46E8-61CC-4603-A589-7422A47A8E4A}"/>
+    </a:ext>
+  </a:extLst>
+</a:theme>
 </file>